--- a/2D (2).pptx
+++ b/2D (2).pptx
@@ -4,56 +4,921 @@
   <p:sldMasterIdLst>
     <p:sldMasterId id="2147483648" r:id="rId1"/>
   </p:sldMasterIdLst>
+  <p:notesMasterIdLst>
+    <p:notesMasterId r:id="rId11"/>
+  </p:notesMasterIdLst>
   <p:sldIdLst>
     <p:sldId id="256" r:id="rId2"/>
-    <p:sldId id="257" r:id="rId3"/>
-    <p:sldId id="258" r:id="rId4"/>
+    <p:sldId id="265" r:id="rId3"/>
+    <p:sldId id="257" r:id="rId4"/>
     <p:sldId id="259" r:id="rId5"/>
-    <p:sldId id="260" r:id="rId6"/>
-    <p:sldId id="261" r:id="rId7"/>
-    <p:sldId id="262" r:id="rId8"/>
-    <p:sldId id="263" r:id="rId9"/>
+    <p:sldId id="266" r:id="rId6"/>
+    <p:sldId id="267" r:id="rId7"/>
+    <p:sldId id="260" r:id="rId8"/>
+    <p:sldId id="262" r:id="rId9"/>
+    <p:sldId id="263" r:id="rId10"/>
   </p:sldIdLst>
-  <p:notesMasterIdLst>
-    <p:notesMasterId r:id="rId10"/>
-  </p:notesMasterIdLst>
   <p:sldSz cx="14630400" cy="8229600"/>
   <p:notesSz cx="8229600" cy="14630400"/>
   <p:embeddedFontLst>
     <p:embeddedFont>
-      <p:font typeface="Tomorrow Semi Bold"/>
-      <p:regular r:id="rId15"/>
+      <p:font typeface="Tomorrow" panose="020B0600000101010101" charset="0"/>
+      <p:regular r:id="rId12"/>
     </p:embeddedFont>
     <p:embeddedFont>
-      <p:font typeface="Tomorrow Semi Bold"/>
-      <p:regular r:id="rId16"/>
+      <p:font typeface="Tomorrow Semi Bold" panose="020B0600000101010101" charset="0"/>
+      <p:regular r:id="rId13"/>
     </p:embeddedFont>
     <p:embeddedFont>
-      <p:font typeface="Tomorrow Semi Bold"/>
-      <p:regular r:id="rId17"/>
-    </p:embeddedFont>
-    <p:embeddedFont>
-      <p:font typeface="Tomorrow Semi Bold"/>
-      <p:regular r:id="rId18"/>
-    </p:embeddedFont>
-    <p:embeddedFont>
-      <p:font typeface="Tomorrow"/>
-      <p:regular r:id="rId19"/>
-    </p:embeddedFont>
-    <p:embeddedFont>
-      <p:font typeface="Tomorrow"/>
-      <p:regular r:id="rId20"/>
-    </p:embeddedFont>
-    <p:embeddedFont>
-      <p:font typeface="Tomorrow"/>
-      <p:regular r:id="rId21"/>
-    </p:embeddedFont>
-    <p:embeddedFont>
-      <p:font typeface="Tomorrow"/>
-      <p:regular r:id="rId22"/>
+      <p:font typeface="배달의민족 주아" panose="02020603020101020101" pitchFamily="18" charset="-127"/>
+      <p:regular r:id="rId14"/>
     </p:embeddedFont>
   </p:embeddedFontLst>
+  <p:defaultTextStyle>
+    <a:defPPr>
+      <a:defRPr lang="ko-KR"/>
+    </a:defPPr>
+    <a:lvl1pPr marL="0" algn="l" defTabSz="914400" rtl="0" eaLnBrk="1" latinLnBrk="1" hangingPunct="1">
+      <a:defRPr sz="1800" kern="1200">
+        <a:solidFill>
+          <a:schemeClr val="tx1"/>
+        </a:solidFill>
+        <a:latin typeface="+mn-lt"/>
+        <a:ea typeface="+mn-ea"/>
+        <a:cs typeface="+mn-cs"/>
+      </a:defRPr>
+    </a:lvl1pPr>
+    <a:lvl2pPr marL="457200" algn="l" defTabSz="914400" rtl="0" eaLnBrk="1" latinLnBrk="1" hangingPunct="1">
+      <a:defRPr sz="1800" kern="1200">
+        <a:solidFill>
+          <a:schemeClr val="tx1"/>
+        </a:solidFill>
+        <a:latin typeface="+mn-lt"/>
+        <a:ea typeface="+mn-ea"/>
+        <a:cs typeface="+mn-cs"/>
+      </a:defRPr>
+    </a:lvl2pPr>
+    <a:lvl3pPr marL="914400" algn="l" defTabSz="914400" rtl="0" eaLnBrk="1" latinLnBrk="1" hangingPunct="1">
+      <a:defRPr sz="1800" kern="1200">
+        <a:solidFill>
+          <a:schemeClr val="tx1"/>
+        </a:solidFill>
+        <a:latin typeface="+mn-lt"/>
+        <a:ea typeface="+mn-ea"/>
+        <a:cs typeface="+mn-cs"/>
+      </a:defRPr>
+    </a:lvl3pPr>
+    <a:lvl4pPr marL="1371600" algn="l" defTabSz="914400" rtl="0" eaLnBrk="1" latinLnBrk="1" hangingPunct="1">
+      <a:defRPr sz="1800" kern="1200">
+        <a:solidFill>
+          <a:schemeClr val="tx1"/>
+        </a:solidFill>
+        <a:latin typeface="+mn-lt"/>
+        <a:ea typeface="+mn-ea"/>
+        <a:cs typeface="+mn-cs"/>
+      </a:defRPr>
+    </a:lvl4pPr>
+    <a:lvl5pPr marL="1828800" algn="l" defTabSz="914400" rtl="0" eaLnBrk="1" latinLnBrk="1" hangingPunct="1">
+      <a:defRPr sz="1800" kern="1200">
+        <a:solidFill>
+          <a:schemeClr val="tx1"/>
+        </a:solidFill>
+        <a:latin typeface="+mn-lt"/>
+        <a:ea typeface="+mn-ea"/>
+        <a:cs typeface="+mn-cs"/>
+      </a:defRPr>
+    </a:lvl5pPr>
+    <a:lvl6pPr marL="2286000" algn="l" defTabSz="914400" rtl="0" eaLnBrk="1" latinLnBrk="1" hangingPunct="1">
+      <a:defRPr sz="1800" kern="1200">
+        <a:solidFill>
+          <a:schemeClr val="tx1"/>
+        </a:solidFill>
+        <a:latin typeface="+mn-lt"/>
+        <a:ea typeface="+mn-ea"/>
+        <a:cs typeface="+mn-cs"/>
+      </a:defRPr>
+    </a:lvl6pPr>
+    <a:lvl7pPr marL="2743200" algn="l" defTabSz="914400" rtl="0" eaLnBrk="1" latinLnBrk="1" hangingPunct="1">
+      <a:defRPr sz="1800" kern="1200">
+        <a:solidFill>
+          <a:schemeClr val="tx1"/>
+        </a:solidFill>
+        <a:latin typeface="+mn-lt"/>
+        <a:ea typeface="+mn-ea"/>
+        <a:cs typeface="+mn-cs"/>
+      </a:defRPr>
+    </a:lvl7pPr>
+    <a:lvl8pPr marL="3200400" algn="l" defTabSz="914400" rtl="0" eaLnBrk="1" latinLnBrk="1" hangingPunct="1">
+      <a:defRPr sz="1800" kern="1200">
+        <a:solidFill>
+          <a:schemeClr val="tx1"/>
+        </a:solidFill>
+        <a:latin typeface="+mn-lt"/>
+        <a:ea typeface="+mn-ea"/>
+        <a:cs typeface="+mn-cs"/>
+      </a:defRPr>
+    </a:lvl8pPr>
+    <a:lvl9pPr marL="3657600" algn="l" defTabSz="914400" rtl="0" eaLnBrk="1" latinLnBrk="1" hangingPunct="1">
+      <a:defRPr sz="1800" kern="1200">
+        <a:solidFill>
+          <a:schemeClr val="tx1"/>
+        </a:solidFill>
+        <a:latin typeface="+mn-lt"/>
+        <a:ea typeface="+mn-ea"/>
+        <a:cs typeface="+mn-cs"/>
+      </a:defRPr>
+    </a:lvl9pPr>
+  </p:defaultTextStyle>
+  <p:extLst>
+    <p:ext uri="{EFAFB233-063F-42B5-8137-9DF3F51BA10A}">
+      <p15:sldGuideLst xmlns:p15="http://schemas.microsoft.com/office/powerpoint/2012/main"/>
+    </p:ext>
+  </p:extLst>
 </p:presentation>
+</file>
+
+<file path=ppt/revisionInfo.xml><?xml version="1.0" encoding="utf-8"?>
+<p1510:revInfo xmlns:a="http://schemas.openxmlformats.org/drawingml/2006/main" xmlns:r="http://schemas.openxmlformats.org/officeDocument/2006/relationships" xmlns:p1510="http://schemas.microsoft.com/office/powerpoint/2015/10/main">
+  <p1510:revLst>
+    <p1510:client id="{3459874E-5CEC-4CF8-A5C8-A2CBF6EC498C}" v="186" dt="2025-04-10T11:03:21.361"/>
+  </p1510:revLst>
+</p1510:revInfo>
+</file>
+
+<file path=ppt/changesInfos/changesInfo1.xml><?xml version="1.0" encoding="utf-8"?>
+<pc:chgInfo xmlns:a="http://schemas.openxmlformats.org/drawingml/2006/main" xmlns:r="http://schemas.openxmlformats.org/officeDocument/2006/relationships" xmlns:ac="http://schemas.microsoft.com/office/drawing/2013/main/command" xmlns:pc="http://schemas.microsoft.com/office/powerpoint/2013/main/command">
+  <pc:docChgLst>
+    <pc:chgData name="지수 김" userId="23b792f79e118d1f" providerId="LiveId" clId="{3459874E-5CEC-4CF8-A5C8-A2CBF6EC498C}"/>
+    <pc:docChg chg="undo redo custSel addSld delSld modSld sldOrd">
+      <pc:chgData name="지수 김" userId="23b792f79e118d1f" providerId="LiveId" clId="{3459874E-5CEC-4CF8-A5C8-A2CBF6EC498C}" dt="2025-04-10T11:02:31.952" v="2081"/>
+      <pc:docMkLst>
+        <pc:docMk/>
+      </pc:docMkLst>
+      <pc:sldChg chg="addSp delSp modSp mod">
+        <pc:chgData name="지수 김" userId="23b792f79e118d1f" providerId="LiveId" clId="{3459874E-5CEC-4CF8-A5C8-A2CBF6EC498C}" dt="2025-04-10T10:54:44.350" v="1606" actId="2085"/>
+        <pc:sldMkLst>
+          <pc:docMk/>
+          <pc:sldMk cId="0" sldId="256"/>
+        </pc:sldMkLst>
+        <pc:spChg chg="mod">
+          <ac:chgData name="지수 김" userId="23b792f79e118d1f" providerId="LiveId" clId="{3459874E-5CEC-4CF8-A5C8-A2CBF6EC498C}" dt="2025-04-10T10:54:24.403" v="1601" actId="2711"/>
+          <ac:spMkLst>
+            <pc:docMk/>
+            <pc:sldMk cId="0" sldId="256"/>
+            <ac:spMk id="3" creationId="{00000000-0000-0000-0000-000000000000}"/>
+          </ac:spMkLst>
+        </pc:spChg>
+        <pc:spChg chg="mod">
+          <ac:chgData name="지수 김" userId="23b792f79e118d1f" providerId="LiveId" clId="{3459874E-5CEC-4CF8-A5C8-A2CBF6EC498C}" dt="2025-04-10T10:54:27.324" v="1602" actId="20577"/>
+          <ac:spMkLst>
+            <pc:docMk/>
+            <pc:sldMk cId="0" sldId="256"/>
+            <ac:spMk id="4" creationId="{00000000-0000-0000-0000-000000000000}"/>
+          </ac:spMkLst>
+        </pc:spChg>
+        <pc:spChg chg="mod">
+          <ac:chgData name="지수 김" userId="23b792f79e118d1f" providerId="LiveId" clId="{3459874E-5CEC-4CF8-A5C8-A2CBF6EC498C}" dt="2025-04-10T10:54:24.403" v="1601" actId="2711"/>
+          <ac:spMkLst>
+            <pc:docMk/>
+            <pc:sldMk cId="0" sldId="256"/>
+            <ac:spMk id="7" creationId="{00000000-0000-0000-0000-000000000000}"/>
+          </ac:spMkLst>
+        </pc:spChg>
+        <pc:spChg chg="add mod">
+          <ac:chgData name="지수 김" userId="23b792f79e118d1f" providerId="LiveId" clId="{3459874E-5CEC-4CF8-A5C8-A2CBF6EC498C}" dt="2025-04-10T10:54:44.350" v="1606" actId="2085"/>
+          <ac:spMkLst>
+            <pc:docMk/>
+            <pc:sldMk cId="0" sldId="256"/>
+            <ac:spMk id="10" creationId="{0285F551-B1FD-B64F-93E8-59E3B0099A01}"/>
+          </ac:spMkLst>
+        </pc:spChg>
+        <pc:picChg chg="del">
+          <ac:chgData name="지수 김" userId="23b792f79e118d1f" providerId="LiveId" clId="{3459874E-5CEC-4CF8-A5C8-A2CBF6EC498C}" dt="2025-04-10T10:17:57.982" v="2" actId="478"/>
+          <ac:picMkLst>
+            <pc:docMk/>
+            <pc:sldMk cId="0" sldId="256"/>
+            <ac:picMk id="2" creationId="{00000000-0000-0000-0000-000000000000}"/>
+          </ac:picMkLst>
+        </pc:picChg>
+        <pc:picChg chg="del">
+          <ac:chgData name="지수 김" userId="23b792f79e118d1f" providerId="LiveId" clId="{3459874E-5CEC-4CF8-A5C8-A2CBF6EC498C}" dt="2025-04-10T10:19:11.484" v="152" actId="478"/>
+          <ac:picMkLst>
+            <pc:docMk/>
+            <pc:sldMk cId="0" sldId="256"/>
+            <ac:picMk id="6" creationId="{00000000-0000-0000-0000-000000000000}"/>
+          </ac:picMkLst>
+        </pc:picChg>
+        <pc:picChg chg="add mod">
+          <ac:chgData name="지수 김" userId="23b792f79e118d1f" providerId="LiveId" clId="{3459874E-5CEC-4CF8-A5C8-A2CBF6EC498C}" dt="2025-04-10T10:21:31.212" v="253" actId="1076"/>
+          <ac:picMkLst>
+            <pc:docMk/>
+            <pc:sldMk cId="0" sldId="256"/>
+            <ac:picMk id="9" creationId="{F6538C95-E591-3A89-9C9E-CAE7E1F3F0E6}"/>
+          </ac:picMkLst>
+        </pc:picChg>
+      </pc:sldChg>
+      <pc:sldChg chg="addSp delSp modSp mod delAnim modAnim modNotesTx">
+        <pc:chgData name="지수 김" userId="23b792f79e118d1f" providerId="LiveId" clId="{3459874E-5CEC-4CF8-A5C8-A2CBF6EC498C}" dt="2025-04-10T10:57:45.684" v="1788" actId="20577"/>
+        <pc:sldMkLst>
+          <pc:docMk/>
+          <pc:sldMk cId="0" sldId="257"/>
+        </pc:sldMkLst>
+        <pc:spChg chg="mod">
+          <ac:chgData name="지수 김" userId="23b792f79e118d1f" providerId="LiveId" clId="{3459874E-5CEC-4CF8-A5C8-A2CBF6EC498C}" dt="2025-04-10T10:25:25.756" v="388" actId="2711"/>
+          <ac:spMkLst>
+            <pc:docMk/>
+            <pc:sldMk cId="0" sldId="257"/>
+            <ac:spMk id="2" creationId="{00000000-0000-0000-0000-000000000000}"/>
+          </ac:spMkLst>
+        </pc:spChg>
+        <pc:spChg chg="mod">
+          <ac:chgData name="지수 김" userId="23b792f79e118d1f" providerId="LiveId" clId="{3459874E-5CEC-4CF8-A5C8-A2CBF6EC498C}" dt="2025-04-10T10:25:25.756" v="388" actId="2711"/>
+          <ac:spMkLst>
+            <pc:docMk/>
+            <pc:sldMk cId="0" sldId="257"/>
+            <ac:spMk id="3" creationId="{00000000-0000-0000-0000-000000000000}"/>
+          </ac:spMkLst>
+        </pc:spChg>
+        <pc:spChg chg="mod">
+          <ac:chgData name="지수 김" userId="23b792f79e118d1f" providerId="LiveId" clId="{3459874E-5CEC-4CF8-A5C8-A2CBF6EC498C}" dt="2025-04-10T10:33:53.792" v="634" actId="12"/>
+          <ac:spMkLst>
+            <pc:docMk/>
+            <pc:sldMk cId="0" sldId="257"/>
+            <ac:spMk id="4" creationId="{00000000-0000-0000-0000-000000000000}"/>
+          </ac:spMkLst>
+        </pc:spChg>
+        <pc:spChg chg="mod">
+          <ac:chgData name="지수 김" userId="23b792f79e118d1f" providerId="LiveId" clId="{3459874E-5CEC-4CF8-A5C8-A2CBF6EC498C}" dt="2025-04-10T10:33:53.792" v="634" actId="12"/>
+          <ac:spMkLst>
+            <pc:docMk/>
+            <pc:sldMk cId="0" sldId="257"/>
+            <ac:spMk id="5" creationId="{00000000-0000-0000-0000-000000000000}"/>
+          </ac:spMkLst>
+        </pc:spChg>
+        <pc:spChg chg="mod">
+          <ac:chgData name="지수 김" userId="23b792f79e118d1f" providerId="LiveId" clId="{3459874E-5CEC-4CF8-A5C8-A2CBF6EC498C}" dt="2025-04-10T10:33:53.792" v="634" actId="12"/>
+          <ac:spMkLst>
+            <pc:docMk/>
+            <pc:sldMk cId="0" sldId="257"/>
+            <ac:spMk id="6" creationId="{00000000-0000-0000-0000-000000000000}"/>
+          </ac:spMkLst>
+        </pc:spChg>
+        <pc:spChg chg="del mod">
+          <ac:chgData name="지수 김" userId="23b792f79e118d1f" providerId="LiveId" clId="{3459874E-5CEC-4CF8-A5C8-A2CBF6EC498C}" dt="2025-04-10T10:32:32.374" v="628" actId="478"/>
+          <ac:spMkLst>
+            <pc:docMk/>
+            <pc:sldMk cId="0" sldId="257"/>
+            <ac:spMk id="7" creationId="{00000000-0000-0000-0000-000000000000}"/>
+          </ac:spMkLst>
+        </pc:spChg>
+        <pc:spChg chg="mod">
+          <ac:chgData name="지수 김" userId="23b792f79e118d1f" providerId="LiveId" clId="{3459874E-5CEC-4CF8-A5C8-A2CBF6EC498C}" dt="2025-04-10T10:21:54.420" v="256" actId="6549"/>
+          <ac:spMkLst>
+            <pc:docMk/>
+            <pc:sldMk cId="0" sldId="257"/>
+            <ac:spMk id="8" creationId="{00000000-0000-0000-0000-000000000000}"/>
+          </ac:spMkLst>
+        </pc:spChg>
+        <pc:spChg chg="add mod">
+          <ac:chgData name="지수 김" userId="23b792f79e118d1f" providerId="LiveId" clId="{3459874E-5CEC-4CF8-A5C8-A2CBF6EC498C}" dt="2025-04-10T10:34:10.332" v="656" actId="1076"/>
+          <ac:spMkLst>
+            <pc:docMk/>
+            <pc:sldMk cId="0" sldId="257"/>
+            <ac:spMk id="11" creationId="{EADA2E22-B3E5-D3F2-C740-272F2F4838F7}"/>
+          </ac:spMkLst>
+        </pc:spChg>
+        <pc:spChg chg="add mod">
+          <ac:chgData name="지수 김" userId="23b792f79e118d1f" providerId="LiveId" clId="{3459874E-5CEC-4CF8-A5C8-A2CBF6EC498C}" dt="2025-04-10T10:54:52.195" v="1608"/>
+          <ac:spMkLst>
+            <pc:docMk/>
+            <pc:sldMk cId="0" sldId="257"/>
+            <ac:spMk id="12" creationId="{3147CA2A-9AC9-3B6F-63ED-B0AD9329D73B}"/>
+          </ac:spMkLst>
+        </pc:spChg>
+        <pc:picChg chg="add del mod">
+          <ac:chgData name="지수 김" userId="23b792f79e118d1f" providerId="LiveId" clId="{3459874E-5CEC-4CF8-A5C8-A2CBF6EC498C}" dt="2025-04-10T10:22:27.776" v="259" actId="478"/>
+          <ac:picMkLst>
+            <pc:docMk/>
+            <pc:sldMk cId="0" sldId="257"/>
+            <ac:picMk id="9" creationId="{6C7C17A7-E29D-B923-E9B8-8A6F2E0ABB8A}"/>
+          </ac:picMkLst>
+        </pc:picChg>
+        <pc:picChg chg="add del mod">
+          <ac:chgData name="지수 김" userId="23b792f79e118d1f" providerId="LiveId" clId="{3459874E-5CEC-4CF8-A5C8-A2CBF6EC498C}" dt="2025-04-10T10:23:47.346" v="264" actId="21"/>
+          <ac:picMkLst>
+            <pc:docMk/>
+            <pc:sldMk cId="0" sldId="257"/>
+            <ac:picMk id="10" creationId="{93E7CD27-CAE6-78A6-968B-C453AB96354B}"/>
+          </ac:picMkLst>
+        </pc:picChg>
+      </pc:sldChg>
+      <pc:sldChg chg="modSp del mod">
+        <pc:chgData name="지수 김" userId="23b792f79e118d1f" providerId="LiveId" clId="{3459874E-5CEC-4CF8-A5C8-A2CBF6EC498C}" dt="2025-04-10T10:34:25.900" v="663" actId="47"/>
+        <pc:sldMkLst>
+          <pc:docMk/>
+          <pc:sldMk cId="0" sldId="258"/>
+        </pc:sldMkLst>
+        <pc:spChg chg="mod">
+          <ac:chgData name="지수 김" userId="23b792f79e118d1f" providerId="LiveId" clId="{3459874E-5CEC-4CF8-A5C8-A2CBF6EC498C}" dt="2025-04-10T10:34:19.139" v="662" actId="6549"/>
+          <ac:spMkLst>
+            <pc:docMk/>
+            <pc:sldMk cId="0" sldId="258"/>
+            <ac:spMk id="15" creationId="{00000000-0000-0000-0000-000000000000}"/>
+          </ac:spMkLst>
+        </pc:spChg>
+      </pc:sldChg>
+      <pc:sldChg chg="addSp delSp modSp add del mod">
+        <pc:chgData name="지수 김" userId="23b792f79e118d1f" providerId="LiveId" clId="{3459874E-5CEC-4CF8-A5C8-A2CBF6EC498C}" dt="2025-04-10T11:01:17.228" v="2079" actId="20577"/>
+        <pc:sldMkLst>
+          <pc:docMk/>
+          <pc:sldMk cId="0" sldId="259"/>
+        </pc:sldMkLst>
+        <pc:spChg chg="mod">
+          <ac:chgData name="지수 김" userId="23b792f79e118d1f" providerId="LiveId" clId="{3459874E-5CEC-4CF8-A5C8-A2CBF6EC498C}" dt="2025-04-10T10:36:55.891" v="696" actId="1076"/>
+          <ac:spMkLst>
+            <pc:docMk/>
+            <pc:sldMk cId="0" sldId="259"/>
+            <ac:spMk id="3" creationId="{00000000-0000-0000-0000-000000000000}"/>
+          </ac:spMkLst>
+        </pc:spChg>
+        <pc:spChg chg="mod">
+          <ac:chgData name="지수 김" userId="23b792f79e118d1f" providerId="LiveId" clId="{3459874E-5CEC-4CF8-A5C8-A2CBF6EC498C}" dt="2025-04-10T10:36:58.563" v="697" actId="1076"/>
+          <ac:spMkLst>
+            <pc:docMk/>
+            <pc:sldMk cId="0" sldId="259"/>
+            <ac:spMk id="4" creationId="{00000000-0000-0000-0000-000000000000}"/>
+          </ac:spMkLst>
+        </pc:spChg>
+        <pc:spChg chg="mod">
+          <ac:chgData name="지수 김" userId="23b792f79e118d1f" providerId="LiveId" clId="{3459874E-5CEC-4CF8-A5C8-A2CBF6EC498C}" dt="2025-04-10T10:59:17.012" v="1797"/>
+          <ac:spMkLst>
+            <pc:docMk/>
+            <pc:sldMk cId="0" sldId="259"/>
+            <ac:spMk id="5" creationId="{00000000-0000-0000-0000-000000000000}"/>
+          </ac:spMkLst>
+        </pc:spChg>
+        <pc:spChg chg="mod">
+          <ac:chgData name="지수 김" userId="23b792f79e118d1f" providerId="LiveId" clId="{3459874E-5CEC-4CF8-A5C8-A2CBF6EC498C}" dt="2025-04-10T10:59:53.115" v="1875"/>
+          <ac:spMkLst>
+            <pc:docMk/>
+            <pc:sldMk cId="0" sldId="259"/>
+            <ac:spMk id="6" creationId="{00000000-0000-0000-0000-000000000000}"/>
+          </ac:spMkLst>
+        </pc:spChg>
+        <pc:spChg chg="mod">
+          <ac:chgData name="지수 김" userId="23b792f79e118d1f" providerId="LiveId" clId="{3459874E-5CEC-4CF8-A5C8-A2CBF6EC498C}" dt="2025-04-10T10:37:12.947" v="700" actId="1076"/>
+          <ac:spMkLst>
+            <pc:docMk/>
+            <pc:sldMk cId="0" sldId="259"/>
+            <ac:spMk id="7" creationId="{00000000-0000-0000-0000-000000000000}"/>
+          </ac:spMkLst>
+        </pc:spChg>
+        <pc:spChg chg="mod">
+          <ac:chgData name="지수 김" userId="23b792f79e118d1f" providerId="LiveId" clId="{3459874E-5CEC-4CF8-A5C8-A2CBF6EC498C}" dt="2025-04-10T11:00:30.917" v="1980" actId="20577"/>
+          <ac:spMkLst>
+            <pc:docMk/>
+            <pc:sldMk cId="0" sldId="259"/>
+            <ac:spMk id="8" creationId="{00000000-0000-0000-0000-000000000000}"/>
+          </ac:spMkLst>
+        </pc:spChg>
+        <pc:spChg chg="mod">
+          <ac:chgData name="지수 김" userId="23b792f79e118d1f" providerId="LiveId" clId="{3459874E-5CEC-4CF8-A5C8-A2CBF6EC498C}" dt="2025-04-10T11:00:27.420" v="1977"/>
+          <ac:spMkLst>
+            <pc:docMk/>
+            <pc:sldMk cId="0" sldId="259"/>
+            <ac:spMk id="9" creationId="{00000000-0000-0000-0000-000000000000}"/>
+          </ac:spMkLst>
+        </pc:spChg>
+        <pc:spChg chg="mod">
+          <ac:chgData name="지수 김" userId="23b792f79e118d1f" providerId="LiveId" clId="{3459874E-5CEC-4CF8-A5C8-A2CBF6EC498C}" dt="2025-04-10T10:37:17.347" v="701" actId="1076"/>
+          <ac:spMkLst>
+            <pc:docMk/>
+            <pc:sldMk cId="0" sldId="259"/>
+            <ac:spMk id="10" creationId="{00000000-0000-0000-0000-000000000000}"/>
+          </ac:spMkLst>
+        </pc:spChg>
+        <pc:spChg chg="mod">
+          <ac:chgData name="지수 김" userId="23b792f79e118d1f" providerId="LiveId" clId="{3459874E-5CEC-4CF8-A5C8-A2CBF6EC498C}" dt="2025-04-10T11:00:59.595" v="2009"/>
+          <ac:spMkLst>
+            <pc:docMk/>
+            <pc:sldMk cId="0" sldId="259"/>
+            <ac:spMk id="11" creationId="{00000000-0000-0000-0000-000000000000}"/>
+          </ac:spMkLst>
+        </pc:spChg>
+        <pc:spChg chg="mod">
+          <ac:chgData name="지수 김" userId="23b792f79e118d1f" providerId="LiveId" clId="{3459874E-5CEC-4CF8-A5C8-A2CBF6EC498C}" dt="2025-04-10T11:01:17.228" v="2079" actId="20577"/>
+          <ac:spMkLst>
+            <pc:docMk/>
+            <pc:sldMk cId="0" sldId="259"/>
+            <ac:spMk id="12" creationId="{00000000-0000-0000-0000-000000000000}"/>
+          </ac:spMkLst>
+        </pc:spChg>
+        <pc:spChg chg="add mod">
+          <ac:chgData name="지수 김" userId="23b792f79e118d1f" providerId="LiveId" clId="{3459874E-5CEC-4CF8-A5C8-A2CBF6EC498C}" dt="2025-04-10T10:39:30.747" v="726" actId="1076"/>
+          <ac:spMkLst>
+            <pc:docMk/>
+            <pc:sldMk cId="0" sldId="259"/>
+            <ac:spMk id="13" creationId="{6EC0628F-A69E-25FA-1DE3-580808DCF4C5}"/>
+          </ac:spMkLst>
+        </pc:spChg>
+        <pc:spChg chg="add mod">
+          <ac:chgData name="지수 김" userId="23b792f79e118d1f" providerId="LiveId" clId="{3459874E-5CEC-4CF8-A5C8-A2CBF6EC498C}" dt="2025-04-10T10:54:53.259" v="1610"/>
+          <ac:spMkLst>
+            <pc:docMk/>
+            <pc:sldMk cId="0" sldId="259"/>
+            <ac:spMk id="14" creationId="{6D148467-0FD2-FF6B-C69E-58610E12E7BB}"/>
+          </ac:spMkLst>
+        </pc:spChg>
+        <pc:picChg chg="del">
+          <ac:chgData name="지수 김" userId="23b792f79e118d1f" providerId="LiveId" clId="{3459874E-5CEC-4CF8-A5C8-A2CBF6EC498C}" dt="2025-04-10T10:36:45.036" v="673" actId="478"/>
+          <ac:picMkLst>
+            <pc:docMk/>
+            <pc:sldMk cId="0" sldId="259"/>
+            <ac:picMk id="2" creationId="{00000000-0000-0000-0000-000000000000}"/>
+          </ac:picMkLst>
+        </pc:picChg>
+      </pc:sldChg>
+      <pc:sldChg chg="addSp delSp modSp mod">
+        <pc:chgData name="지수 김" userId="23b792f79e118d1f" providerId="LiveId" clId="{3459874E-5CEC-4CF8-A5C8-A2CBF6EC498C}" dt="2025-04-10T10:54:56.413" v="1613"/>
+        <pc:sldMkLst>
+          <pc:docMk/>
+          <pc:sldMk cId="0" sldId="260"/>
+        </pc:sldMkLst>
+        <pc:spChg chg="mod">
+          <ac:chgData name="지수 김" userId="23b792f79e118d1f" providerId="LiveId" clId="{3459874E-5CEC-4CF8-A5C8-A2CBF6EC498C}" dt="2025-04-10T10:46:59.636" v="1274"/>
+          <ac:spMkLst>
+            <pc:docMk/>
+            <pc:sldMk cId="0" sldId="260"/>
+            <ac:spMk id="3" creationId="{00000000-0000-0000-0000-000000000000}"/>
+          </ac:spMkLst>
+        </pc:spChg>
+        <pc:spChg chg="mod">
+          <ac:chgData name="지수 김" userId="23b792f79e118d1f" providerId="LiveId" clId="{3459874E-5CEC-4CF8-A5C8-A2CBF6EC498C}" dt="2025-04-10T10:48:29.421" v="1291"/>
+          <ac:spMkLst>
+            <pc:docMk/>
+            <pc:sldMk cId="0" sldId="260"/>
+            <ac:spMk id="8" creationId="{00000000-0000-0000-0000-000000000000}"/>
+          </ac:spMkLst>
+        </pc:spChg>
+        <pc:spChg chg="mod">
+          <ac:chgData name="지수 김" userId="23b792f79e118d1f" providerId="LiveId" clId="{3459874E-5CEC-4CF8-A5C8-A2CBF6EC498C}" dt="2025-04-10T10:48:34.157" v="1292"/>
+          <ac:spMkLst>
+            <pc:docMk/>
+            <pc:sldMk cId="0" sldId="260"/>
+            <ac:spMk id="9" creationId="{00000000-0000-0000-0000-000000000000}"/>
+          </ac:spMkLst>
+        </pc:spChg>
+        <pc:spChg chg="mod">
+          <ac:chgData name="지수 김" userId="23b792f79e118d1f" providerId="LiveId" clId="{3459874E-5CEC-4CF8-A5C8-A2CBF6EC498C}" dt="2025-04-10T10:48:42.929" v="1293"/>
+          <ac:spMkLst>
+            <pc:docMk/>
+            <pc:sldMk cId="0" sldId="260"/>
+            <ac:spMk id="13" creationId="{00000000-0000-0000-0000-000000000000}"/>
+          </ac:spMkLst>
+        </pc:spChg>
+        <pc:spChg chg="mod">
+          <ac:chgData name="지수 김" userId="23b792f79e118d1f" providerId="LiveId" clId="{3459874E-5CEC-4CF8-A5C8-A2CBF6EC498C}" dt="2025-04-10T10:49:50.750" v="1380" actId="20577"/>
+          <ac:spMkLst>
+            <pc:docMk/>
+            <pc:sldMk cId="0" sldId="260"/>
+            <ac:spMk id="14" creationId="{00000000-0000-0000-0000-000000000000}"/>
+          </ac:spMkLst>
+        </pc:spChg>
+        <pc:spChg chg="mod">
+          <ac:chgData name="지수 김" userId="23b792f79e118d1f" providerId="LiveId" clId="{3459874E-5CEC-4CF8-A5C8-A2CBF6EC498C}" dt="2025-04-10T10:49:43.477" v="1343"/>
+          <ac:spMkLst>
+            <pc:docMk/>
+            <pc:sldMk cId="0" sldId="260"/>
+            <ac:spMk id="18" creationId="{00000000-0000-0000-0000-000000000000}"/>
+          </ac:spMkLst>
+        </pc:spChg>
+        <pc:spChg chg="mod">
+          <ac:chgData name="지수 김" userId="23b792f79e118d1f" providerId="LiveId" clId="{3459874E-5CEC-4CF8-A5C8-A2CBF6EC498C}" dt="2025-04-10T10:50:22.110" v="1471"/>
+          <ac:spMkLst>
+            <pc:docMk/>
+            <pc:sldMk cId="0" sldId="260"/>
+            <ac:spMk id="19" creationId="{00000000-0000-0000-0000-000000000000}"/>
+          </ac:spMkLst>
+        </pc:spChg>
+        <pc:spChg chg="mod">
+          <ac:chgData name="지수 김" userId="23b792f79e118d1f" providerId="LiveId" clId="{3459874E-5CEC-4CF8-A5C8-A2CBF6EC498C}" dt="2025-04-10T10:50:26.341" v="1472"/>
+          <ac:spMkLst>
+            <pc:docMk/>
+            <pc:sldMk cId="0" sldId="260"/>
+            <ac:spMk id="23" creationId="{00000000-0000-0000-0000-000000000000}"/>
+          </ac:spMkLst>
+        </pc:spChg>
+        <pc:spChg chg="mod">
+          <ac:chgData name="지수 김" userId="23b792f79e118d1f" providerId="LiveId" clId="{3459874E-5CEC-4CF8-A5C8-A2CBF6EC498C}" dt="2025-04-10T10:51:00.883" v="1514"/>
+          <ac:spMkLst>
+            <pc:docMk/>
+            <pc:sldMk cId="0" sldId="260"/>
+            <ac:spMk id="24" creationId="{00000000-0000-0000-0000-000000000000}"/>
+          </ac:spMkLst>
+        </pc:spChg>
+        <pc:spChg chg="add del mod">
+          <ac:chgData name="지수 김" userId="23b792f79e118d1f" providerId="LiveId" clId="{3459874E-5CEC-4CF8-A5C8-A2CBF6EC498C}" dt="2025-04-10T10:46:55.836" v="1266" actId="478"/>
+          <ac:spMkLst>
+            <pc:docMk/>
+            <pc:sldMk cId="0" sldId="260"/>
+            <ac:spMk id="25" creationId="{974F61D4-DBBF-3ECC-2147-9EBB9174413D}"/>
+          </ac:spMkLst>
+        </pc:spChg>
+        <pc:spChg chg="add mod">
+          <ac:chgData name="지수 김" userId="23b792f79e118d1f" providerId="LiveId" clId="{3459874E-5CEC-4CF8-A5C8-A2CBF6EC498C}" dt="2025-04-10T10:54:56.413" v="1613"/>
+          <ac:spMkLst>
+            <pc:docMk/>
+            <pc:sldMk cId="0" sldId="260"/>
+            <ac:spMk id="30" creationId="{22557DA2-B5AC-90F2-A829-600F7D2730F3}"/>
+          </ac:spMkLst>
+        </pc:spChg>
+        <pc:picChg chg="del">
+          <ac:chgData name="지수 김" userId="23b792f79e118d1f" providerId="LiveId" clId="{3459874E-5CEC-4CF8-A5C8-A2CBF6EC498C}" dt="2025-04-10T10:45:42.427" v="1170" actId="478"/>
+          <ac:picMkLst>
+            <pc:docMk/>
+            <pc:sldMk cId="0" sldId="260"/>
+            <ac:picMk id="2" creationId="{00000000-0000-0000-0000-000000000000}"/>
+          </ac:picMkLst>
+        </pc:picChg>
+        <pc:picChg chg="add mod">
+          <ac:chgData name="지수 김" userId="23b792f79e118d1f" providerId="LiveId" clId="{3459874E-5CEC-4CF8-A5C8-A2CBF6EC498C}" dt="2025-04-10T10:47:46.787" v="1289" actId="1076"/>
+          <ac:picMkLst>
+            <pc:docMk/>
+            <pc:sldMk cId="0" sldId="260"/>
+            <ac:picMk id="27" creationId="{B7DAA786-82FC-98F9-45FC-4B9375B8B59C}"/>
+          </ac:picMkLst>
+        </pc:picChg>
+        <pc:picChg chg="add mod">
+          <ac:chgData name="지수 김" userId="23b792f79e118d1f" providerId="LiveId" clId="{3459874E-5CEC-4CF8-A5C8-A2CBF6EC498C}" dt="2025-04-10T10:47:49.907" v="1290" actId="1076"/>
+          <ac:picMkLst>
+            <pc:docMk/>
+            <pc:sldMk cId="0" sldId="260"/>
+            <ac:picMk id="29" creationId="{1650E601-BB30-FBA0-76CF-7570F60DE74F}"/>
+          </ac:picMkLst>
+        </pc:picChg>
+      </pc:sldChg>
+      <pc:sldChg chg="addSp modSp del ord">
+        <pc:chgData name="지수 김" userId="23b792f79e118d1f" providerId="LiveId" clId="{3459874E-5CEC-4CF8-A5C8-A2CBF6EC498C}" dt="2025-04-10T10:58:35.839" v="1789" actId="47"/>
+        <pc:sldMkLst>
+          <pc:docMk/>
+          <pc:sldMk cId="0" sldId="261"/>
+        </pc:sldMkLst>
+        <pc:spChg chg="add mod">
+          <ac:chgData name="지수 김" userId="23b792f79e118d1f" providerId="LiveId" clId="{3459874E-5CEC-4CF8-A5C8-A2CBF6EC498C}" dt="2025-04-10T10:54:52.794" v="1609"/>
+          <ac:spMkLst>
+            <pc:docMk/>
+            <pc:sldMk cId="0" sldId="261"/>
+            <ac:spMk id="18" creationId="{009B2358-C1DD-C780-8F4D-98D0F505BC38}"/>
+          </ac:spMkLst>
+        </pc:spChg>
+      </pc:sldChg>
+      <pc:sldChg chg="addSp modSp mod">
+        <pc:chgData name="지수 김" userId="23b792f79e118d1f" providerId="LiveId" clId="{3459874E-5CEC-4CF8-A5C8-A2CBF6EC498C}" dt="2025-04-10T10:54:57.074" v="1614"/>
+        <pc:sldMkLst>
+          <pc:docMk/>
+          <pc:sldMk cId="0" sldId="262"/>
+        </pc:sldMkLst>
+        <pc:spChg chg="add mod">
+          <ac:chgData name="지수 김" userId="23b792f79e118d1f" providerId="LiveId" clId="{3459874E-5CEC-4CF8-A5C8-A2CBF6EC498C}" dt="2025-04-10T10:52:20.051" v="1543" actId="1076"/>
+          <ac:spMkLst>
+            <pc:docMk/>
+            <pc:sldMk cId="0" sldId="262"/>
+            <ac:spMk id="17" creationId="{FD3CD4C4-449E-D5B2-9644-3154D2BD0A07}"/>
+          </ac:spMkLst>
+        </pc:spChg>
+        <pc:spChg chg="add mod">
+          <ac:chgData name="지수 김" userId="23b792f79e118d1f" providerId="LiveId" clId="{3459874E-5CEC-4CF8-A5C8-A2CBF6EC498C}" dt="2025-04-10T10:54:57.074" v="1614"/>
+          <ac:spMkLst>
+            <pc:docMk/>
+            <pc:sldMk cId="0" sldId="262"/>
+            <ac:spMk id="18" creationId="{007A7797-F814-9CA7-964D-B9A4FE1CBE98}"/>
+          </ac:spMkLst>
+        </pc:spChg>
+      </pc:sldChg>
+      <pc:sldChg chg="addSp delSp modSp mod">
+        <pc:chgData name="지수 김" userId="23b792f79e118d1f" providerId="LiveId" clId="{3459874E-5CEC-4CF8-A5C8-A2CBF6EC498C}" dt="2025-04-10T11:02:31.952" v="2081"/>
+        <pc:sldMkLst>
+          <pc:docMk/>
+          <pc:sldMk cId="0" sldId="263"/>
+        </pc:sldMkLst>
+        <pc:spChg chg="mod">
+          <ac:chgData name="지수 김" userId="23b792f79e118d1f" providerId="LiveId" clId="{3459874E-5CEC-4CF8-A5C8-A2CBF6EC498C}" dt="2025-04-10T10:52:31.523" v="1544" actId="1076"/>
+          <ac:spMkLst>
+            <pc:docMk/>
+            <pc:sldMk cId="0" sldId="263"/>
+            <ac:spMk id="3" creationId="{00000000-0000-0000-0000-000000000000}"/>
+          </ac:spMkLst>
+        </pc:spChg>
+        <pc:spChg chg="mod">
+          <ac:chgData name="지수 김" userId="23b792f79e118d1f" providerId="LiveId" clId="{3459874E-5CEC-4CF8-A5C8-A2CBF6EC498C}" dt="2025-04-10T10:52:34.331" v="1545" actId="1076"/>
+          <ac:spMkLst>
+            <pc:docMk/>
+            <pc:sldMk cId="0" sldId="263"/>
+            <ac:spMk id="4" creationId="{00000000-0000-0000-0000-000000000000}"/>
+          </ac:spMkLst>
+        </pc:spChg>
+        <pc:spChg chg="add del mod">
+          <ac:chgData name="지수 김" userId="23b792f79e118d1f" providerId="LiveId" clId="{3459874E-5CEC-4CF8-A5C8-A2CBF6EC498C}" dt="2025-04-10T10:55:00.805" v="1616" actId="478"/>
+          <ac:spMkLst>
+            <pc:docMk/>
+            <pc:sldMk cId="0" sldId="263"/>
+            <ac:spMk id="5" creationId="{FF3AC46D-E537-E541-A11A-BFA9D4F931EB}"/>
+          </ac:spMkLst>
+        </pc:spChg>
+        <pc:spChg chg="add mod">
+          <ac:chgData name="지수 김" userId="23b792f79e118d1f" providerId="LiveId" clId="{3459874E-5CEC-4CF8-A5C8-A2CBF6EC498C}" dt="2025-04-10T11:02:31.952" v="2081"/>
+          <ac:spMkLst>
+            <pc:docMk/>
+            <pc:sldMk cId="0" sldId="263"/>
+            <ac:spMk id="6" creationId="{3E4C41C1-30E5-33A2-7D31-7803EF2AA086}"/>
+          </ac:spMkLst>
+        </pc:spChg>
+        <pc:picChg chg="del">
+          <ac:chgData name="지수 김" userId="23b792f79e118d1f" providerId="LiveId" clId="{3459874E-5CEC-4CF8-A5C8-A2CBF6EC498C}" dt="2025-04-10T11:02:22.808" v="2080" actId="478"/>
+          <ac:picMkLst>
+            <pc:docMk/>
+            <pc:sldMk cId="0" sldId="263"/>
+            <ac:picMk id="2" creationId="{00000000-0000-0000-0000-000000000000}"/>
+          </ac:picMkLst>
+        </pc:picChg>
+      </pc:sldChg>
+      <pc:sldChg chg="new del">
+        <pc:chgData name="지수 김" userId="23b792f79e118d1f" providerId="LiveId" clId="{3459874E-5CEC-4CF8-A5C8-A2CBF6EC498C}" dt="2025-04-10T10:21:48.510" v="255" actId="47"/>
+        <pc:sldMkLst>
+          <pc:docMk/>
+          <pc:sldMk cId="172052180" sldId="264"/>
+        </pc:sldMkLst>
+      </pc:sldChg>
+      <pc:sldChg chg="addSp modSp new del mod modAnim">
+        <pc:chgData name="지수 김" userId="23b792f79e118d1f" providerId="LiveId" clId="{3459874E-5CEC-4CF8-A5C8-A2CBF6EC498C}" dt="2025-04-10T10:33:59.553" v="635" actId="47"/>
+        <pc:sldMkLst>
+          <pc:docMk/>
+          <pc:sldMk cId="1354855966" sldId="264"/>
+        </pc:sldMkLst>
+        <pc:picChg chg="add mod">
+          <ac:chgData name="지수 김" userId="23b792f79e118d1f" providerId="LiveId" clId="{3459874E-5CEC-4CF8-A5C8-A2CBF6EC498C}" dt="2025-04-10T10:24:11.787" v="273" actId="1076"/>
+          <ac:picMkLst>
+            <pc:docMk/>
+            <pc:sldMk cId="1354855966" sldId="264"/>
+            <ac:picMk id="2" creationId="{1645B152-2029-CBE7-1777-DD2377E09AD0}"/>
+          </ac:picMkLst>
+        </pc:picChg>
+        <pc:picChg chg="add mod">
+          <ac:chgData name="지수 김" userId="23b792f79e118d1f" providerId="LiveId" clId="{3459874E-5CEC-4CF8-A5C8-A2CBF6EC498C}" dt="2025-04-10T10:23:50.242" v="265"/>
+          <ac:picMkLst>
+            <pc:docMk/>
+            <pc:sldMk cId="1354855966" sldId="264"/>
+            <ac:picMk id="10" creationId="{93E7CD27-CAE6-78A6-968B-C453AB96354B}"/>
+          </ac:picMkLst>
+        </pc:picChg>
+      </pc:sldChg>
+      <pc:sldChg chg="addSp delSp modSp new mod">
+        <pc:chgData name="지수 김" userId="23b792f79e118d1f" providerId="LiveId" clId="{3459874E-5CEC-4CF8-A5C8-A2CBF6EC498C}" dt="2025-04-10T10:56:28.755" v="1622" actId="1076"/>
+        <pc:sldMkLst>
+          <pc:docMk/>
+          <pc:sldMk cId="2019187667" sldId="265"/>
+        </pc:sldMkLst>
+        <pc:spChg chg="add mod">
+          <ac:chgData name="지수 김" userId="23b792f79e118d1f" providerId="LiveId" clId="{3459874E-5CEC-4CF8-A5C8-A2CBF6EC498C}" dt="2025-04-10T10:28:16.140" v="416" actId="1076"/>
+          <ac:spMkLst>
+            <pc:docMk/>
+            <pc:sldMk cId="2019187667" sldId="265"/>
+            <ac:spMk id="2" creationId="{7C8323E9-936E-BF3A-DD5A-1C5E52B82622}"/>
+          </ac:spMkLst>
+        </pc:spChg>
+        <pc:spChg chg="add mod">
+          <ac:chgData name="지수 김" userId="23b792f79e118d1f" providerId="LiveId" clId="{3459874E-5CEC-4CF8-A5C8-A2CBF6EC498C}" dt="2025-04-10T10:28:35.899" v="423"/>
+          <ac:spMkLst>
+            <pc:docMk/>
+            <pc:sldMk cId="2019187667" sldId="265"/>
+            <ac:spMk id="5" creationId="{FD325754-A4C3-22F1-64EB-8D406E7CC0F2}"/>
+          </ac:spMkLst>
+        </pc:spChg>
+        <pc:spChg chg="add mod">
+          <ac:chgData name="지수 김" userId="23b792f79e118d1f" providerId="LiveId" clId="{3459874E-5CEC-4CF8-A5C8-A2CBF6EC498C}" dt="2025-04-10T10:56:18.083" v="1620" actId="1076"/>
+          <ac:spMkLst>
+            <pc:docMk/>
+            <pc:sldMk cId="2019187667" sldId="265"/>
+            <ac:spMk id="6" creationId="{E48A095B-E5F9-D3B8-14FC-E629ED4DE647}"/>
+          </ac:spMkLst>
+        </pc:spChg>
+        <pc:spChg chg="add mod">
+          <ac:chgData name="지수 김" userId="23b792f79e118d1f" providerId="LiveId" clId="{3459874E-5CEC-4CF8-A5C8-A2CBF6EC498C}" dt="2025-04-10T10:56:16.131" v="1619" actId="1076"/>
+          <ac:spMkLst>
+            <pc:docMk/>
+            <pc:sldMk cId="2019187667" sldId="265"/>
+            <ac:spMk id="7" creationId="{DB2B6C85-246E-A949-EDCC-9E8CD1E03CD9}"/>
+          </ac:spMkLst>
+        </pc:spChg>
+        <pc:spChg chg="add del mod">
+          <ac:chgData name="지수 김" userId="23b792f79e118d1f" providerId="LiveId" clId="{3459874E-5CEC-4CF8-A5C8-A2CBF6EC498C}" dt="2025-04-10T10:32:05.733" v="572" actId="478"/>
+          <ac:spMkLst>
+            <pc:docMk/>
+            <pc:sldMk cId="2019187667" sldId="265"/>
+            <ac:spMk id="8" creationId="{28053965-635A-AD71-4816-61EE460F82C0}"/>
+          </ac:spMkLst>
+        </pc:spChg>
+        <pc:spChg chg="add mod">
+          <ac:chgData name="지수 김" userId="23b792f79e118d1f" providerId="LiveId" clId="{3459874E-5CEC-4CF8-A5C8-A2CBF6EC498C}" dt="2025-04-10T10:56:22.667" v="1621" actId="1076"/>
+          <ac:spMkLst>
+            <pc:docMk/>
+            <pc:sldMk cId="2019187667" sldId="265"/>
+            <ac:spMk id="9" creationId="{35E4AACD-D144-0978-9427-302DA43ACFF0}"/>
+          </ac:spMkLst>
+        </pc:spChg>
+        <pc:spChg chg="add mod">
+          <ac:chgData name="지수 김" userId="23b792f79e118d1f" providerId="LiveId" clId="{3459874E-5CEC-4CF8-A5C8-A2CBF6EC498C}" dt="2025-04-10T10:56:28.755" v="1622" actId="1076"/>
+          <ac:spMkLst>
+            <pc:docMk/>
+            <pc:sldMk cId="2019187667" sldId="265"/>
+            <ac:spMk id="10" creationId="{8EDC77DC-16F4-0B3E-66F2-9A968772EB91}"/>
+          </ac:spMkLst>
+        </pc:spChg>
+        <pc:spChg chg="add del mod">
+          <ac:chgData name="지수 김" userId="23b792f79e118d1f" providerId="LiveId" clId="{3459874E-5CEC-4CF8-A5C8-A2CBF6EC498C}" dt="2025-04-10T10:32:12.076" v="573" actId="478"/>
+          <ac:spMkLst>
+            <pc:docMk/>
+            <pc:sldMk cId="2019187667" sldId="265"/>
+            <ac:spMk id="11" creationId="{5E7717CC-F00C-C5F5-25FC-ED8F1E35C3E1}"/>
+          </ac:spMkLst>
+        </pc:spChg>
+        <pc:spChg chg="add del mod">
+          <ac:chgData name="지수 김" userId="23b792f79e118d1f" providerId="LiveId" clId="{3459874E-5CEC-4CF8-A5C8-A2CBF6EC498C}" dt="2025-04-10T10:56:09.156" v="1618" actId="478"/>
+          <ac:spMkLst>
+            <pc:docMk/>
+            <pc:sldMk cId="2019187667" sldId="265"/>
+            <ac:spMk id="12" creationId="{E2474D0E-E68C-923C-19BC-C0B4611EB8D2}"/>
+          </ac:spMkLst>
+        </pc:spChg>
+        <pc:spChg chg="add mod">
+          <ac:chgData name="지수 김" userId="23b792f79e118d1f" providerId="LiveId" clId="{3459874E-5CEC-4CF8-A5C8-A2CBF6EC498C}" dt="2025-04-10T10:54:49.499" v="1607"/>
+          <ac:spMkLst>
+            <pc:docMk/>
+            <pc:sldMk cId="2019187667" sldId="265"/>
+            <ac:spMk id="13" creationId="{EA6E17F0-F517-D206-7A0D-0F77D2E81F4D}"/>
+          </ac:spMkLst>
+        </pc:spChg>
+        <pc:cxnChg chg="add del">
+          <ac:chgData name="지수 김" userId="23b792f79e118d1f" providerId="LiveId" clId="{3459874E-5CEC-4CF8-A5C8-A2CBF6EC498C}" dt="2025-04-10T10:27:16.235" v="397" actId="11529"/>
+          <ac:cxnSpMkLst>
+            <pc:docMk/>
+            <pc:sldMk cId="2019187667" sldId="265"/>
+            <ac:cxnSpMk id="4" creationId="{9C3D267C-E9E0-FFD0-A8B3-494C2334CD3E}"/>
+          </ac:cxnSpMkLst>
+        </pc:cxnChg>
+      </pc:sldChg>
+      <pc:sldChg chg="addSp modSp add mod">
+        <pc:chgData name="지수 김" userId="23b792f79e118d1f" providerId="LiveId" clId="{3459874E-5CEC-4CF8-A5C8-A2CBF6EC498C}" dt="2025-04-10T10:54:53.730" v="1611"/>
+        <pc:sldMkLst>
+          <pc:docMk/>
+          <pc:sldMk cId="1967808959" sldId="266"/>
+        </pc:sldMkLst>
+        <pc:spChg chg="add mod">
+          <ac:chgData name="지수 김" userId="23b792f79e118d1f" providerId="LiveId" clId="{3459874E-5CEC-4CF8-A5C8-A2CBF6EC498C}" dt="2025-04-10T10:54:53.730" v="1611"/>
+          <ac:spMkLst>
+            <pc:docMk/>
+            <pc:sldMk cId="1967808959" sldId="266"/>
+            <ac:spMk id="2" creationId="{4DF03872-6C3F-9874-A2FA-1BF892389C2A}"/>
+          </ac:spMkLst>
+        </pc:spChg>
+        <pc:spChg chg="mod">
+          <ac:chgData name="지수 김" userId="23b792f79e118d1f" providerId="LiveId" clId="{3459874E-5CEC-4CF8-A5C8-A2CBF6EC498C}" dt="2025-04-10T10:43:47.060" v="1051" actId="2711"/>
+          <ac:spMkLst>
+            <pc:docMk/>
+            <pc:sldMk cId="1967808959" sldId="266"/>
+            <ac:spMk id="3" creationId="{03A1F820-F5C4-C0DD-13E6-548A4AB1404A}"/>
+          </ac:spMkLst>
+        </pc:spChg>
+        <pc:spChg chg="mod">
+          <ac:chgData name="지수 김" userId="23b792f79e118d1f" providerId="LiveId" clId="{3459874E-5CEC-4CF8-A5C8-A2CBF6EC498C}" dt="2025-04-10T10:43:47.060" v="1051" actId="2711"/>
+          <ac:spMkLst>
+            <pc:docMk/>
+            <pc:sldMk cId="1967808959" sldId="266"/>
+            <ac:spMk id="5" creationId="{47CD5D7A-6EBC-E8AE-4C6C-AD64C5648906}"/>
+          </ac:spMkLst>
+        </pc:spChg>
+        <pc:spChg chg="mod">
+          <ac:chgData name="지수 김" userId="23b792f79e118d1f" providerId="LiveId" clId="{3459874E-5CEC-4CF8-A5C8-A2CBF6EC498C}" dt="2025-04-10T10:43:47.060" v="1051" actId="2711"/>
+          <ac:spMkLst>
+            <pc:docMk/>
+            <pc:sldMk cId="1967808959" sldId="266"/>
+            <ac:spMk id="6" creationId="{0DBE3C44-0EFC-2D34-2FA1-C7AF23AF54BE}"/>
+          </ac:spMkLst>
+        </pc:spChg>
+        <pc:spChg chg="mod">
+          <ac:chgData name="지수 김" userId="23b792f79e118d1f" providerId="LiveId" clId="{3459874E-5CEC-4CF8-A5C8-A2CBF6EC498C}" dt="2025-04-10T10:43:47.060" v="1051" actId="2711"/>
+          <ac:spMkLst>
+            <pc:docMk/>
+            <pc:sldMk cId="1967808959" sldId="266"/>
+            <ac:spMk id="8" creationId="{DC9F3E50-C4D1-3820-2370-237827220352}"/>
+          </ac:spMkLst>
+        </pc:spChg>
+        <pc:spChg chg="mod">
+          <ac:chgData name="지수 김" userId="23b792f79e118d1f" providerId="LiveId" clId="{3459874E-5CEC-4CF8-A5C8-A2CBF6EC498C}" dt="2025-04-10T10:43:47.060" v="1051" actId="2711"/>
+          <ac:spMkLst>
+            <pc:docMk/>
+            <pc:sldMk cId="1967808959" sldId="266"/>
+            <ac:spMk id="9" creationId="{B6C0A7C9-AB8B-CE7B-7507-37634E038DFA}"/>
+          </ac:spMkLst>
+        </pc:spChg>
+        <pc:spChg chg="mod">
+          <ac:chgData name="지수 김" userId="23b792f79e118d1f" providerId="LiveId" clId="{3459874E-5CEC-4CF8-A5C8-A2CBF6EC498C}" dt="2025-04-10T10:43:47.060" v="1051" actId="2711"/>
+          <ac:spMkLst>
+            <pc:docMk/>
+            <pc:sldMk cId="1967808959" sldId="266"/>
+            <ac:spMk id="11" creationId="{15633D70-195A-8F64-A890-CC63EF3EE0D1}"/>
+          </ac:spMkLst>
+        </pc:spChg>
+        <pc:spChg chg="mod">
+          <ac:chgData name="지수 김" userId="23b792f79e118d1f" providerId="LiveId" clId="{3459874E-5CEC-4CF8-A5C8-A2CBF6EC498C}" dt="2025-04-10T10:43:47.060" v="1051" actId="2711"/>
+          <ac:spMkLst>
+            <pc:docMk/>
+            <pc:sldMk cId="1967808959" sldId="266"/>
+            <ac:spMk id="12" creationId="{611500F6-5724-FEF9-2D81-91486B85977D}"/>
+          </ac:spMkLst>
+        </pc:spChg>
+      </pc:sldChg>
+      <pc:sldChg chg="addSp delSp modSp add mod ord">
+        <pc:chgData name="지수 김" userId="23b792f79e118d1f" providerId="LiveId" clId="{3459874E-5CEC-4CF8-A5C8-A2CBF6EC498C}" dt="2025-04-10T10:54:54.755" v="1612"/>
+        <pc:sldMkLst>
+          <pc:docMk/>
+          <pc:sldMk cId="38241453" sldId="267"/>
+        </pc:sldMkLst>
+        <pc:spChg chg="add mod">
+          <ac:chgData name="지수 김" userId="23b792f79e118d1f" providerId="LiveId" clId="{3459874E-5CEC-4CF8-A5C8-A2CBF6EC498C}" dt="2025-04-10T10:45:11.644" v="1144" actId="1076"/>
+          <ac:spMkLst>
+            <pc:docMk/>
+            <pc:sldMk cId="38241453" sldId="267"/>
+            <ac:spMk id="3" creationId="{50A19B42-17B8-A035-0B82-8C0DEDCD4AD4}"/>
+          </ac:spMkLst>
+        </pc:spChg>
+        <pc:spChg chg="add mod">
+          <ac:chgData name="지수 김" userId="23b792f79e118d1f" providerId="LiveId" clId="{3459874E-5CEC-4CF8-A5C8-A2CBF6EC498C}" dt="2025-04-10T10:54:54.755" v="1612"/>
+          <ac:spMkLst>
+            <pc:docMk/>
+            <pc:sldMk cId="38241453" sldId="267"/>
+            <ac:spMk id="4" creationId="{5FD29A44-1905-3FEE-E193-ED7412948AB2}"/>
+          </ac:spMkLst>
+        </pc:spChg>
+        <pc:spChg chg="mod">
+          <ac:chgData name="지수 김" userId="23b792f79e118d1f" providerId="LiveId" clId="{3459874E-5CEC-4CF8-A5C8-A2CBF6EC498C}" dt="2025-04-10T10:44:50.219" v="1088"/>
+          <ac:spMkLst>
+            <pc:docMk/>
+            <pc:sldMk cId="38241453" sldId="267"/>
+            <ac:spMk id="5" creationId="{D1E1DB6E-A2DF-2AA6-C86F-76602918EE06}"/>
+          </ac:spMkLst>
+        </pc:spChg>
+        <pc:spChg chg="del">
+          <ac:chgData name="지수 김" userId="23b792f79e118d1f" providerId="LiveId" clId="{3459874E-5CEC-4CF8-A5C8-A2CBF6EC498C}" dt="2025-04-10T10:44:34.121" v="1059" actId="478"/>
+          <ac:spMkLst>
+            <pc:docMk/>
+            <pc:sldMk cId="38241453" sldId="267"/>
+            <ac:spMk id="6" creationId="{2867E7F6-3E1F-76D6-8BC3-DEE5BC8C551F}"/>
+          </ac:spMkLst>
+        </pc:spChg>
+        <pc:spChg chg="del">
+          <ac:chgData name="지수 김" userId="23b792f79e118d1f" providerId="LiveId" clId="{3459874E-5CEC-4CF8-A5C8-A2CBF6EC498C}" dt="2025-04-10T10:44:34.121" v="1059" actId="478"/>
+          <ac:spMkLst>
+            <pc:docMk/>
+            <pc:sldMk cId="38241453" sldId="267"/>
+            <ac:spMk id="7" creationId="{83BE43EA-6F4C-D8A7-860A-32F498C6B195}"/>
+          </ac:spMkLst>
+        </pc:spChg>
+        <pc:spChg chg="del">
+          <ac:chgData name="지수 김" userId="23b792f79e118d1f" providerId="LiveId" clId="{3459874E-5CEC-4CF8-A5C8-A2CBF6EC498C}" dt="2025-04-10T10:44:36.676" v="1061" actId="478"/>
+          <ac:spMkLst>
+            <pc:docMk/>
+            <pc:sldMk cId="38241453" sldId="267"/>
+            <ac:spMk id="9" creationId="{412AAA0C-95B4-32BA-D65C-19D08AA66D42}"/>
+          </ac:spMkLst>
+        </pc:spChg>
+        <pc:spChg chg="del mod">
+          <ac:chgData name="지수 김" userId="23b792f79e118d1f" providerId="LiveId" clId="{3459874E-5CEC-4CF8-A5C8-A2CBF6EC498C}" dt="2025-04-10T10:44:41.743" v="1063" actId="478"/>
+          <ac:spMkLst>
+            <pc:docMk/>
+            <pc:sldMk cId="38241453" sldId="267"/>
+            <ac:spMk id="10" creationId="{0FBD7D58-41D4-8965-4349-3F938606B40C}"/>
+          </ac:spMkLst>
+        </pc:spChg>
+        <pc:spChg chg="del">
+          <ac:chgData name="지수 김" userId="23b792f79e118d1f" providerId="LiveId" clId="{3459874E-5CEC-4CF8-A5C8-A2CBF6EC498C}" dt="2025-04-10T10:44:34.121" v="1059" actId="478"/>
+          <ac:spMkLst>
+            <pc:docMk/>
+            <pc:sldMk cId="38241453" sldId="267"/>
+            <ac:spMk id="12" creationId="{4A108B66-EA32-7442-2FBC-8BF400BFE8D0}"/>
+          </ac:spMkLst>
+        </pc:spChg>
+      </pc:sldChg>
+      <pc:sldChg chg="add del ord">
+        <pc:chgData name="지수 김" userId="23b792f79e118d1f" providerId="LiveId" clId="{3459874E-5CEC-4CF8-A5C8-A2CBF6EC498C}" dt="2025-04-10T10:44:26.550" v="1055" actId="47"/>
+        <pc:sldMkLst>
+          <pc:docMk/>
+          <pc:sldMk cId="2831259195" sldId="267"/>
+        </pc:sldMkLst>
+      </pc:sldChg>
+    </pc:docChg>
+  </pc:docChgLst>
+</pc:chgInfo>
 </file>
 
 <file path=ppt/notesMasters/notesMaster1.xml><?xml version="1.0" encoding="utf-8"?>
@@ -78,240 +943,16 @@
           <a:chExt cx="0" cy="0"/>
         </a:xfrm>
       </p:grpSpPr>
-      <p:sp>
-        <p:nvSpPr>
-          <p:cNvPr id="2" name="Header Placeholder 1"/>
-          <p:cNvSpPr>
-            <a:spLocks noGrp="1"/>
-          </p:cNvSpPr>
-          <p:nvPr>
-            <p:ph type="hdr" sz="quarter"/>
-          </p:nvPr>
-        </p:nvSpPr>
-        <p:spPr>
-          <a:xfrm>
-            <a:off x="0" y="0"/>
-            <a:ext cx="2971800" cy="458788"/>
-          </a:xfrm>
-          <a:prstGeom prst="rect">
-            <a:avLst/>
-          </a:prstGeom>
-        </p:spPr>
-        <p:txBody>
-          <a:bodyPr vert="horz" lIns="91440" tIns="45720" rIns="91440" bIns="45720" rtlCol="0"/>
-          <a:lstStyle>
-            <a:lvl1pPr algn="l">
-              <a:defRPr sz="1200"/>
-            </a:lvl1pPr>
-          </a:lstStyle>
-          <a:p>
-            <a:endParaRPr lang="en-US"/>
-          </a:p>
-        </p:txBody>
-      </p:sp>
-      <p:sp>
-        <p:nvSpPr>
-          <p:cNvPr id="3" name="Date Placeholder 2"/>
-          <p:cNvSpPr>
-            <a:spLocks noGrp="1"/>
-          </p:cNvSpPr>
-          <p:nvPr>
-            <p:ph type="dt" idx="1"/>
-          </p:nvPr>
-        </p:nvSpPr>
-        <p:spPr>
-          <a:xfrm>
-            <a:off x="3884613" y="0"/>
-            <a:ext cx="2971800" cy="458788"/>
-          </a:xfrm>
-          <a:prstGeom prst="rect">
-            <a:avLst/>
-          </a:prstGeom>
-        </p:spPr>
-        <p:txBody>
-          <a:bodyPr vert="horz" lIns="91440" tIns="45720" rIns="91440" bIns="45720" rtlCol="0"/>
-          <a:lstStyle>
-            <a:lvl1pPr algn="r">
-              <a:defRPr sz="1200"/>
-            </a:lvl1pPr>
-          </a:lstStyle>
-          <a:p>
-            <a:fld id="{5282F153-3F37-0F45-9E97-73ACFA13230C}" type="datetimeFigureOut">
-              <a:rPr lang="en-US"/>
-              <a:t>7/23/19</a:t>
-            </a:fld>
-            <a:endParaRPr lang="en-US"/>
-          </a:p>
-        </p:txBody>
-      </p:sp>
-      <p:sp>
-        <p:nvSpPr>
-          <p:cNvPr id="4" name="Slide Image Placeholder 3"/>
-          <p:cNvSpPr>
-            <a:spLocks noGrp="1" noRot="1" noChangeAspect="1"/>
-          </p:cNvSpPr>
-          <p:nvPr>
-            <p:ph type="sldImg" idx="2"/>
-          </p:nvPr>
-        </p:nvSpPr>
-        <p:spPr>
-          <a:xfrm>
-            <a:off x="685800" y="1143000"/>
-            <a:ext cx="5486400" cy="3086100"/>
-          </a:xfrm>
-          <a:prstGeom prst="rect">
-            <a:avLst/>
-          </a:prstGeom>
-          <a:noFill/>
-          <a:ln w="12700">
-            <a:solidFill>
-              <a:prstClr val="black"/>
-            </a:solidFill>
-          </a:ln>
-        </p:spPr>
-        <p:txBody>
-          <a:bodyPr vert="horz" lIns="91440" tIns="45720" rIns="91440" bIns="45720" rtlCol="0" anchor="ctr"/>
-          <a:lstStyle/>
-          <a:p>
-            <a:endParaRPr lang="en-US"/>
-          </a:p>
-        </p:txBody>
-      </p:sp>
-      <p:sp>
-        <p:nvSpPr>
-          <p:cNvPr id="5" name="Notes Placeholder 4"/>
-          <p:cNvSpPr>
-            <a:spLocks noGrp="1"/>
-          </p:cNvSpPr>
-          <p:nvPr>
-            <p:ph type="body" sz="quarter" idx="3"/>
-          </p:nvPr>
-        </p:nvSpPr>
-        <p:spPr>
-          <a:xfrm>
-            <a:off x="685800" y="4400550"/>
-            <a:ext cx="5486400" cy="3600450"/>
-          </a:xfrm>
-          <a:prstGeom prst="rect">
-            <a:avLst/>
-          </a:prstGeom>
-        </p:spPr>
-        <p:txBody>
-          <a:bodyPr vert="horz" lIns="91440" tIns="45720" rIns="91440" bIns="45720" rtlCol="0"/>
-          <a:lstStyle/>
-          <a:p>
-            <a:pPr lvl="0"/>
-            <a:r>
-              <a:rPr lang="en-US"/>
-              <a:t>Click to edit Master text styles</a:t>
-            </a:r>
-          </a:p>
-          <a:p>
-            <a:pPr lvl="1"/>
-            <a:r>
-              <a:rPr lang="en-US"/>
-              <a:t>Second level</a:t>
-            </a:r>
-          </a:p>
-          <a:p>
-            <a:pPr lvl="2"/>
-            <a:r>
-              <a:rPr lang="en-US"/>
-              <a:t>Third level</a:t>
-            </a:r>
-          </a:p>
-          <a:p>
-            <a:pPr lvl="3"/>
-            <a:r>
-              <a:rPr lang="en-US"/>
-              <a:t>Fourth level</a:t>
-            </a:r>
-          </a:p>
-          <a:p>
-            <a:pPr lvl="4"/>
-            <a:r>
-              <a:rPr lang="en-US"/>
-              <a:t>Fifth level</a:t>
-            </a:r>
-          </a:p>
-        </p:txBody>
-      </p:sp>
-      <p:sp>
-        <p:nvSpPr>
-          <p:cNvPr id="6" name="Footer Placeholder 5"/>
-          <p:cNvSpPr>
-            <a:spLocks noGrp="1"/>
-          </p:cNvSpPr>
-          <p:nvPr>
-            <p:ph type="ftr" sz="quarter" idx="4"/>
-          </p:nvPr>
-        </p:nvSpPr>
-        <p:spPr>
-          <a:xfrm>
-            <a:off x="0" y="8685213"/>
-            <a:ext cx="2971800" cy="458787"/>
-          </a:xfrm>
-          <a:prstGeom prst="rect">
-            <a:avLst/>
-          </a:prstGeom>
-        </p:spPr>
-        <p:txBody>
-          <a:bodyPr vert="horz" lIns="91440" tIns="45720" rIns="91440" bIns="45720" rtlCol="0" anchor="b"/>
-          <a:lstStyle>
-            <a:lvl1pPr algn="l">
-              <a:defRPr sz="1200"/>
-            </a:lvl1pPr>
-          </a:lstStyle>
-          <a:p>
-            <a:endParaRPr lang="en-US"/>
-          </a:p>
-        </p:txBody>
-      </p:sp>
-      <p:sp>
-        <p:nvSpPr>
-          <p:cNvPr id="7" name="Slide Number Placeholder 6"/>
-          <p:cNvSpPr>
-            <a:spLocks noGrp="1"/>
-          </p:cNvSpPr>
-          <p:nvPr>
-            <p:ph type="sldNum" sz="quarter" idx="5"/>
-          </p:nvPr>
-        </p:nvSpPr>
-        <p:spPr>
-          <a:xfrm>
-            <a:off x="3884613" y="8685213"/>
-            <a:ext cx="2971800" cy="458787"/>
-          </a:xfrm>
-          <a:prstGeom prst="rect">
-            <a:avLst/>
-          </a:prstGeom>
-        </p:spPr>
-        <p:txBody>
-          <a:bodyPr vert="horz" lIns="91440" tIns="45720" rIns="91440" bIns="45720" rtlCol="0" anchor="b"/>
-          <a:lstStyle>
-            <a:lvl1pPr algn="r">
-              <a:defRPr sz="1200"/>
-            </a:lvl1pPr>
-          </a:lstStyle>
-          <a:p>
-            <a:fld id="{CE5E9CC1-C706-0F49-92D6-E571CC5EEA8F}" type="slidenum">
-              <a:rPr lang="en-US"/>
-              <a:t>‹#›</a:t>
-            </a:fld>
-            <a:endParaRPr lang="en-US"/>
-          </a:p>
-        </p:txBody>
-      </p:sp>
     </p:spTree>
     <p:extLst>
       <p:ext uri="{BB962C8B-B14F-4D97-AF65-F5344CB8AC3E}">
-        <p14:creationId xmlns:p14="http://schemas.microsoft.com/office/powerpoint/2010/main" val="1024086991"/>
+        <p14:creationId xmlns:p14="http://schemas.microsoft.com/office/powerpoint/2010/main" val="2689010280"/>
       </p:ext>
     </p:extLst>
   </p:cSld>
   <p:clrMap bg1="lt1" tx1="dk1" bg2="lt2" tx2="dk2" accent1="accent1" accent2="accent2" accent3="accent3" accent4="accent4" accent5="accent5" accent6="accent6" hlink="hlink" folHlink="folHlink"/>
   <p:notesStyle>
-    <a:lvl1pPr marL="0" algn="l" defTabSz="914400" rtl="0" eaLnBrk="1" latinLnBrk="0" hangingPunct="1">
+    <a:lvl1pPr marL="0" algn="l" defTabSz="914400" rtl="0" eaLnBrk="1" latinLnBrk="1" hangingPunct="1">
       <a:defRPr sz="1200" kern="1200">
         <a:solidFill>
           <a:schemeClr val="tx1"/>
@@ -321,7 +962,7 @@
         <a:cs typeface="+mn-cs"/>
       </a:defRPr>
     </a:lvl1pPr>
-    <a:lvl2pPr marL="457200" algn="l" defTabSz="914400" rtl="0" eaLnBrk="1" latinLnBrk="0" hangingPunct="1">
+    <a:lvl2pPr marL="457200" algn="l" defTabSz="914400" rtl="0" eaLnBrk="1" latinLnBrk="1" hangingPunct="1">
       <a:defRPr sz="1200" kern="1200">
         <a:solidFill>
           <a:schemeClr val="tx1"/>
@@ -331,7 +972,7 @@
         <a:cs typeface="+mn-cs"/>
       </a:defRPr>
     </a:lvl2pPr>
-    <a:lvl3pPr marL="914400" algn="l" defTabSz="914400" rtl="0" eaLnBrk="1" latinLnBrk="0" hangingPunct="1">
+    <a:lvl3pPr marL="914400" algn="l" defTabSz="914400" rtl="0" eaLnBrk="1" latinLnBrk="1" hangingPunct="1">
       <a:defRPr sz="1200" kern="1200">
         <a:solidFill>
           <a:schemeClr val="tx1"/>
@@ -341,7 +982,7 @@
         <a:cs typeface="+mn-cs"/>
       </a:defRPr>
     </a:lvl3pPr>
-    <a:lvl4pPr marL="1371600" algn="l" defTabSz="914400" rtl="0" eaLnBrk="1" latinLnBrk="0" hangingPunct="1">
+    <a:lvl4pPr marL="1371600" algn="l" defTabSz="914400" rtl="0" eaLnBrk="1" latinLnBrk="1" hangingPunct="1">
       <a:defRPr sz="1200" kern="1200">
         <a:solidFill>
           <a:schemeClr val="tx1"/>
@@ -351,7 +992,7 @@
         <a:cs typeface="+mn-cs"/>
       </a:defRPr>
     </a:lvl4pPr>
-    <a:lvl5pPr marL="1828800" algn="l" defTabSz="914400" rtl="0" eaLnBrk="1" latinLnBrk="0" hangingPunct="1">
+    <a:lvl5pPr marL="1828800" algn="l" defTabSz="914400" rtl="0" eaLnBrk="1" latinLnBrk="1" hangingPunct="1">
       <a:defRPr sz="1200" kern="1200">
         <a:solidFill>
           <a:schemeClr val="tx1"/>
@@ -361,7 +1002,7 @@
         <a:cs typeface="+mn-cs"/>
       </a:defRPr>
     </a:lvl5pPr>
-    <a:lvl6pPr marL="2286000" algn="l" defTabSz="914400" rtl="0" eaLnBrk="1" latinLnBrk="0" hangingPunct="1">
+    <a:lvl6pPr marL="2286000" algn="l" defTabSz="914400" rtl="0" eaLnBrk="1" latinLnBrk="1" hangingPunct="1">
       <a:defRPr sz="1200" kern="1200">
         <a:solidFill>
           <a:schemeClr val="tx1"/>
@@ -371,7 +1012,7 @@
         <a:cs typeface="+mn-cs"/>
       </a:defRPr>
     </a:lvl6pPr>
-    <a:lvl7pPr marL="2743200" algn="l" defTabSz="914400" rtl="0" eaLnBrk="1" latinLnBrk="0" hangingPunct="1">
+    <a:lvl7pPr marL="2743200" algn="l" defTabSz="914400" rtl="0" eaLnBrk="1" latinLnBrk="1" hangingPunct="1">
       <a:defRPr sz="1200" kern="1200">
         <a:solidFill>
           <a:schemeClr val="tx1"/>
@@ -381,7 +1022,7 @@
         <a:cs typeface="+mn-cs"/>
       </a:defRPr>
     </a:lvl7pPr>
-    <a:lvl8pPr marL="3200400" algn="l" defTabSz="914400" rtl="0" eaLnBrk="1" latinLnBrk="0" hangingPunct="1">
+    <a:lvl8pPr marL="3200400" algn="l" defTabSz="914400" rtl="0" eaLnBrk="1" latinLnBrk="1" hangingPunct="1">
       <a:defRPr sz="1200" kern="1200">
         <a:solidFill>
           <a:schemeClr val="tx1"/>
@@ -391,7 +1032,7 @@
         <a:cs typeface="+mn-cs"/>
       </a:defRPr>
     </a:lvl8pPr>
-    <a:lvl9pPr marL="3657600" algn="l" defTabSz="914400" rtl="0" eaLnBrk="1" latinLnBrk="0" hangingPunct="1">
+    <a:lvl9pPr marL="3657600" algn="l" defTabSz="914400" rtl="0" eaLnBrk="1" latinLnBrk="1" hangingPunct="1">
       <a:defRPr sz="1200" kern="1200">
         <a:solidFill>
           <a:schemeClr val="tx1"/>
@@ -449,10 +1090,6 @@
           <a:bodyPr/>
           <a:lstStyle/>
           <a:p>
-            <a:r>
-              <a:rPr lang="en-US" dirty="0"/>
-              <a:t/>
-            </a:r>
             <a:endParaRPr lang="en-US" dirty="0"/>
           </a:p>
         </p:txBody>
@@ -537,10 +1174,6 @@
           <a:bodyPr/>
           <a:lstStyle/>
           <a:p>
-            <a:r>
-              <a:rPr lang="en-US" dirty="0"/>
-              <a:t/>
-            </a:r>
             <a:endParaRPr lang="en-US" dirty="0"/>
           </a:p>
         </p:txBody>
@@ -562,7 +1195,7 @@
           <a:p>
             <a:fld id="{F7021451-1387-4CA6-816F-3879F97B5CBC}" type="slidenum">
               <a:rPr lang="en-US"/>
-              <a:t>2</a:t>
+              <a:t>3</a:t>
             </a:fld>
             <a:endParaRPr lang="en-US"/>
           </a:p>
@@ -625,10 +1258,6 @@
           <a:bodyPr/>
           <a:lstStyle/>
           <a:p>
-            <a:r>
-              <a:rPr lang="en-US" dirty="0"/>
-              <a:t/>
-            </a:r>
             <a:endParaRPr lang="en-US" dirty="0"/>
           </a:p>
         </p:txBody>
@@ -650,7 +1279,7 @@
           <a:p>
             <a:fld id="{F7021451-1387-4CA6-816F-3879F97B5CBC}" type="slidenum">
               <a:rPr lang="en-US"/>
-              <a:t>3</a:t>
+              <a:t>4</a:t>
             </a:fld>
             <a:endParaRPr lang="en-US"/>
           </a:p>
@@ -674,7 +1303,13 @@
   <p:cSld>
     <p:spTree>
       <p:nvGrpSpPr>
-        <p:cNvPr id="1" name=""/>
+        <p:cNvPr id="1" name="">
+          <a:extLst>
+            <a:ext uri="{FF2B5EF4-FFF2-40B4-BE49-F238E27FC236}">
+              <a16:creationId xmlns:a16="http://schemas.microsoft.com/office/drawing/2014/main" id="{15880EA8-DBFC-259B-F5B6-31DC646F4B5D}"/>
+            </a:ext>
+          </a:extLst>
+        </p:cNvPr>
         <p:cNvGrpSpPr/>
         <p:nvPr/>
       </p:nvGrpSpPr>
@@ -688,7 +1323,13 @@
       </p:grpSpPr>
       <p:sp>
         <p:nvSpPr>
-          <p:cNvPr id="2" name="Slide Image Placeholder 1"/>
+          <p:cNvPr id="2" name="Slide Image Placeholder 1">
+            <a:extLst>
+              <a:ext uri="{FF2B5EF4-FFF2-40B4-BE49-F238E27FC236}">
+                <a16:creationId xmlns:a16="http://schemas.microsoft.com/office/drawing/2014/main" id="{E2C886CE-6E31-574C-9946-13E3A7A79293}"/>
+              </a:ext>
+            </a:extLst>
+          </p:cNvPr>
           <p:cNvSpPr>
             <a:spLocks noGrp="1" noRot="1" noChangeAspect="1"/>
           </p:cNvSpPr>
@@ -700,7 +1341,13 @@
       </p:sp>
       <p:sp>
         <p:nvSpPr>
-          <p:cNvPr id="3" name="Notes Placeholder 2"/>
+          <p:cNvPr id="3" name="Notes Placeholder 2">
+            <a:extLst>
+              <a:ext uri="{FF2B5EF4-FFF2-40B4-BE49-F238E27FC236}">
+                <a16:creationId xmlns:a16="http://schemas.microsoft.com/office/drawing/2014/main" id="{A39F4FD9-6259-5AF8-3639-DD3789F03378}"/>
+              </a:ext>
+            </a:extLst>
+          </p:cNvPr>
           <p:cNvSpPr>
             <a:spLocks noGrp="1"/>
           </p:cNvSpPr>
@@ -713,17 +1360,19 @@
           <a:bodyPr/>
           <a:lstStyle/>
           <a:p>
-            <a:r>
-              <a:rPr lang="en-US" dirty="0"/>
-              <a:t/>
-            </a:r>
             <a:endParaRPr lang="en-US" dirty="0"/>
           </a:p>
         </p:txBody>
       </p:sp>
       <p:sp>
         <p:nvSpPr>
-          <p:cNvPr id="4" name="Slide Number Placeholder 3"/>
+          <p:cNvPr id="4" name="Slide Number Placeholder 3">
+            <a:extLst>
+              <a:ext uri="{FF2B5EF4-FFF2-40B4-BE49-F238E27FC236}">
+                <a16:creationId xmlns:a16="http://schemas.microsoft.com/office/drawing/2014/main" id="{1202535D-2EA0-51B6-F9FB-4A1ACD13FA2E}"/>
+              </a:ext>
+            </a:extLst>
+          </p:cNvPr>
           <p:cNvSpPr>
             <a:spLocks noGrp="1"/>
           </p:cNvSpPr>
@@ -738,7 +1387,7 @@
           <a:p>
             <a:fld id="{F7021451-1387-4CA6-816F-3879F97B5CBC}" type="slidenum">
               <a:rPr lang="en-US"/>
-              <a:t>4</a:t>
+              <a:t>5</a:t>
             </a:fld>
             <a:endParaRPr lang="en-US"/>
           </a:p>
@@ -747,7 +1396,7 @@
     </p:spTree>
     <p:extLst>
       <p:ext uri="{BB962C8B-B14F-4D97-AF65-F5344CB8AC3E}">
-        <p14:creationId xmlns:p14="http://schemas.microsoft.com/office/powerpoint/2010/main" val="1024086991"/>
+        <p14:creationId xmlns:p14="http://schemas.microsoft.com/office/powerpoint/2010/main" val="2093044110"/>
       </p:ext>
     </p:extLst>
   </p:cSld>
@@ -801,10 +1450,6 @@
           <a:bodyPr/>
           <a:lstStyle/>
           <a:p>
-            <a:r>
-              <a:rPr lang="en-US" dirty="0"/>
-              <a:t/>
-            </a:r>
             <a:endParaRPr lang="en-US" dirty="0"/>
           </a:p>
         </p:txBody>
@@ -826,7 +1471,7 @@
           <a:p>
             <a:fld id="{F7021451-1387-4CA6-816F-3879F97B5CBC}" type="slidenum">
               <a:rPr lang="en-US"/>
-              <a:t>5</a:t>
+              <a:t>7</a:t>
             </a:fld>
             <a:endParaRPr lang="en-US"/>
           </a:p>
@@ -889,10 +1534,6 @@
           <a:bodyPr/>
           <a:lstStyle/>
           <a:p>
-            <a:r>
-              <a:rPr lang="en-US" dirty="0"/>
-              <a:t/>
-            </a:r>
             <a:endParaRPr lang="en-US" dirty="0"/>
           </a:p>
         </p:txBody>
@@ -914,7 +1555,7 @@
           <a:p>
             <a:fld id="{F7021451-1387-4CA6-816F-3879F97B5CBC}" type="slidenum">
               <a:rPr lang="en-US"/>
-              <a:t>6</a:t>
+              <a:t>8</a:t>
             </a:fld>
             <a:endParaRPr lang="en-US"/>
           </a:p>
@@ -977,10 +1618,6 @@
           <a:bodyPr/>
           <a:lstStyle/>
           <a:p>
-            <a:r>
-              <a:rPr lang="en-US" dirty="0"/>
-              <a:t/>
-            </a:r>
             <a:endParaRPr lang="en-US" dirty="0"/>
           </a:p>
         </p:txBody>
@@ -1002,95 +1639,7 @@
           <a:p>
             <a:fld id="{F7021451-1387-4CA6-816F-3879F97B5CBC}" type="slidenum">
               <a:rPr lang="en-US"/>
-              <a:t>7</a:t>
-            </a:fld>
-            <a:endParaRPr lang="en-US"/>
-          </a:p>
-        </p:txBody>
-      </p:sp>
-    </p:spTree>
-    <p:extLst>
-      <p:ext uri="{BB962C8B-B14F-4D97-AF65-F5344CB8AC3E}">
-        <p14:creationId xmlns:p14="http://schemas.microsoft.com/office/powerpoint/2010/main" val="1024086991"/>
-      </p:ext>
-    </p:extLst>
-  </p:cSld>
-  <p:clrMapOvr>
-    <a:masterClrMapping/>
-  </p:clrMapOvr>
-</p:notes>
-</file>
-
-<file path=ppt/notesSlides/notesSlide8.xml><?xml version="1.0" encoding="utf-8"?>
-<p:notes xmlns:a="http://schemas.openxmlformats.org/drawingml/2006/main" xmlns:r="http://schemas.openxmlformats.org/officeDocument/2006/relationships" xmlns:p="http://schemas.openxmlformats.org/presentationml/2006/main">
-  <p:cSld>
-    <p:spTree>
-      <p:nvGrpSpPr>
-        <p:cNvPr id="1" name=""/>
-        <p:cNvGrpSpPr/>
-        <p:nvPr/>
-      </p:nvGrpSpPr>
-      <p:grpSpPr>
-        <a:xfrm>
-          <a:off x="0" y="0"/>
-          <a:ext cx="0" cy="0"/>
-          <a:chOff x="0" y="0"/>
-          <a:chExt cx="0" cy="0"/>
-        </a:xfrm>
-      </p:grpSpPr>
-      <p:sp>
-        <p:nvSpPr>
-          <p:cNvPr id="2" name="Slide Image Placeholder 1"/>
-          <p:cNvSpPr>
-            <a:spLocks noGrp="1" noRot="1" noChangeAspect="1"/>
-          </p:cNvSpPr>
-          <p:nvPr>
-            <p:ph type="sldImg"/>
-          </p:nvPr>
-        </p:nvSpPr>
-        <p:spPr/>
-      </p:sp>
-      <p:sp>
-        <p:nvSpPr>
-          <p:cNvPr id="3" name="Notes Placeholder 2"/>
-          <p:cNvSpPr>
-            <a:spLocks noGrp="1"/>
-          </p:cNvSpPr>
-          <p:nvPr>
-            <p:ph type="body" idx="1"/>
-          </p:nvPr>
-        </p:nvSpPr>
-        <p:spPr/>
-        <p:txBody>
-          <a:bodyPr/>
-          <a:lstStyle/>
-          <a:p>
-            <a:r>
-              <a:rPr lang="en-US" dirty="0"/>
-              <a:t/>
-            </a:r>
-            <a:endParaRPr lang="en-US" dirty="0"/>
-          </a:p>
-        </p:txBody>
-      </p:sp>
-      <p:sp>
-        <p:nvSpPr>
-          <p:cNvPr id="4" name="Slide Number Placeholder 3"/>
-          <p:cNvSpPr>
-            <a:spLocks noGrp="1"/>
-          </p:cNvSpPr>
-          <p:nvPr>
-            <p:ph type="sldNum" sz="quarter" idx="10"/>
-          </p:nvPr>
-        </p:nvSpPr>
-        <p:spPr/>
-        <p:txBody>
-          <a:bodyPr/>
-          <a:lstStyle/>
-          <a:p>
-            <a:fld id="{F7021451-1387-4CA6-816F-3879F97B5CBC}" type="slidenum">
-              <a:rPr lang="en-US"/>
-              <a:t>8</a:t>
+              <a:t>9</a:t>
             </a:fld>
             <a:endParaRPr lang="en-US"/>
           </a:p>
@@ -1199,7 +1748,7 @@
       <p:pic>
         <p:nvPicPr>
           <p:cNvPr id="4" name="Image 0" descr="preencoded.png">
-            <a:hlinkClick r:id="rId2" tooltip=""/>
+            <a:hlinkClick r:id="rId2"/>
           </p:cNvPr>
           <p:cNvPicPr>
             <a:picLocks noChangeAspect="1"/>
@@ -1207,7 +1756,7 @@
           <p:nvPr/>
         </p:nvPicPr>
         <p:blipFill>
-          <a:blip r:embed="rId1"/>
+          <a:blip r:embed="rId3"/>
           <a:stretch>
             <a:fillRect/>
           </a:stretch>
@@ -1290,7 +1839,7 @@
       <p:pic>
         <p:nvPicPr>
           <p:cNvPr id="4" name="Image 0" descr="preencoded.png">
-            <a:hlinkClick r:id="rId2" tooltip=""/>
+            <a:hlinkClick r:id="rId2"/>
           </p:cNvPr>
           <p:cNvPicPr>
             <a:picLocks noChangeAspect="1"/>
@@ -1298,7 +1847,7 @@
           <p:nvPr/>
         </p:nvPicPr>
         <p:blipFill>
-          <a:blip r:embed="rId1"/>
+          <a:blip r:embed="rId3"/>
           <a:stretch>
             <a:fillRect/>
           </a:stretch>
@@ -1381,7 +1930,7 @@
       <p:pic>
         <p:nvPicPr>
           <p:cNvPr id="4" name="Image 0" descr="preencoded.png">
-            <a:hlinkClick r:id="rId2" tooltip=""/>
+            <a:hlinkClick r:id="rId2"/>
           </p:cNvPr>
           <p:cNvPicPr>
             <a:picLocks noChangeAspect="1"/>
@@ -1389,7 +1938,7 @@
           <p:nvPr/>
         </p:nvPicPr>
         <p:blipFill>
-          <a:blip r:embed="rId1"/>
+          <a:blip r:embed="rId3"/>
           <a:stretch>
             <a:fillRect/>
           </a:stretch>
@@ -1472,7 +2021,7 @@
       <p:pic>
         <p:nvPicPr>
           <p:cNvPr id="4" name="Image 0" descr="preencoded.png">
-            <a:hlinkClick r:id="rId2" tooltip=""/>
+            <a:hlinkClick r:id="rId2"/>
           </p:cNvPr>
           <p:cNvPicPr>
             <a:picLocks noChangeAspect="1"/>
@@ -1480,7 +2029,7 @@
           <p:nvPr/>
         </p:nvPicPr>
         <p:blipFill>
-          <a:blip r:embed="rId1"/>
+          <a:blip r:embed="rId3"/>
           <a:stretch>
             <a:fillRect/>
           </a:stretch>
@@ -1563,7 +2112,7 @@
       <p:pic>
         <p:nvPicPr>
           <p:cNvPr id="4" name="Image 0" descr="preencoded.png">
-            <a:hlinkClick r:id="rId2" tooltip=""/>
+            <a:hlinkClick r:id="rId2"/>
           </p:cNvPr>
           <p:cNvPicPr>
             <a:picLocks noChangeAspect="1"/>
@@ -1571,7 +2120,7 @@
           <p:nvPr/>
         </p:nvPicPr>
         <p:blipFill>
-          <a:blip r:embed="rId1"/>
+          <a:blip r:embed="rId3"/>
           <a:stretch>
             <a:fillRect/>
           </a:stretch>
@@ -1654,7 +2203,7 @@
       <p:pic>
         <p:nvPicPr>
           <p:cNvPr id="4" name="Image 0" descr="preencoded.png">
-            <a:hlinkClick r:id="rId2" tooltip=""/>
+            <a:hlinkClick r:id="rId2"/>
           </p:cNvPr>
           <p:cNvPicPr>
             <a:picLocks noChangeAspect="1"/>
@@ -1662,7 +2211,7 @@
           <p:nvPr/>
         </p:nvPicPr>
         <p:blipFill>
-          <a:blip r:embed="rId1"/>
+          <a:blip r:embed="rId3"/>
           <a:stretch>
             <a:fillRect/>
           </a:stretch>
@@ -1745,7 +2294,7 @@
       <p:pic>
         <p:nvPicPr>
           <p:cNvPr id="4" name="Image 0" descr="preencoded.png">
-            <a:hlinkClick r:id="rId2" tooltip=""/>
+            <a:hlinkClick r:id="rId2"/>
           </p:cNvPr>
           <p:cNvPicPr>
             <a:picLocks noChangeAspect="1"/>
@@ -1753,7 +2302,7 @@
           <p:nvPr/>
         </p:nvPicPr>
         <p:blipFill>
-          <a:blip r:embed="rId1"/>
+          <a:blip r:embed="rId3"/>
           <a:stretch>
             <a:fillRect/>
           </a:stretch>
@@ -1836,7 +2385,7 @@
       <p:pic>
         <p:nvPicPr>
           <p:cNvPr id="4" name="Image 0" descr="preencoded.png">
-            <a:hlinkClick r:id="rId2" tooltip=""/>
+            <a:hlinkClick r:id="rId2"/>
           </p:cNvPr>
           <p:cNvPicPr>
             <a:picLocks noChangeAspect="1"/>
@@ -1844,7 +2393,7 @@
           <p:nvPr/>
         </p:nvPicPr>
         <p:blipFill>
-          <a:blip r:embed="rId1"/>
+          <a:blip r:embed="rId3"/>
           <a:stretch>
             <a:fillRect/>
           </a:stretch>
@@ -1870,6 +2419,11 @@
 <file path=ppt/slideMasters/slideMaster1.xml><?xml version="1.0" encoding="utf-8"?>
 <p:sldMaster xmlns:a="http://schemas.openxmlformats.org/drawingml/2006/main" xmlns:r="http://schemas.openxmlformats.org/officeDocument/2006/relationships" xmlns:p="http://schemas.openxmlformats.org/presentationml/2006/main">
   <p:cSld>
+    <p:bg>
+      <p:bgRef idx="1001">
+        <a:schemeClr val="bg1"/>
+      </p:bgRef>
+    </p:bg>
     <p:spTree>
       <p:nvGrpSpPr>
         <p:cNvPr id="1" name=""/>
@@ -2169,30 +2723,6 @@
           <a:chExt cx="0" cy="0"/>
         </a:xfrm>
       </p:grpSpPr>
-      <p:pic>
-        <p:nvPicPr>
-          <p:cNvPr id="2" name="Image 0" descr="preencoded.png">    </p:cNvPr>
-          <p:cNvPicPr>
-            <a:picLocks noChangeAspect="1"/>
-          </p:cNvPicPr>
-          <p:nvPr/>
-        </p:nvPicPr>
-        <p:blipFill>
-          <a:blip r:embed="rId1"/>
-          <a:stretch>
-            <a:fillRect/>
-          </a:stretch>
-        </p:blipFill>
-        <p:spPr>
-          <a:xfrm>
-            <a:off x="0" y="0"/>
-            <a:ext cx="5486400" cy="8229600"/>
-          </a:xfrm>
-          <a:prstGeom prst="rect">
-            <a:avLst/>
-          </a:prstGeom>
-        </p:spPr>
-      </p:pic>
       <p:sp>
         <p:nvSpPr>
           <p:cNvPr id="3" name="Text 0"/>
@@ -2214,24 +2744,37 @@
           <a:bodyPr wrap="square" lIns="0" tIns="0" rIns="0" bIns="0" rtlCol="0" anchor="t"/>
           <a:lstStyle/>
           <a:p>
-            <a:pPr algn="l" indent="0" marL="0">
+            <a:pPr marL="0" indent="0" algn="l">
               <a:lnSpc>
                 <a:spcPts val="5550"/>
               </a:lnSpc>
               <a:buNone/>
             </a:pPr>
             <a:r>
-              <a:rPr lang="en-US" sz="4450" dirty="0">
-                <a:solidFill>
-                  <a:srgbClr val="1D1D1B"/>
-                </a:solidFill>
-                <a:latin typeface="Tomorrow Semi Bold" pitchFamily="34" charset="0"/>
-                <a:ea typeface="Tomorrow Semi Bold" pitchFamily="34" charset="-122"/>
-                <a:cs typeface="Tomorrow Semi Bold" pitchFamily="34" charset="-120"/>
-              </a:rPr>
-              <a:t>유니티 2D 카드 뒤집기 게임 소개</a:t>
-            </a:r>
-            <a:endParaRPr lang="en-US" sz="4450" dirty="0"/>
+              <a:rPr lang="ko-KR" altLang="en-US" sz="4450" dirty="0">
+                <a:latin typeface="배달의민족 주아" panose="02020603020101020101" pitchFamily="18" charset="-127"/>
+                <a:ea typeface="배달의민족 주아" panose="02020603020101020101" pitchFamily="18" charset="-127"/>
+              </a:rPr>
+              <a:t>일단 </a:t>
+            </a:r>
+            <a:r>
+              <a:rPr lang="ko-KR" altLang="en-US" sz="4450" dirty="0" err="1">
+                <a:latin typeface="배달의민족 주아" panose="02020603020101020101" pitchFamily="18" charset="-127"/>
+                <a:ea typeface="배달의민족 주아" panose="02020603020101020101" pitchFamily="18" charset="-127"/>
+              </a:rPr>
+              <a:t>뒤집어조</a:t>
+            </a:r>
+            <a:r>
+              <a:rPr lang="en-US" altLang="ko-KR" sz="4450" dirty="0">
+                <a:latin typeface="배달의민족 주아" panose="02020603020101020101" pitchFamily="18" charset="-127"/>
+                <a:ea typeface="배달의민족 주아" panose="02020603020101020101" pitchFamily="18" charset="-127"/>
+              </a:rPr>
+              <a:t>!</a:t>
+            </a:r>
+            <a:endParaRPr lang="en-US" sz="4450" dirty="0">
+              <a:latin typeface="배달의민족 주아" panose="02020603020101020101" pitchFamily="18" charset="-127"/>
+              <a:ea typeface="배달의민족 주아" panose="02020603020101020101" pitchFamily="18" charset="-127"/>
+            </a:endParaRPr>
           </a:p>
         </p:txBody>
       </p:sp>
@@ -2256,24 +2799,63 @@
           <a:bodyPr wrap="square" lIns="0" tIns="0" rIns="0" bIns="0" rtlCol="0" anchor="t"/>
           <a:lstStyle/>
           <a:p>
-            <a:pPr algn="l" indent="0" marL="0">
+            <a:pPr marL="0" indent="0" algn="l">
               <a:lnSpc>
                 <a:spcPts val="2850"/>
               </a:lnSpc>
               <a:buNone/>
             </a:pPr>
             <a:r>
-              <a:rPr lang="en-US" sz="1750" dirty="0">
-                <a:solidFill>
-                  <a:srgbClr val="61615C"/>
-                </a:solidFill>
-                <a:latin typeface="Tomorrow" pitchFamily="34" charset="0"/>
-                <a:ea typeface="Tomorrow" pitchFamily="34" charset="-122"/>
-                <a:cs typeface="Tomorrow" pitchFamily="34" charset="-120"/>
-              </a:rPr>
-              <a:t>유니티 엔진으로 개발된 간단하고 중독성 있는 2D 카드 매칭 게임입니다. 재미와 학습을 동시에 제공합니다.</a:t>
-            </a:r>
-            <a:endParaRPr lang="en-US" sz="1750" dirty="0"/>
+              <a:rPr lang="en-US" altLang="ko-KR" sz="1750" dirty="0">
+                <a:latin typeface="배달의민족 주아" panose="02020603020101020101" pitchFamily="18" charset="-127"/>
+                <a:ea typeface="배달의민족 주아" panose="02020603020101020101" pitchFamily="18" charset="-127"/>
+              </a:rPr>
+              <a:t>Made by) </a:t>
+            </a:r>
+            <a:r>
+              <a:rPr lang="ko-KR" altLang="en-US" sz="1750" dirty="0">
+                <a:latin typeface="배달의민족 주아" panose="02020603020101020101" pitchFamily="18" charset="-127"/>
+                <a:ea typeface="배달의민족 주아" panose="02020603020101020101" pitchFamily="18" charset="-127"/>
+              </a:rPr>
+              <a:t>스파르타 코딩캠프 유니티 게임개발 </a:t>
+            </a:r>
+            <a:r>
+              <a:rPr lang="en-US" altLang="ko-KR" sz="1750" dirty="0">
+                <a:latin typeface="배달의민족 주아" panose="02020603020101020101" pitchFamily="18" charset="-127"/>
+                <a:ea typeface="배달의민족 주아" panose="02020603020101020101" pitchFamily="18" charset="-127"/>
+              </a:rPr>
+              <a:t>10</a:t>
+            </a:r>
+            <a:r>
+              <a:rPr lang="ko-KR" altLang="en-US" sz="1750" dirty="0">
+                <a:latin typeface="배달의민족 주아" panose="02020603020101020101" pitchFamily="18" charset="-127"/>
+                <a:ea typeface="배달의민족 주아" panose="02020603020101020101" pitchFamily="18" charset="-127"/>
+              </a:rPr>
+              <a:t>기 </a:t>
+            </a:r>
+            <a:r>
+              <a:rPr lang="ko-KR" altLang="en-US" sz="1750" dirty="0" err="1">
+                <a:latin typeface="배달의민족 주아" panose="02020603020101020101" pitchFamily="18" charset="-127"/>
+                <a:ea typeface="배달의민족 주아" panose="02020603020101020101" pitchFamily="18" charset="-127"/>
+              </a:rPr>
+              <a:t>일단하조</a:t>
+            </a:r>
+            <a:endParaRPr lang="en-US" altLang="ko-KR" sz="1750" dirty="0">
+              <a:latin typeface="배달의민족 주아" panose="02020603020101020101" pitchFamily="18" charset="-127"/>
+              <a:ea typeface="배달의민족 주아" panose="02020603020101020101" pitchFamily="18" charset="-127"/>
+            </a:endParaRPr>
+          </a:p>
+          <a:p>
+            <a:pPr marL="0" indent="0" algn="l">
+              <a:lnSpc>
+                <a:spcPts val="2850"/>
+              </a:lnSpc>
+              <a:buNone/>
+            </a:pPr>
+            <a:endParaRPr lang="en-US" sz="1750" dirty="0">
+              <a:latin typeface="배달의민족 주아" panose="02020603020101020101" pitchFamily="18" charset="-127"/>
+              <a:ea typeface="배달의민족 주아" panose="02020603020101020101" pitchFamily="18" charset="-127"/>
+            </a:endParaRPr>
           </a:p>
         </p:txBody>
       </p:sp>
@@ -2301,31 +2883,14 @@
             <a:prstDash val="solid"/>
           </a:ln>
         </p:spPr>
-      </p:sp>
-      <p:pic>
-        <p:nvPicPr>
-          <p:cNvPr id="6" name="Image 1" descr="preencoded.png">    </p:cNvPr>
-          <p:cNvPicPr>
-            <a:picLocks noChangeAspect="1"/>
-          </p:cNvPicPr>
-          <p:nvPr/>
-        </p:nvPicPr>
-        <p:blipFill>
-          <a:blip r:embed="rId2"/>
-          <a:stretch>
-            <a:fillRect/>
-          </a:stretch>
-        </p:blipFill>
-        <p:spPr>
-          <a:xfrm>
-            <a:off x="6287810" y="5310188"/>
-            <a:ext cx="347663" cy="347663"/>
-          </a:xfrm>
-          <a:prstGeom prst="rect">
-            <a:avLst/>
-          </a:prstGeom>
-        </p:spPr>
-      </p:pic>
+        <p:txBody>
+          <a:bodyPr/>
+          <a:lstStyle/>
+          <a:p>
+            <a:endParaRPr lang="ko-KR" altLang="en-US"/>
+          </a:p>
+        </p:txBody>
+      </p:sp>
       <p:sp>
         <p:nvSpPr>
           <p:cNvPr id="7" name="Text 3"/>
@@ -2347,7 +2912,7 @@
           <a:bodyPr wrap="none" lIns="0" tIns="0" rIns="0" bIns="0" rtlCol="0" anchor="t"/>
           <a:lstStyle/>
           <a:p>
-            <a:pPr algn="l" indent="0" marL="0">
+            <a:pPr marL="0" indent="0" algn="l">
               <a:lnSpc>
                 <a:spcPts val="3100"/>
               </a:lnSpc>
@@ -2355,16 +2920,165 @@
             </a:pPr>
             <a:r>
               <a:rPr lang="en-US" sz="2200" b="1" dirty="0">
-                <a:solidFill>
-                  <a:srgbClr val="61615C"/>
-                </a:solidFill>
-                <a:latin typeface="Tomorrow Bold" pitchFamily="34" charset="0"/>
-                <a:ea typeface="Tomorrow Bold" pitchFamily="34" charset="-122"/>
+                <a:latin typeface="배달의민족 주아" panose="02020603020101020101" pitchFamily="18" charset="-127"/>
+                <a:ea typeface="배달의민족 주아" panose="02020603020101020101" pitchFamily="18" charset="-127"/>
                 <a:cs typeface="Tomorrow Bold" pitchFamily="34" charset="-120"/>
               </a:rPr>
-              <a:t>작성자: 채민 손</a:t>
-            </a:r>
-            <a:endParaRPr lang="en-US" sz="2200" dirty="0"/>
+              <a:t>Team: </a:t>
+            </a:r>
+            <a:r>
+              <a:rPr lang="ko-KR" altLang="en-US" sz="2200" b="1" dirty="0">
+                <a:latin typeface="배달의민족 주아" panose="02020603020101020101" pitchFamily="18" charset="-127"/>
+                <a:ea typeface="배달의민족 주아" panose="02020603020101020101" pitchFamily="18" charset="-127"/>
+                <a:cs typeface="Tomorrow Bold" pitchFamily="34" charset="-120"/>
+              </a:rPr>
+              <a:t>김지수</a:t>
+            </a:r>
+            <a:r>
+              <a:rPr lang="en-US" altLang="ko-KR" sz="2200" b="1" dirty="0">
+                <a:latin typeface="배달의민족 주아" panose="02020603020101020101" pitchFamily="18" charset="-127"/>
+                <a:ea typeface="배달의민족 주아" panose="02020603020101020101" pitchFamily="18" charset="-127"/>
+                <a:cs typeface="Tomorrow Bold" pitchFamily="34" charset="-120"/>
+              </a:rPr>
+              <a:t>, </a:t>
+            </a:r>
+            <a:r>
+              <a:rPr lang="ko-KR" altLang="en-US" sz="2200" b="1" dirty="0">
+                <a:latin typeface="배달의민족 주아" panose="02020603020101020101" pitchFamily="18" charset="-127"/>
+                <a:ea typeface="배달의민족 주아" panose="02020603020101020101" pitchFamily="18" charset="-127"/>
+                <a:cs typeface="Tomorrow Bold" pitchFamily="34" charset="-120"/>
+              </a:rPr>
+              <a:t>이희민</a:t>
+            </a:r>
+            <a:r>
+              <a:rPr lang="en-US" altLang="ko-KR" sz="2200" b="1" dirty="0">
+                <a:latin typeface="배달의민족 주아" panose="02020603020101020101" pitchFamily="18" charset="-127"/>
+                <a:ea typeface="배달의민족 주아" panose="02020603020101020101" pitchFamily="18" charset="-127"/>
+                <a:cs typeface="Tomorrow Bold" pitchFamily="34" charset="-120"/>
+              </a:rPr>
+              <a:t>, </a:t>
+            </a:r>
+            <a:r>
+              <a:rPr lang="ko-KR" altLang="en-US" sz="2200" b="1" dirty="0" err="1">
+                <a:latin typeface="배달의민족 주아" panose="02020603020101020101" pitchFamily="18" charset="-127"/>
+                <a:ea typeface="배달의민족 주아" panose="02020603020101020101" pitchFamily="18" charset="-127"/>
+                <a:cs typeface="Tomorrow Bold" pitchFamily="34" charset="-120"/>
+              </a:rPr>
+              <a:t>임예슬</a:t>
+            </a:r>
+            <a:r>
+              <a:rPr lang="en-US" altLang="ko-KR" sz="2200" b="1" dirty="0">
+                <a:latin typeface="배달의민족 주아" panose="02020603020101020101" pitchFamily="18" charset="-127"/>
+                <a:ea typeface="배달의민족 주아" panose="02020603020101020101" pitchFamily="18" charset="-127"/>
+                <a:cs typeface="Tomorrow Bold" pitchFamily="34" charset="-120"/>
+              </a:rPr>
+              <a:t>, </a:t>
+            </a:r>
+            <a:r>
+              <a:rPr lang="ko-KR" altLang="en-US" sz="2200" b="1" dirty="0" err="1">
+                <a:latin typeface="배달의민족 주아" panose="02020603020101020101" pitchFamily="18" charset="-127"/>
+                <a:ea typeface="배달의민족 주아" panose="02020603020101020101" pitchFamily="18" charset="-127"/>
+                <a:cs typeface="Tomorrow Bold" pitchFamily="34" charset="-120"/>
+              </a:rPr>
+              <a:t>손채민</a:t>
+            </a:r>
+            <a:r>
+              <a:rPr lang="en-US" altLang="ko-KR" sz="2200" b="1" dirty="0">
+                <a:latin typeface="배달의민족 주아" panose="02020603020101020101" pitchFamily="18" charset="-127"/>
+                <a:ea typeface="배달의민족 주아" panose="02020603020101020101" pitchFamily="18" charset="-127"/>
+                <a:cs typeface="Tomorrow Bold" pitchFamily="34" charset="-120"/>
+              </a:rPr>
+              <a:t>, </a:t>
+            </a:r>
+            <a:r>
+              <a:rPr lang="ko-KR" altLang="en-US" sz="2200" b="1" dirty="0">
+                <a:latin typeface="배달의민족 주아" panose="02020603020101020101" pitchFamily="18" charset="-127"/>
+                <a:ea typeface="배달의민족 주아" panose="02020603020101020101" pitchFamily="18" charset="-127"/>
+                <a:cs typeface="Tomorrow Bold" pitchFamily="34" charset="-120"/>
+              </a:rPr>
+              <a:t>진주호</a:t>
+            </a:r>
+            <a:endParaRPr lang="en-US" sz="2200" dirty="0">
+              <a:latin typeface="배달의민족 주아" panose="02020603020101020101" pitchFamily="18" charset="-127"/>
+              <a:ea typeface="배달의민족 주아" panose="02020603020101020101" pitchFamily="18" charset="-127"/>
+            </a:endParaRPr>
+          </a:p>
+        </p:txBody>
+      </p:sp>
+      <p:pic>
+        <p:nvPicPr>
+          <p:cNvPr id="9" name="그림 8" descr="픽셀, 스크린샷이(가) 표시된 사진&#10;&#10;AI가 생성한 콘텐츠는 부정확할 수 있습니다.">
+            <a:extLst>
+              <a:ext uri="{FF2B5EF4-FFF2-40B4-BE49-F238E27FC236}">
+                <a16:creationId xmlns:a16="http://schemas.microsoft.com/office/drawing/2014/main" id="{F6538C95-E591-3A89-9C9E-CAE7E1F3F0E6}"/>
+              </a:ext>
+            </a:extLst>
+          </p:cNvPr>
+          <p:cNvPicPr>
+            <a:picLocks noChangeAspect="1"/>
+          </p:cNvPicPr>
+          <p:nvPr/>
+        </p:nvPicPr>
+        <p:blipFill>
+          <a:blip r:embed="rId3"/>
+          <a:stretch>
+            <a:fillRect/>
+          </a:stretch>
+        </p:blipFill>
+        <p:spPr>
+          <a:xfrm>
+            <a:off x="-190561" y="139184"/>
+            <a:ext cx="5895856" cy="5895856"/>
+          </a:xfrm>
+          <a:prstGeom prst="rect">
+            <a:avLst/>
+          </a:prstGeom>
+        </p:spPr>
+      </p:pic>
+      <p:sp>
+        <p:nvSpPr>
+          <p:cNvPr id="10" name="직사각형 9">
+            <a:extLst>
+              <a:ext uri="{FF2B5EF4-FFF2-40B4-BE49-F238E27FC236}">
+                <a16:creationId xmlns:a16="http://schemas.microsoft.com/office/drawing/2014/main" id="{0285F551-B1FD-B64F-93E8-59E3B0099A01}"/>
+              </a:ext>
+            </a:extLst>
+          </p:cNvPr>
+          <p:cNvSpPr/>
+          <p:nvPr/>
+        </p:nvSpPr>
+        <p:spPr>
+          <a:xfrm>
+            <a:off x="11384280" y="7074932"/>
+            <a:ext cx="3246120" cy="1154430"/>
+          </a:xfrm>
+          <a:prstGeom prst="rect">
+            <a:avLst/>
+          </a:prstGeom>
+          <a:ln>
+            <a:noFill/>
+          </a:ln>
+        </p:spPr>
+        <p:style>
+          <a:lnRef idx="2">
+            <a:schemeClr val="dk1"/>
+          </a:lnRef>
+          <a:fillRef idx="1">
+            <a:schemeClr val="lt1"/>
+          </a:fillRef>
+          <a:effectRef idx="0">
+            <a:schemeClr val="dk1"/>
+          </a:effectRef>
+          <a:fontRef idx="minor">
+            <a:schemeClr val="dk1"/>
+          </a:fontRef>
+        </p:style>
+        <p:txBody>
+          <a:bodyPr rtlCol="0" anchor="ctr"/>
+          <a:lstStyle/>
+          <a:p>
+            <a:pPr algn="ctr"/>
+            <a:endParaRPr lang="ko-KR" altLang="en-US"/>
           </a:p>
         </p:txBody>
       </p:sp>
@@ -2377,6 +3091,436 @@
 </file>
 
 <file path=ppt/slides/slide2.xml><?xml version="1.0" encoding="utf-8"?>
+<p:sld xmlns:a="http://schemas.openxmlformats.org/drawingml/2006/main" xmlns:r="http://schemas.openxmlformats.org/officeDocument/2006/relationships" xmlns:p="http://schemas.openxmlformats.org/presentationml/2006/main">
+  <p:cSld>
+    <p:spTree>
+      <p:nvGrpSpPr>
+        <p:cNvPr id="1" name=""/>
+        <p:cNvGrpSpPr/>
+        <p:nvPr/>
+      </p:nvGrpSpPr>
+      <p:grpSpPr>
+        <a:xfrm>
+          <a:off x="0" y="0"/>
+          <a:ext cx="0" cy="0"/>
+          <a:chOff x="0" y="0"/>
+          <a:chExt cx="0" cy="0"/>
+        </a:xfrm>
+      </p:grpSpPr>
+      <p:sp>
+        <p:nvSpPr>
+          <p:cNvPr id="2" name="직사각형 1">
+            <a:extLst>
+              <a:ext uri="{FF2B5EF4-FFF2-40B4-BE49-F238E27FC236}">
+                <a16:creationId xmlns:a16="http://schemas.microsoft.com/office/drawing/2014/main" id="{7C8323E9-936E-BF3A-DD5A-1C5E52B82622}"/>
+              </a:ext>
+            </a:extLst>
+          </p:cNvPr>
+          <p:cNvSpPr/>
+          <p:nvPr/>
+        </p:nvSpPr>
+        <p:spPr>
+          <a:xfrm>
+            <a:off x="-3360420" y="-3177540"/>
+            <a:ext cx="21031200" cy="3783330"/>
+          </a:xfrm>
+          <a:prstGeom prst="rect">
+            <a:avLst/>
+          </a:prstGeom>
+        </p:spPr>
+        <p:style>
+          <a:lnRef idx="2">
+            <a:schemeClr val="accent1">
+              <a:shade val="15000"/>
+            </a:schemeClr>
+          </a:lnRef>
+          <a:fillRef idx="1">
+            <a:schemeClr val="accent1"/>
+          </a:fillRef>
+          <a:effectRef idx="0">
+            <a:schemeClr val="accent1"/>
+          </a:effectRef>
+          <a:fontRef idx="minor">
+            <a:schemeClr val="lt1"/>
+          </a:fontRef>
+        </p:style>
+        <p:txBody>
+          <a:bodyPr rtlCol="0" anchor="ctr"/>
+          <a:lstStyle/>
+          <a:p>
+            <a:pPr algn="ctr"/>
+            <a:endParaRPr lang="ko-KR" altLang="en-US"/>
+          </a:p>
+        </p:txBody>
+      </p:sp>
+      <p:sp>
+        <p:nvSpPr>
+          <p:cNvPr id="5" name="사각형: 둥근 모서리 4">
+            <a:extLst>
+              <a:ext uri="{FF2B5EF4-FFF2-40B4-BE49-F238E27FC236}">
+                <a16:creationId xmlns:a16="http://schemas.microsoft.com/office/drawing/2014/main" id="{FD325754-A4C3-22F1-64EB-8D406E7CC0F2}"/>
+              </a:ext>
+            </a:extLst>
+          </p:cNvPr>
+          <p:cNvSpPr/>
+          <p:nvPr/>
+        </p:nvSpPr>
+        <p:spPr>
+          <a:xfrm>
+            <a:off x="182880" y="-525780"/>
+            <a:ext cx="1588770" cy="880110"/>
+          </a:xfrm>
+          <a:prstGeom prst="roundRect">
+            <a:avLst/>
+          </a:prstGeom>
+        </p:spPr>
+        <p:style>
+          <a:lnRef idx="2">
+            <a:schemeClr val="accent1">
+              <a:shade val="15000"/>
+            </a:schemeClr>
+          </a:lnRef>
+          <a:fillRef idx="1">
+            <a:schemeClr val="accent1"/>
+          </a:fillRef>
+          <a:effectRef idx="0">
+            <a:schemeClr val="accent1"/>
+          </a:effectRef>
+          <a:fontRef idx="minor">
+            <a:schemeClr val="lt1"/>
+          </a:fontRef>
+        </p:style>
+        <p:txBody>
+          <a:bodyPr rtlCol="0" anchor="ctr"/>
+          <a:lstStyle/>
+          <a:p>
+            <a:pPr algn="ctr"/>
+            <a:r>
+              <a:rPr lang="ko-KR" altLang="en-US" dirty="0"/>
+              <a:t>목차</a:t>
+            </a:r>
+          </a:p>
+        </p:txBody>
+      </p:sp>
+      <p:sp>
+        <p:nvSpPr>
+          <p:cNvPr id="6" name="Text 0">
+            <a:extLst>
+              <a:ext uri="{FF2B5EF4-FFF2-40B4-BE49-F238E27FC236}">
+                <a16:creationId xmlns:a16="http://schemas.microsoft.com/office/drawing/2014/main" id="{E48A095B-E5F9-D3B8-14FC-E629ED4DE647}"/>
+              </a:ext>
+            </a:extLst>
+          </p:cNvPr>
+          <p:cNvSpPr/>
+          <p:nvPr/>
+        </p:nvSpPr>
+        <p:spPr>
+          <a:xfrm>
+            <a:off x="645200" y="2297311"/>
+            <a:ext cx="5670590" cy="708779"/>
+          </a:xfrm>
+          <a:prstGeom prst="rect">
+            <a:avLst/>
+          </a:prstGeom>
+          <a:noFill/>
+          <a:ln/>
+        </p:spPr>
+        <p:txBody>
+          <a:bodyPr wrap="none" lIns="0" tIns="0" rIns="0" bIns="0" rtlCol="0" anchor="t"/>
+          <a:lstStyle/>
+          <a:p>
+            <a:pPr algn="l">
+              <a:lnSpc>
+                <a:spcPts val="5550"/>
+              </a:lnSpc>
+            </a:pPr>
+            <a:r>
+              <a:rPr lang="en-US" altLang="ko-KR" sz="4450" dirty="0">
+                <a:solidFill>
+                  <a:srgbClr val="1D1D1B"/>
+                </a:solidFill>
+                <a:latin typeface="배달의민족 주아" panose="02020603020101020101" pitchFamily="18" charset="-127"/>
+                <a:ea typeface="배달의민족 주아" panose="02020603020101020101" pitchFamily="18" charset="-127"/>
+                <a:cs typeface="Tomorrow Semi Bold" pitchFamily="34" charset="-120"/>
+              </a:rPr>
+              <a:t>1. </a:t>
+            </a:r>
+            <a:r>
+              <a:rPr lang="ko-KR" altLang="en-US" sz="4450" dirty="0">
+                <a:solidFill>
+                  <a:srgbClr val="1D1D1B"/>
+                </a:solidFill>
+                <a:latin typeface="배달의민족 주아" panose="02020603020101020101" pitchFamily="18" charset="-127"/>
+                <a:ea typeface="배달의민족 주아" panose="02020603020101020101" pitchFamily="18" charset="-127"/>
+                <a:cs typeface="Tomorrow Semi Bold" pitchFamily="34" charset="-120"/>
+              </a:rPr>
+              <a:t>게임 플레이 영상 소개</a:t>
+            </a:r>
+            <a:r>
+              <a:rPr lang="en-US" sz="4450" dirty="0">
+                <a:solidFill>
+                  <a:srgbClr val="1D1D1B"/>
+                </a:solidFill>
+                <a:latin typeface="배달의민족 주아" panose="02020603020101020101" pitchFamily="18" charset="-127"/>
+                <a:ea typeface="배달의민족 주아" panose="02020603020101020101" pitchFamily="18" charset="-127"/>
+                <a:cs typeface="Tomorrow Semi Bold" pitchFamily="34" charset="-120"/>
+              </a:rPr>
+              <a:t> </a:t>
+            </a:r>
+            <a:endParaRPr lang="en-US" sz="4450" dirty="0">
+              <a:latin typeface="배달의민족 주아" panose="02020603020101020101" pitchFamily="18" charset="-127"/>
+              <a:ea typeface="배달의민족 주아" panose="02020603020101020101" pitchFamily="18" charset="-127"/>
+            </a:endParaRPr>
+          </a:p>
+        </p:txBody>
+      </p:sp>
+      <p:sp>
+        <p:nvSpPr>
+          <p:cNvPr id="7" name="Text 0">
+            <a:extLst>
+              <a:ext uri="{FF2B5EF4-FFF2-40B4-BE49-F238E27FC236}">
+                <a16:creationId xmlns:a16="http://schemas.microsoft.com/office/drawing/2014/main" id="{DB2B6C85-246E-A949-EDCC-9E8CD1E03CD9}"/>
+              </a:ext>
+            </a:extLst>
+          </p:cNvPr>
+          <p:cNvSpPr/>
+          <p:nvPr/>
+        </p:nvSpPr>
+        <p:spPr>
+          <a:xfrm>
+            <a:off x="645200" y="5540692"/>
+            <a:ext cx="5670590" cy="708779"/>
+          </a:xfrm>
+          <a:prstGeom prst="rect">
+            <a:avLst/>
+          </a:prstGeom>
+          <a:noFill/>
+          <a:ln/>
+        </p:spPr>
+        <p:txBody>
+          <a:bodyPr wrap="none" lIns="0" tIns="0" rIns="0" bIns="0" rtlCol="0" anchor="t"/>
+          <a:lstStyle/>
+          <a:p>
+            <a:pPr marL="0" indent="0" algn="l">
+              <a:lnSpc>
+                <a:spcPts val="5550"/>
+              </a:lnSpc>
+              <a:buNone/>
+            </a:pPr>
+            <a:r>
+              <a:rPr lang="en-US" altLang="ko-KR" sz="4450" dirty="0">
+                <a:solidFill>
+                  <a:srgbClr val="1D1D1B"/>
+                </a:solidFill>
+                <a:latin typeface="배달의민족 주아" panose="02020603020101020101" pitchFamily="18" charset="-127"/>
+                <a:ea typeface="배달의민족 주아" panose="02020603020101020101" pitchFamily="18" charset="-127"/>
+                <a:cs typeface="Tomorrow Semi Bold" pitchFamily="34" charset="-120"/>
+              </a:rPr>
+              <a:t>2. </a:t>
+            </a:r>
+            <a:r>
+              <a:rPr lang="ko-KR" altLang="en-US" sz="4450" dirty="0">
+                <a:solidFill>
+                  <a:srgbClr val="1D1D1B"/>
+                </a:solidFill>
+                <a:latin typeface="배달의민족 주아" panose="02020603020101020101" pitchFamily="18" charset="-127"/>
+                <a:ea typeface="배달의민족 주아" panose="02020603020101020101" pitchFamily="18" charset="-127"/>
+                <a:cs typeface="Tomorrow Semi Bold" pitchFamily="34" charset="-120"/>
+              </a:rPr>
+              <a:t>핵심 기능 소개</a:t>
+            </a:r>
+            <a:endParaRPr lang="en-US" sz="4450" dirty="0">
+              <a:latin typeface="배달의민족 주아" panose="02020603020101020101" pitchFamily="18" charset="-127"/>
+              <a:ea typeface="배달의민족 주아" panose="02020603020101020101" pitchFamily="18" charset="-127"/>
+            </a:endParaRPr>
+          </a:p>
+        </p:txBody>
+      </p:sp>
+      <p:sp>
+        <p:nvSpPr>
+          <p:cNvPr id="9" name="Text 0">
+            <a:extLst>
+              <a:ext uri="{FF2B5EF4-FFF2-40B4-BE49-F238E27FC236}">
+                <a16:creationId xmlns:a16="http://schemas.microsoft.com/office/drawing/2014/main" id="{35E4AACD-D144-0978-9427-302DA43ACFF0}"/>
+              </a:ext>
+            </a:extLst>
+          </p:cNvPr>
+          <p:cNvSpPr/>
+          <p:nvPr/>
+        </p:nvSpPr>
+        <p:spPr>
+          <a:xfrm>
+            <a:off x="7823240" y="2297311"/>
+            <a:ext cx="5670590" cy="708779"/>
+          </a:xfrm>
+          <a:prstGeom prst="rect">
+            <a:avLst/>
+          </a:prstGeom>
+          <a:noFill/>
+          <a:ln/>
+        </p:spPr>
+        <p:txBody>
+          <a:bodyPr wrap="none" lIns="0" tIns="0" rIns="0" bIns="0" rtlCol="0" anchor="t"/>
+          <a:lstStyle/>
+          <a:p>
+            <a:pPr marL="0" indent="0" algn="l">
+              <a:lnSpc>
+                <a:spcPts val="5550"/>
+              </a:lnSpc>
+              <a:buNone/>
+            </a:pPr>
+            <a:r>
+              <a:rPr lang="en-US" sz="4450" dirty="0">
+                <a:solidFill>
+                  <a:srgbClr val="1D1D1B"/>
+                </a:solidFill>
+                <a:latin typeface="배달의민족 주아" panose="02020603020101020101" pitchFamily="18" charset="-127"/>
+                <a:ea typeface="배달의민족 주아" panose="02020603020101020101" pitchFamily="18" charset="-127"/>
+                <a:cs typeface="Tomorrow Semi Bold" pitchFamily="34" charset="-120"/>
+              </a:rPr>
+              <a:t>3. </a:t>
+            </a:r>
+            <a:r>
+              <a:rPr lang="ko-KR" altLang="en-US" sz="4450" dirty="0">
+                <a:solidFill>
+                  <a:srgbClr val="1D1D1B"/>
+                </a:solidFill>
+                <a:latin typeface="배달의민족 주아" panose="02020603020101020101" pitchFamily="18" charset="-127"/>
+                <a:ea typeface="배달의민족 주아" panose="02020603020101020101" pitchFamily="18" charset="-127"/>
+                <a:cs typeface="Tomorrow Semi Bold" pitchFamily="34" charset="-120"/>
+              </a:rPr>
+              <a:t>트러블 슈팅</a:t>
+            </a:r>
+            <a:endParaRPr lang="en-US" sz="4450" dirty="0">
+              <a:latin typeface="배달의민족 주아" panose="02020603020101020101" pitchFamily="18" charset="-127"/>
+              <a:ea typeface="배달의민족 주아" panose="02020603020101020101" pitchFamily="18" charset="-127"/>
+            </a:endParaRPr>
+          </a:p>
+        </p:txBody>
+      </p:sp>
+      <p:sp>
+        <p:nvSpPr>
+          <p:cNvPr id="10" name="Text 0">
+            <a:extLst>
+              <a:ext uri="{FF2B5EF4-FFF2-40B4-BE49-F238E27FC236}">
+                <a16:creationId xmlns:a16="http://schemas.microsoft.com/office/drawing/2014/main" id="{8EDC77DC-16F4-0B3E-66F2-9A968772EB91}"/>
+              </a:ext>
+            </a:extLst>
+          </p:cNvPr>
+          <p:cNvSpPr/>
+          <p:nvPr/>
+        </p:nvSpPr>
+        <p:spPr>
+          <a:xfrm>
+            <a:off x="7823240" y="5540692"/>
+            <a:ext cx="5670590" cy="708779"/>
+          </a:xfrm>
+          <a:prstGeom prst="rect">
+            <a:avLst/>
+          </a:prstGeom>
+          <a:noFill/>
+          <a:ln/>
+        </p:spPr>
+        <p:txBody>
+          <a:bodyPr wrap="none" lIns="0" tIns="0" rIns="0" bIns="0" rtlCol="0" anchor="t"/>
+          <a:lstStyle/>
+          <a:p>
+            <a:pPr marL="0" indent="0" algn="l">
+              <a:lnSpc>
+                <a:spcPts val="5550"/>
+              </a:lnSpc>
+              <a:buNone/>
+            </a:pPr>
+            <a:r>
+              <a:rPr lang="en-US" altLang="ko-KR" sz="4450" dirty="0">
+                <a:solidFill>
+                  <a:srgbClr val="1D1D1B"/>
+                </a:solidFill>
+                <a:latin typeface="배달의민족 주아" panose="02020603020101020101" pitchFamily="18" charset="-127"/>
+                <a:ea typeface="배달의민족 주아" panose="02020603020101020101" pitchFamily="18" charset="-127"/>
+                <a:cs typeface="Tomorrow Semi Bold" pitchFamily="34" charset="-120"/>
+              </a:rPr>
+              <a:t>4. </a:t>
+            </a:r>
+            <a:r>
+              <a:rPr lang="ko-KR" altLang="en-US" sz="4450" dirty="0">
+                <a:solidFill>
+                  <a:srgbClr val="1D1D1B"/>
+                </a:solidFill>
+                <a:latin typeface="배달의민족 주아" panose="02020603020101020101" pitchFamily="18" charset="-127"/>
+                <a:ea typeface="배달의민족 주아" panose="02020603020101020101" pitchFamily="18" charset="-127"/>
+                <a:cs typeface="Tomorrow Semi Bold" pitchFamily="34" charset="-120"/>
+              </a:rPr>
+              <a:t>소감 발표</a:t>
+            </a:r>
+            <a:endParaRPr lang="en-US" sz="4450" dirty="0">
+              <a:latin typeface="배달의민족 주아" panose="02020603020101020101" pitchFamily="18" charset="-127"/>
+              <a:ea typeface="배달의민족 주아" panose="02020603020101020101" pitchFamily="18" charset="-127"/>
+            </a:endParaRPr>
+          </a:p>
+        </p:txBody>
+      </p:sp>
+      <p:sp>
+        <p:nvSpPr>
+          <p:cNvPr id="13" name="직사각형 12">
+            <a:extLst>
+              <a:ext uri="{FF2B5EF4-FFF2-40B4-BE49-F238E27FC236}">
+                <a16:creationId xmlns:a16="http://schemas.microsoft.com/office/drawing/2014/main" id="{EA6E17F0-F517-D206-7A0D-0F77D2E81F4D}"/>
+              </a:ext>
+            </a:extLst>
+          </p:cNvPr>
+          <p:cNvSpPr/>
+          <p:nvPr/>
+        </p:nvSpPr>
+        <p:spPr>
+          <a:xfrm>
+            <a:off x="11384280" y="7074932"/>
+            <a:ext cx="3246120" cy="1154430"/>
+          </a:xfrm>
+          <a:prstGeom prst="rect">
+            <a:avLst/>
+          </a:prstGeom>
+          <a:ln>
+            <a:noFill/>
+          </a:ln>
+        </p:spPr>
+        <p:style>
+          <a:lnRef idx="2">
+            <a:schemeClr val="dk1"/>
+          </a:lnRef>
+          <a:fillRef idx="1">
+            <a:schemeClr val="lt1"/>
+          </a:fillRef>
+          <a:effectRef idx="0">
+            <a:schemeClr val="dk1"/>
+          </a:effectRef>
+          <a:fontRef idx="minor">
+            <a:schemeClr val="dk1"/>
+          </a:fontRef>
+        </p:style>
+        <p:txBody>
+          <a:bodyPr rtlCol="0" anchor="ctr"/>
+          <a:lstStyle/>
+          <a:p>
+            <a:pPr algn="ctr"/>
+            <a:endParaRPr lang="ko-KR" altLang="en-US"/>
+          </a:p>
+        </p:txBody>
+      </p:sp>
+    </p:spTree>
+    <p:extLst>
+      <p:ext uri="{BB962C8B-B14F-4D97-AF65-F5344CB8AC3E}">
+        <p14:creationId xmlns:p14="http://schemas.microsoft.com/office/powerpoint/2010/main" val="2019187667"/>
+      </p:ext>
+    </p:extLst>
+  </p:cSld>
+  <p:clrMapOvr>
+    <a:masterClrMapping/>
+  </p:clrMapOvr>
+</p:sld>
+</file>
+
+<file path=ppt/slides/slide3.xml><?xml version="1.0" encoding="utf-8"?>
 <p:sld xmlns:a="http://schemas.openxmlformats.org/drawingml/2006/main" xmlns:r="http://schemas.openxmlformats.org/officeDocument/2006/relationships" xmlns:p="http://schemas.openxmlformats.org/presentationml/2006/main">
   <p:cSld name="Slide 2">
     <p:spTree>
@@ -2414,7 +3558,7 @@
           <a:bodyPr wrap="none" lIns="0" tIns="0" rIns="0" bIns="0" rtlCol="0" anchor="t"/>
           <a:lstStyle/>
           <a:p>
-            <a:pPr algn="l" indent="0" marL="0">
+            <a:pPr marL="0" indent="0" algn="l">
               <a:lnSpc>
                 <a:spcPts val="5550"/>
               </a:lnSpc>
@@ -2425,13 +3569,16 @@
                 <a:solidFill>
                   <a:srgbClr val="1D1D1B"/>
                 </a:solidFill>
-                <a:latin typeface="Tomorrow Semi Bold" pitchFamily="34" charset="0"/>
-                <a:ea typeface="Tomorrow Semi Bold" pitchFamily="34" charset="-122"/>
+                <a:latin typeface="배달의민족 주아" panose="02020603020101020101" pitchFamily="18" charset="-127"/>
+                <a:ea typeface="배달의민족 주아" panose="02020603020101020101" pitchFamily="18" charset="-127"/>
                 <a:cs typeface="Tomorrow Semi Bold" pitchFamily="34" charset="-120"/>
               </a:rPr>
               <a:t>게임 플레이 영상 소개</a:t>
             </a:r>
-            <a:endParaRPr lang="en-US" sz="4450" dirty="0"/>
+            <a:endParaRPr lang="en-US" sz="4450" dirty="0">
+              <a:latin typeface="배달의민족 주아" panose="02020603020101020101" pitchFamily="18" charset="-127"/>
+              <a:ea typeface="배달의민족 주아" panose="02020603020101020101" pitchFamily="18" charset="-127"/>
+            </a:endParaRPr>
           </a:p>
         </p:txBody>
       </p:sp>
@@ -2456,7 +3603,7 @@
           <a:bodyPr wrap="none" lIns="0" tIns="0" rIns="0" bIns="0" rtlCol="0" anchor="t"/>
           <a:lstStyle/>
           <a:p>
-            <a:pPr algn="l" indent="0" marL="0">
+            <a:pPr marL="0" indent="0" algn="l">
               <a:lnSpc>
                 <a:spcPts val="2750"/>
               </a:lnSpc>
@@ -2467,13 +3614,16 @@
                 <a:solidFill>
                   <a:srgbClr val="1D1D1B"/>
                 </a:solidFill>
-                <a:latin typeface="Tomorrow Semi Bold" pitchFamily="34" charset="0"/>
-                <a:ea typeface="Tomorrow Semi Bold" pitchFamily="34" charset="-122"/>
+                <a:latin typeface="배달의민족 주아" panose="02020603020101020101" pitchFamily="18" charset="-127"/>
+                <a:ea typeface="배달의민족 주아" panose="02020603020101020101" pitchFamily="18" charset="-127"/>
                 <a:cs typeface="Tomorrow Semi Bold" pitchFamily="34" charset="-120"/>
               </a:rPr>
               <a:t>주요 특징</a:t>
             </a:r>
-            <a:endParaRPr lang="en-US" sz="2200" dirty="0"/>
+            <a:endParaRPr lang="en-US" sz="2200" dirty="0">
+              <a:latin typeface="배달의민족 주아" panose="02020603020101020101" pitchFamily="18" charset="-127"/>
+              <a:ea typeface="배달의민족 주아" panose="02020603020101020101" pitchFamily="18" charset="-127"/>
+            </a:endParaRPr>
           </a:p>
         </p:txBody>
       </p:sp>
@@ -2498,80 +3648,51 @@
           <a:bodyPr wrap="none" lIns="0" tIns="0" rIns="0" bIns="0" rtlCol="0" anchor="t"/>
           <a:lstStyle/>
           <a:p>
-            <a:pPr algn="l" marL="342900" indent="-342900">
+            <a:pPr marL="285750" indent="-285750" algn="l">
               <a:lnSpc>
                 <a:spcPts val="2850"/>
               </a:lnSpc>
               <a:buSzPct val="100000"/>
-              <a:buChar char="•"/>
+              <a:buFont typeface="Wingdings" panose="05000000000000000000" pitchFamily="2" charset="2"/>
+              <a:buChar char="§"/>
             </a:pPr>
             <a:r>
-              <a:rPr lang="en-US" sz="1750" dirty="0">
-                <a:solidFill>
-                  <a:srgbClr val="61615C"/>
-                </a:solidFill>
-                <a:latin typeface="Tomorrow" pitchFamily="34" charset="0"/>
-                <a:ea typeface="Tomorrow" pitchFamily="34" charset="-122"/>
-                <a:cs typeface="Tomorrow" pitchFamily="34" charset="-120"/>
-              </a:rPr>
-              <a:t>카드 매칭</a:t>
-            </a:r>
-            <a:endParaRPr lang="en-US" sz="1750" dirty="0"/>
-          </a:p>
-        </p:txBody>
-      </p:sp>
-      <p:sp>
-        <p:nvSpPr>
-          <p:cNvPr id="5" name="Text 3"/>
-          <p:cNvSpPr/>
-          <p:nvPr/>
-        </p:nvSpPr>
-        <p:spPr>
-          <a:xfrm>
-            <a:off x="793790" y="4822150"/>
-            <a:ext cx="6244709" cy="362903"/>
-          </a:xfrm>
-          <a:prstGeom prst="rect">
-            <a:avLst/>
-          </a:prstGeom>
-          <a:noFill/>
-          <a:ln/>
-        </p:spPr>
-        <p:txBody>
-          <a:bodyPr wrap="none" lIns="0" tIns="0" rIns="0" bIns="0" rtlCol="0" anchor="t"/>
-          <a:lstStyle/>
-          <a:p>
-            <a:pPr algn="l" marL="342900" indent="-342900">
+              <a:rPr lang="ko-KR" altLang="en-US" sz="1750" dirty="0">
+                <a:latin typeface="배달의민족 주아" panose="02020603020101020101" pitchFamily="18" charset="-127"/>
+                <a:ea typeface="배달의민족 주아" panose="02020603020101020101" pitchFamily="18" charset="-127"/>
+              </a:rPr>
+              <a:t>카드 연출</a:t>
+            </a:r>
+            <a:endParaRPr lang="en-US" altLang="ko-KR" sz="1750" dirty="0">
+              <a:latin typeface="배달의민족 주아" panose="02020603020101020101" pitchFamily="18" charset="-127"/>
+              <a:ea typeface="배달의민족 주아" panose="02020603020101020101" pitchFamily="18" charset="-127"/>
+            </a:endParaRPr>
+          </a:p>
+          <a:p>
+            <a:pPr marL="285750" indent="-285750" algn="l">
               <a:lnSpc>
                 <a:spcPts val="2850"/>
               </a:lnSpc>
               <a:buSzPct val="100000"/>
-              <a:buChar char="•"/>
+              <a:buFont typeface="Wingdings" panose="05000000000000000000" pitchFamily="2" charset="2"/>
+              <a:buChar char="§"/>
             </a:pPr>
-            <a:r>
-              <a:rPr lang="en-US" sz="1750" dirty="0">
-                <a:solidFill>
-                  <a:srgbClr val="61615C"/>
-                </a:solidFill>
-                <a:latin typeface="Tomorrow" pitchFamily="34" charset="0"/>
-                <a:ea typeface="Tomorrow" pitchFamily="34" charset="-122"/>
-                <a:cs typeface="Tomorrow" pitchFamily="34" charset="-120"/>
-              </a:rPr>
-              <a:t>시간 제한</a:t>
-            </a:r>
-            <a:endParaRPr lang="en-US" sz="1750" dirty="0"/>
-          </a:p>
-        </p:txBody>
-      </p:sp>
-      <p:sp>
-        <p:nvSpPr>
-          <p:cNvPr id="6" name="Text 4"/>
-          <p:cNvSpPr/>
-          <p:nvPr/>
-        </p:nvSpPr>
-        <p:spPr>
-          <a:xfrm>
-            <a:off x="793790" y="5264348"/>
+            <a:endParaRPr lang="en-US" sz="1750" dirty="0">
+              <a:latin typeface="배달의민족 주아" panose="02020603020101020101" pitchFamily="18" charset="-127"/>
+              <a:ea typeface="배달의민족 주아" panose="02020603020101020101" pitchFamily="18" charset="-127"/>
+            </a:endParaRPr>
+          </a:p>
+        </p:txBody>
+      </p:sp>
+      <p:sp>
+        <p:nvSpPr>
+          <p:cNvPr id="5" name="Text 3"/>
+          <p:cNvSpPr/>
+          <p:nvPr/>
+        </p:nvSpPr>
+        <p:spPr>
+          <a:xfrm>
+            <a:off x="793790" y="4822150"/>
             <a:ext cx="6244709" cy="362903"/>
           </a:xfrm>
           <a:prstGeom prst="rect">
@@ -2584,67 +3705,69 @@
           <a:bodyPr wrap="none" lIns="0" tIns="0" rIns="0" bIns="0" rtlCol="0" anchor="t"/>
           <a:lstStyle/>
           <a:p>
-            <a:pPr algn="l" marL="342900" indent="-342900">
+            <a:pPr marL="285750" indent="-285750" algn="l">
               <a:lnSpc>
                 <a:spcPts val="2850"/>
               </a:lnSpc>
               <a:buSzPct val="100000"/>
-              <a:buChar char="•"/>
+              <a:buFont typeface="Wingdings" panose="05000000000000000000" pitchFamily="2" charset="2"/>
+              <a:buChar char="§"/>
             </a:pPr>
             <a:r>
-              <a:rPr lang="en-US" sz="1750" dirty="0">
-                <a:solidFill>
-                  <a:srgbClr val="61615C"/>
-                </a:solidFill>
-                <a:latin typeface="Tomorrow" pitchFamily="34" charset="0"/>
-                <a:ea typeface="Tomorrow" pitchFamily="34" charset="-122"/>
+              <a:rPr lang="ko-KR" altLang="en-US" sz="1750" dirty="0">
+                <a:latin typeface="배달의민족 주아" panose="02020603020101020101" pitchFamily="18" charset="-127"/>
+                <a:ea typeface="배달의민족 주아" panose="02020603020101020101" pitchFamily="18" charset="-127"/>
+              </a:rPr>
+              <a:t>게임 연출</a:t>
+            </a:r>
+            <a:endParaRPr lang="en-US" sz="1750" dirty="0">
+              <a:latin typeface="배달의민족 주아" panose="02020603020101020101" pitchFamily="18" charset="-127"/>
+              <a:ea typeface="배달의민족 주아" panose="02020603020101020101" pitchFamily="18" charset="-127"/>
+            </a:endParaRPr>
+          </a:p>
+        </p:txBody>
+      </p:sp>
+      <p:sp>
+        <p:nvSpPr>
+          <p:cNvPr id="6" name="Text 4"/>
+          <p:cNvSpPr/>
+          <p:nvPr/>
+        </p:nvSpPr>
+        <p:spPr>
+          <a:xfrm>
+            <a:off x="793790" y="5264348"/>
+            <a:ext cx="6244709" cy="362903"/>
+          </a:xfrm>
+          <a:prstGeom prst="rect">
+            <a:avLst/>
+          </a:prstGeom>
+          <a:noFill/>
+          <a:ln/>
+        </p:spPr>
+        <p:txBody>
+          <a:bodyPr wrap="none" lIns="0" tIns="0" rIns="0" bIns="0" rtlCol="0" anchor="t"/>
+          <a:lstStyle/>
+          <a:p>
+            <a:pPr marL="285750" indent="-285750" algn="l">
+              <a:lnSpc>
+                <a:spcPts val="2850"/>
+              </a:lnSpc>
+              <a:buSzPct val="100000"/>
+              <a:buFont typeface="Wingdings" panose="05000000000000000000" pitchFamily="2" charset="2"/>
+              <a:buChar char="§"/>
+            </a:pPr>
+            <a:r>
+              <a:rPr lang="ko-KR" altLang="en-US" sz="1750" dirty="0">
+                <a:latin typeface="배달의민족 주아" panose="02020603020101020101" pitchFamily="18" charset="-127"/>
+                <a:ea typeface="배달의민족 주아" panose="02020603020101020101" pitchFamily="18" charset="-127"/>
                 <a:cs typeface="Tomorrow" pitchFamily="34" charset="-120"/>
               </a:rPr>
-              <a:t>점수 획득</a:t>
-            </a:r>
-            <a:endParaRPr lang="en-US" sz="1750" dirty="0"/>
-          </a:p>
-        </p:txBody>
-      </p:sp>
-      <p:sp>
-        <p:nvSpPr>
-          <p:cNvPr id="7" name="Text 5"/>
-          <p:cNvSpPr/>
-          <p:nvPr/>
-        </p:nvSpPr>
-        <p:spPr>
-          <a:xfrm>
-            <a:off x="7599521" y="3798808"/>
-            <a:ext cx="2835235" cy="354330"/>
-          </a:xfrm>
-          <a:prstGeom prst="rect">
-            <a:avLst/>
-          </a:prstGeom>
-          <a:noFill/>
-          <a:ln/>
-        </p:spPr>
-        <p:txBody>
-          <a:bodyPr wrap="none" lIns="0" tIns="0" rIns="0" bIns="0" rtlCol="0" anchor="t"/>
-          <a:lstStyle/>
-          <a:p>
-            <a:pPr algn="l" indent="0" marL="0">
-              <a:lnSpc>
-                <a:spcPts val="2750"/>
-              </a:lnSpc>
-              <a:buNone/>
-            </a:pPr>
-            <a:r>
-              <a:rPr lang="en-US" sz="2200" dirty="0">
-                <a:solidFill>
-                  <a:srgbClr val="1D1D1B"/>
-                </a:solidFill>
-                <a:latin typeface="Tomorrow Semi Bold" pitchFamily="34" charset="0"/>
-                <a:ea typeface="Tomorrow Semi Bold" pitchFamily="34" charset="-122"/>
-                <a:cs typeface="Tomorrow Semi Bold" pitchFamily="34" charset="-120"/>
-              </a:rPr>
-              <a:t>게임 목표</a:t>
-            </a:r>
-            <a:endParaRPr lang="en-US" sz="2200" dirty="0"/>
+              <a:t>다양한 모드 구현</a:t>
+            </a:r>
+            <a:endParaRPr lang="en-US" sz="1750" dirty="0">
+              <a:latin typeface="배달의민족 주아" panose="02020603020101020101" pitchFamily="18" charset="-127"/>
+              <a:ea typeface="배달의민족 주아" panose="02020603020101020101" pitchFamily="18" charset="-127"/>
+            </a:endParaRPr>
           </a:p>
         </p:txBody>
       </p:sp>
@@ -2669,505 +3792,109 @@
           <a:bodyPr wrap="none" lIns="0" tIns="0" rIns="0" bIns="0" rtlCol="0" anchor="t"/>
           <a:lstStyle/>
           <a:p>
-            <a:pPr algn="l" indent="0" marL="0">
+            <a:pPr marL="0" indent="0" algn="l">
               <a:lnSpc>
                 <a:spcPts val="2850"/>
               </a:lnSpc>
               <a:buNone/>
             </a:pPr>
-            <a:r>
-              <a:rPr lang="en-US" sz="1750" dirty="0">
-                <a:solidFill>
-                  <a:srgbClr val="61615C"/>
-                </a:solidFill>
-                <a:latin typeface="Tomorrow" pitchFamily="34" charset="0"/>
-                <a:ea typeface="Tomorrow" pitchFamily="34" charset="-122"/>
-                <a:cs typeface="Tomorrow" pitchFamily="34" charset="-120"/>
-              </a:rPr>
-              <a:t>제한 시간 안에 모든 카드 쌍을 맞추세요.</a:t>
-            </a:r>
             <a:endParaRPr lang="en-US" sz="1750" dirty="0"/>
           </a:p>
         </p:txBody>
       </p:sp>
-    </p:spTree>
-  </p:cSld>
-  <p:clrMapOvr>
-    <a:masterClrMapping/>
-  </p:clrMapOvr>
-</p:sld>
-</file>
-
-<file path=ppt/slides/slide3.xml><?xml version="1.0" encoding="utf-8"?>
-<p:sld xmlns:a="http://schemas.openxmlformats.org/drawingml/2006/main" xmlns:r="http://schemas.openxmlformats.org/officeDocument/2006/relationships" xmlns:p="http://schemas.openxmlformats.org/presentationml/2006/main">
-  <p:cSld name="Slide 3">
-    <p:spTree>
-      <p:nvGrpSpPr>
-        <p:cNvPr id="1" name=""/>
-        <p:cNvGrpSpPr/>
-        <p:nvPr/>
-      </p:nvGrpSpPr>
-      <p:grpSpPr>
-        <a:xfrm>
-          <a:off x="0" y="0"/>
-          <a:ext cx="0" cy="0"/>
-          <a:chOff x="0" y="0"/>
-          <a:chExt cx="0" cy="0"/>
-        </a:xfrm>
-      </p:grpSpPr>
-      <p:pic>
-        <p:nvPicPr>
-          <p:cNvPr id="2" name="Image 0" descr="preencoded.png">    </p:cNvPr>
-          <p:cNvPicPr>
-            <a:picLocks noChangeAspect="1"/>
-          </p:cNvPicPr>
-          <p:nvPr/>
-        </p:nvPicPr>
-        <p:blipFill>
-          <a:blip r:embed="rId1"/>
-          <a:stretch>
-            <a:fillRect/>
-          </a:stretch>
-        </p:blipFill>
-        <p:spPr>
-          <a:xfrm>
-            <a:off x="9144000" y="0"/>
-            <a:ext cx="5486400" cy="8229600"/>
-          </a:xfrm>
-          <a:prstGeom prst="rect">
-            <a:avLst/>
-          </a:prstGeom>
-        </p:spPr>
-      </p:pic>
-      <p:sp>
-        <p:nvSpPr>
-          <p:cNvPr id="3" name="Text 0"/>
-          <p:cNvSpPr/>
-          <p:nvPr/>
-        </p:nvSpPr>
-        <p:spPr>
-          <a:xfrm>
-            <a:off x="793790" y="2368391"/>
-            <a:ext cx="5670590" cy="708779"/>
-          </a:xfrm>
-          <a:prstGeom prst="rect">
-            <a:avLst/>
-          </a:prstGeom>
-          <a:noFill/>
-          <a:ln/>
-        </p:spPr>
-        <p:txBody>
-          <a:bodyPr wrap="none" lIns="0" tIns="0" rIns="0" bIns="0" rtlCol="0" anchor="t"/>
-          <a:lstStyle/>
-          <a:p>
-            <a:pPr algn="l" indent="0" marL="0">
-              <a:lnSpc>
-                <a:spcPts val="5550"/>
-              </a:lnSpc>
-              <a:buNone/>
-            </a:pPr>
-            <a:r>
-              <a:rPr lang="en-US" sz="4450" dirty="0">
-                <a:solidFill>
-                  <a:srgbClr val="1D1D1B"/>
-                </a:solidFill>
-                <a:latin typeface="Tomorrow Semi Bold" pitchFamily="34" charset="0"/>
-                <a:ea typeface="Tomorrow Semi Bold" pitchFamily="34" charset="-122"/>
-                <a:cs typeface="Tomorrow Semi Bold" pitchFamily="34" charset="-120"/>
-              </a:rPr>
-              <a:t>프로젝트 개요</a:t>
-            </a:r>
-            <a:endParaRPr lang="en-US" sz="4450" dirty="0"/>
-          </a:p>
-        </p:txBody>
-      </p:sp>
-      <p:sp>
-        <p:nvSpPr>
-          <p:cNvPr id="4" name="Shape 1"/>
-          <p:cNvSpPr/>
-          <p:nvPr/>
-        </p:nvSpPr>
-        <p:spPr>
-          <a:xfrm>
-            <a:off x="793790" y="3672483"/>
-            <a:ext cx="510302" cy="510302"/>
-          </a:xfrm>
-          <a:prstGeom prst="roundRect">
-            <a:avLst>
-              <a:gd name="adj" fmla="val 6667"/>
-            </a:avLst>
-          </a:prstGeom>
-          <a:solidFill>
-            <a:srgbClr val="F0EAEA"/>
-          </a:solidFill>
-          <a:ln/>
-        </p:spPr>
-      </p:sp>
-      <p:pic>
-        <p:nvPicPr>
-          <p:cNvPr id="5" name="Image 1" descr="preencoded.png">    </p:cNvPr>
-          <p:cNvPicPr>
-            <a:picLocks noChangeAspect="1"/>
-          </p:cNvPicPr>
-          <p:nvPr/>
-        </p:nvPicPr>
-        <p:blipFill>
-          <a:blip r:embed="rId2"/>
-          <a:stretch>
-            <a:fillRect/>
-          </a:stretch>
-        </p:blipFill>
-        <p:spPr>
-          <a:xfrm>
-            <a:off x="878860" y="3714988"/>
-            <a:ext cx="340162" cy="425291"/>
-          </a:xfrm>
-          <a:prstGeom prst="rect">
-            <a:avLst/>
-          </a:prstGeom>
-        </p:spPr>
-      </p:pic>
-      <p:sp>
-        <p:nvSpPr>
-          <p:cNvPr id="6" name="Text 2"/>
-          <p:cNvSpPr/>
-          <p:nvPr/>
-        </p:nvSpPr>
-        <p:spPr>
-          <a:xfrm>
-            <a:off x="1530906" y="3672483"/>
-            <a:ext cx="2835235" cy="354330"/>
-          </a:xfrm>
-          <a:prstGeom prst="rect">
-            <a:avLst/>
-          </a:prstGeom>
-          <a:noFill/>
-          <a:ln/>
-        </p:spPr>
-        <p:txBody>
-          <a:bodyPr wrap="none" lIns="0" tIns="0" rIns="0" bIns="0" rtlCol="0" anchor="t"/>
-          <a:lstStyle/>
-          <a:p>
-            <a:pPr algn="l" indent="0" marL="0">
-              <a:lnSpc>
-                <a:spcPts val="2750"/>
-              </a:lnSpc>
-              <a:buNone/>
-            </a:pPr>
-            <a:r>
-              <a:rPr lang="en-US" sz="2200" dirty="0">
-                <a:solidFill>
-                  <a:srgbClr val="61615C"/>
-                </a:solidFill>
-                <a:latin typeface="Tomorrow Semi Bold" pitchFamily="34" charset="0"/>
-                <a:ea typeface="Tomorrow Semi Bold" pitchFamily="34" charset="-122"/>
-                <a:cs typeface="Tomorrow Semi Bold" pitchFamily="34" charset="-120"/>
-              </a:rPr>
-              <a:t>개발 기간</a:t>
-            </a:r>
-            <a:endParaRPr lang="en-US" sz="2200" dirty="0"/>
-          </a:p>
-        </p:txBody>
-      </p:sp>
-      <p:sp>
-        <p:nvSpPr>
-          <p:cNvPr id="7" name="Text 3"/>
-          <p:cNvSpPr/>
-          <p:nvPr/>
-        </p:nvSpPr>
-        <p:spPr>
-          <a:xfrm>
-            <a:off x="1530906" y="4162901"/>
-            <a:ext cx="2927747" cy="362903"/>
-          </a:xfrm>
-          <a:prstGeom prst="rect">
-            <a:avLst/>
-          </a:prstGeom>
-          <a:noFill/>
-          <a:ln/>
-        </p:spPr>
-        <p:txBody>
-          <a:bodyPr wrap="none" lIns="0" tIns="0" rIns="0" bIns="0" rtlCol="0" anchor="t"/>
-          <a:lstStyle/>
-          <a:p>
-            <a:pPr algn="l" indent="0" marL="0">
-              <a:lnSpc>
-                <a:spcPts val="2850"/>
-              </a:lnSpc>
-              <a:buNone/>
-            </a:pPr>
-            <a:r>
-              <a:rPr lang="en-US" sz="1750" dirty="0">
-                <a:solidFill>
-                  <a:srgbClr val="61615C"/>
-                </a:solidFill>
-                <a:latin typeface="Tomorrow" pitchFamily="34" charset="0"/>
-                <a:ea typeface="Tomorrow" pitchFamily="34" charset="-122"/>
-                <a:cs typeface="Tomorrow" pitchFamily="34" charset="-120"/>
-              </a:rPr>
-              <a:t>1주</a:t>
-            </a:r>
-            <a:endParaRPr lang="en-US" sz="1750" dirty="0"/>
-          </a:p>
-        </p:txBody>
-      </p:sp>
-      <p:sp>
-        <p:nvSpPr>
-          <p:cNvPr id="8" name="Shape 4"/>
-          <p:cNvSpPr/>
-          <p:nvPr/>
-        </p:nvSpPr>
-        <p:spPr>
-          <a:xfrm>
-            <a:off x="4685467" y="3672483"/>
-            <a:ext cx="510302" cy="510302"/>
-          </a:xfrm>
-          <a:prstGeom prst="roundRect">
-            <a:avLst>
-              <a:gd name="adj" fmla="val 6667"/>
-            </a:avLst>
-          </a:prstGeom>
-          <a:solidFill>
-            <a:srgbClr val="F0EAEA"/>
-          </a:solidFill>
-          <a:ln/>
-        </p:spPr>
-      </p:sp>
-      <p:pic>
-        <p:nvPicPr>
-          <p:cNvPr id="9" name="Image 2" descr="preencoded.png">    </p:cNvPr>
-          <p:cNvPicPr>
-            <a:picLocks noChangeAspect="1"/>
-          </p:cNvPicPr>
-          <p:nvPr/>
-        </p:nvPicPr>
-        <p:blipFill>
-          <a:blip r:embed="rId3"/>
-          <a:stretch>
-            <a:fillRect/>
-          </a:stretch>
-        </p:blipFill>
-        <p:spPr>
-          <a:xfrm>
-            <a:off x="4770537" y="3714988"/>
-            <a:ext cx="340162" cy="425291"/>
-          </a:xfrm>
-          <a:prstGeom prst="rect">
-            <a:avLst/>
-          </a:prstGeom>
-        </p:spPr>
-      </p:pic>
-      <p:sp>
-        <p:nvSpPr>
-          <p:cNvPr id="10" name="Text 5"/>
-          <p:cNvSpPr/>
-          <p:nvPr/>
-        </p:nvSpPr>
-        <p:spPr>
-          <a:xfrm>
-            <a:off x="5422583" y="3672483"/>
-            <a:ext cx="2835235" cy="354330"/>
-          </a:xfrm>
-          <a:prstGeom prst="rect">
-            <a:avLst/>
-          </a:prstGeom>
-          <a:noFill/>
-          <a:ln/>
-        </p:spPr>
-        <p:txBody>
-          <a:bodyPr wrap="none" lIns="0" tIns="0" rIns="0" bIns="0" rtlCol="0" anchor="t"/>
-          <a:lstStyle/>
-          <a:p>
-            <a:pPr algn="l" indent="0" marL="0">
-              <a:lnSpc>
-                <a:spcPts val="2750"/>
-              </a:lnSpc>
-              <a:buNone/>
-            </a:pPr>
-            <a:r>
-              <a:rPr lang="en-US" sz="2200" dirty="0">
-                <a:solidFill>
-                  <a:srgbClr val="61615C"/>
-                </a:solidFill>
-                <a:latin typeface="Tomorrow Semi Bold" pitchFamily="34" charset="0"/>
-                <a:ea typeface="Tomorrow Semi Bold" pitchFamily="34" charset="-122"/>
-                <a:cs typeface="Tomorrow Semi Bold" pitchFamily="34" charset="-120"/>
-              </a:rPr>
-              <a:t>팀 구성</a:t>
-            </a:r>
-            <a:endParaRPr lang="en-US" sz="2200" dirty="0"/>
-          </a:p>
-        </p:txBody>
-      </p:sp>
-      <p:sp>
-        <p:nvSpPr>
-          <p:cNvPr id="11" name="Text 6"/>
-          <p:cNvSpPr/>
-          <p:nvPr/>
-        </p:nvSpPr>
-        <p:spPr>
-          <a:xfrm>
-            <a:off x="5422583" y="4162901"/>
-            <a:ext cx="2927747" cy="362903"/>
-          </a:xfrm>
-          <a:prstGeom prst="rect">
-            <a:avLst/>
-          </a:prstGeom>
-          <a:noFill/>
-          <a:ln/>
-        </p:spPr>
-        <p:txBody>
-          <a:bodyPr wrap="none" lIns="0" tIns="0" rIns="0" bIns="0" rtlCol="0" anchor="t"/>
-          <a:lstStyle/>
-          <a:p>
-            <a:pPr algn="l" indent="0" marL="0">
-              <a:lnSpc>
-                <a:spcPts val="2850"/>
-              </a:lnSpc>
-              <a:buNone/>
-            </a:pPr>
-            <a:r>
-              <a:rPr lang="en-US" sz="1750" dirty="0">
-                <a:solidFill>
-                  <a:srgbClr val="61615C"/>
-                </a:solidFill>
-                <a:latin typeface="Tomorrow" pitchFamily="34" charset="0"/>
-                <a:ea typeface="Tomorrow" pitchFamily="34" charset="-122"/>
-                <a:cs typeface="Tomorrow" pitchFamily="34" charset="-120"/>
-              </a:rPr>
-              <a:t>5명</a:t>
-            </a:r>
-            <a:endParaRPr lang="en-US" sz="1750" dirty="0"/>
-          </a:p>
-        </p:txBody>
-      </p:sp>
-      <p:sp>
-        <p:nvSpPr>
-          <p:cNvPr id="12" name="Shape 7"/>
-          <p:cNvSpPr/>
-          <p:nvPr/>
-        </p:nvSpPr>
-        <p:spPr>
-          <a:xfrm>
-            <a:off x="793790" y="5007769"/>
-            <a:ext cx="510302" cy="510302"/>
-          </a:xfrm>
-          <a:prstGeom prst="roundRect">
-            <a:avLst>
-              <a:gd name="adj" fmla="val 6667"/>
-            </a:avLst>
-          </a:prstGeom>
-          <a:solidFill>
-            <a:srgbClr val="F0EAEA"/>
-          </a:solidFill>
-          <a:ln/>
-        </p:spPr>
-      </p:sp>
-      <p:pic>
-        <p:nvPicPr>
-          <p:cNvPr id="13" name="Image 3" descr="preencoded.png">    </p:cNvPr>
-          <p:cNvPicPr>
-            <a:picLocks noChangeAspect="1"/>
-          </p:cNvPicPr>
-          <p:nvPr/>
-        </p:nvPicPr>
-        <p:blipFill>
-          <a:blip r:embed="rId4"/>
-          <a:stretch>
-            <a:fillRect/>
-          </a:stretch>
-        </p:blipFill>
-        <p:spPr>
-          <a:xfrm>
-            <a:off x="878860" y="5050274"/>
-            <a:ext cx="340162" cy="425291"/>
-          </a:xfrm>
-          <a:prstGeom prst="rect">
-            <a:avLst/>
-          </a:prstGeom>
-        </p:spPr>
-      </p:pic>
-      <p:sp>
-        <p:nvSpPr>
-          <p:cNvPr id="14" name="Text 8"/>
-          <p:cNvSpPr/>
-          <p:nvPr/>
-        </p:nvSpPr>
-        <p:spPr>
-          <a:xfrm>
-            <a:off x="1530906" y="5007769"/>
-            <a:ext cx="2835235" cy="354330"/>
-          </a:xfrm>
-          <a:prstGeom prst="rect">
-            <a:avLst/>
-          </a:prstGeom>
-          <a:noFill/>
-          <a:ln/>
-        </p:spPr>
-        <p:txBody>
-          <a:bodyPr wrap="none" lIns="0" tIns="0" rIns="0" bIns="0" rtlCol="0" anchor="t"/>
-          <a:lstStyle/>
-          <a:p>
-            <a:pPr algn="l" indent="0" marL="0">
-              <a:lnSpc>
-                <a:spcPts val="2750"/>
-              </a:lnSpc>
-              <a:buNone/>
-            </a:pPr>
-            <a:r>
-              <a:rPr lang="en-US" sz="2200" dirty="0">
-                <a:solidFill>
-                  <a:srgbClr val="61615C"/>
-                </a:solidFill>
-                <a:latin typeface="Tomorrow Semi Bold" pitchFamily="34" charset="0"/>
-                <a:ea typeface="Tomorrow Semi Bold" pitchFamily="34" charset="-122"/>
-                <a:cs typeface="Tomorrow Semi Bold" pitchFamily="34" charset="-120"/>
-              </a:rPr>
-              <a:t>주요 목표</a:t>
-            </a:r>
-            <a:endParaRPr lang="en-US" sz="2200" dirty="0"/>
-          </a:p>
-        </p:txBody>
-      </p:sp>
-      <p:sp>
-        <p:nvSpPr>
-          <p:cNvPr id="15" name="Text 9"/>
-          <p:cNvSpPr/>
-          <p:nvPr/>
-        </p:nvSpPr>
-        <p:spPr>
-          <a:xfrm>
-            <a:off x="1530906" y="5498187"/>
-            <a:ext cx="6819305" cy="362903"/>
-          </a:xfrm>
-          <a:prstGeom prst="rect">
-            <a:avLst/>
-          </a:prstGeom>
-          <a:noFill/>
-          <a:ln/>
-        </p:spPr>
-        <p:txBody>
-          <a:bodyPr wrap="none" lIns="0" tIns="0" rIns="0" bIns="0" rtlCol="0" anchor="t"/>
-          <a:lstStyle/>
-          <a:p>
-            <a:pPr algn="l" indent="0" marL="0">
-              <a:lnSpc>
-                <a:spcPts val="2850"/>
-              </a:lnSpc>
-              <a:buNone/>
-            </a:pPr>
-            <a:r>
-              <a:rPr lang="en-US" sz="1750" dirty="0">
-                <a:solidFill>
-                  <a:srgbClr val="61615C"/>
-                </a:solidFill>
-                <a:latin typeface="Tomorrow" pitchFamily="34" charset="0"/>
-                <a:ea typeface="Tomorrow" pitchFamily="34" charset="-122"/>
-                <a:cs typeface="Tomorrow" pitchFamily="34" charset="-120"/>
-              </a:rPr>
-              <a:t>간단하고 중독성 있는 게임 제작</a:t>
-            </a:r>
-            <a:endParaRPr lang="en-US" sz="1750" dirty="0"/>
+      <p:sp>
+        <p:nvSpPr>
+          <p:cNvPr id="11" name="직사각형 10">
+            <a:extLst>
+              <a:ext uri="{FF2B5EF4-FFF2-40B4-BE49-F238E27FC236}">
+                <a16:creationId xmlns:a16="http://schemas.microsoft.com/office/drawing/2014/main" id="{EADA2E22-B3E5-D3F2-C740-272F2F4838F7}"/>
+              </a:ext>
+            </a:extLst>
+          </p:cNvPr>
+          <p:cNvSpPr/>
+          <p:nvPr/>
+        </p:nvSpPr>
+        <p:spPr>
+          <a:xfrm>
+            <a:off x="8104405" y="1108710"/>
+            <a:ext cx="5234940" cy="5749290"/>
+          </a:xfrm>
+          <a:prstGeom prst="rect">
+            <a:avLst/>
+          </a:prstGeom>
+        </p:spPr>
+        <p:style>
+          <a:lnRef idx="2">
+            <a:schemeClr val="accent1">
+              <a:shade val="15000"/>
+            </a:schemeClr>
+          </a:lnRef>
+          <a:fillRef idx="1">
+            <a:schemeClr val="accent1"/>
+          </a:fillRef>
+          <a:effectRef idx="0">
+            <a:schemeClr val="accent1"/>
+          </a:effectRef>
+          <a:fontRef idx="minor">
+            <a:schemeClr val="lt1"/>
+          </a:fontRef>
+        </p:style>
+        <p:txBody>
+          <a:bodyPr rtlCol="0" anchor="ctr"/>
+          <a:lstStyle/>
+          <a:p>
+            <a:pPr algn="ctr"/>
+            <a:r>
+              <a:rPr lang="ko-KR" altLang="en-US" dirty="0"/>
+              <a:t>플레이 영상</a:t>
+            </a:r>
+          </a:p>
+        </p:txBody>
+      </p:sp>
+      <p:sp>
+        <p:nvSpPr>
+          <p:cNvPr id="12" name="직사각형 11">
+            <a:extLst>
+              <a:ext uri="{FF2B5EF4-FFF2-40B4-BE49-F238E27FC236}">
+                <a16:creationId xmlns:a16="http://schemas.microsoft.com/office/drawing/2014/main" id="{3147CA2A-9AC9-3B6F-63ED-B0AD9329D73B}"/>
+              </a:ext>
+            </a:extLst>
+          </p:cNvPr>
+          <p:cNvSpPr/>
+          <p:nvPr/>
+        </p:nvSpPr>
+        <p:spPr>
+          <a:xfrm>
+            <a:off x="11384280" y="7074932"/>
+            <a:ext cx="3246120" cy="1154430"/>
+          </a:xfrm>
+          <a:prstGeom prst="rect">
+            <a:avLst/>
+          </a:prstGeom>
+          <a:ln>
+            <a:noFill/>
+          </a:ln>
+        </p:spPr>
+        <p:style>
+          <a:lnRef idx="2">
+            <a:schemeClr val="dk1"/>
+          </a:lnRef>
+          <a:fillRef idx="1">
+            <a:schemeClr val="lt1"/>
+          </a:fillRef>
+          <a:effectRef idx="0">
+            <a:schemeClr val="dk1"/>
+          </a:effectRef>
+          <a:fontRef idx="minor">
+            <a:schemeClr val="dk1"/>
+          </a:fontRef>
+        </p:style>
+        <p:txBody>
+          <a:bodyPr rtlCol="0" anchor="ctr"/>
+          <a:lstStyle/>
+          <a:p>
+            <a:pPr algn="ctr"/>
+            <a:endParaRPr lang="ko-KR" altLang="en-US"/>
           </a:p>
         </p:txBody>
       </p:sp>
@@ -3196,30 +3923,6 @@
           <a:chExt cx="0" cy="0"/>
         </a:xfrm>
       </p:grpSpPr>
-      <p:pic>
-        <p:nvPicPr>
-          <p:cNvPr id="2" name="Image 0" descr="preencoded.png">    </p:cNvPr>
-          <p:cNvPicPr>
-            <a:picLocks noChangeAspect="1"/>
-          </p:cNvPicPr>
-          <p:nvPr/>
-        </p:nvPicPr>
-        <p:blipFill>
-          <a:blip r:embed="rId1"/>
-          <a:stretch>
-            <a:fillRect/>
-          </a:stretch>
-        </p:blipFill>
-        <p:spPr>
-          <a:xfrm>
-            <a:off x="0" y="0"/>
-            <a:ext cx="14630400" cy="2835235"/>
-          </a:xfrm>
-          <a:prstGeom prst="rect">
-            <a:avLst/>
-          </a:prstGeom>
-        </p:spPr>
-      </p:pic>
       <p:sp>
         <p:nvSpPr>
           <p:cNvPr id="3" name="Text 0"/>
@@ -3228,7 +3931,7 @@
         </p:nvSpPr>
         <p:spPr>
           <a:xfrm>
-            <a:off x="793790" y="4173022"/>
+            <a:off x="793790" y="629007"/>
             <a:ext cx="5670590" cy="708779"/>
           </a:xfrm>
           <a:prstGeom prst="rect">
@@ -3241,14 +3944,14 @@
           <a:bodyPr wrap="none" lIns="0" tIns="0" rIns="0" bIns="0" rtlCol="0" anchor="t"/>
           <a:lstStyle/>
           <a:p>
-            <a:pPr algn="l" indent="0" marL="0">
+            <a:pPr marL="0" indent="0" algn="l">
               <a:lnSpc>
                 <a:spcPts val="5550"/>
               </a:lnSpc>
               <a:buNone/>
             </a:pPr>
             <a:r>
-              <a:rPr lang="en-US" sz="4450" dirty="0">
+              <a:rPr lang="ko-KR" altLang="en-US" sz="4450">
                 <a:solidFill>
                   <a:srgbClr val="1D1D1B"/>
                 </a:solidFill>
@@ -3256,7 +3959,7 @@
                 <a:ea typeface="Tomorrow Semi Bold" pitchFamily="34" charset="-122"/>
                 <a:cs typeface="Tomorrow Semi Bold" pitchFamily="34" charset="-120"/>
               </a:rPr>
-              <a:t>게임 메카닉 설명</a:t>
+              <a:t>카드 연출</a:t>
             </a:r>
             <a:endParaRPr lang="en-US" sz="4450" dirty="0"/>
           </a:p>
@@ -3270,7 +3973,7 @@
         </p:nvSpPr>
         <p:spPr>
           <a:xfrm>
-            <a:off x="793790" y="5221962"/>
+            <a:off x="793790" y="1868804"/>
             <a:ext cx="4196358" cy="1669852"/>
           </a:xfrm>
           <a:prstGeom prst="roundRect">
@@ -3283,6 +3986,13 @@
           </a:solidFill>
           <a:ln/>
         </p:spPr>
+        <p:txBody>
+          <a:bodyPr/>
+          <a:lstStyle/>
+          <a:p>
+            <a:endParaRPr lang="ko-KR" altLang="en-US"/>
+          </a:p>
+        </p:txBody>
       </p:sp>
       <p:sp>
         <p:nvSpPr>
@@ -3292,7 +4002,7 @@
         </p:nvSpPr>
         <p:spPr>
           <a:xfrm>
-            <a:off x="1020604" y="5448776"/>
+            <a:off x="1020604" y="2183725"/>
             <a:ext cx="2835235" cy="354330"/>
           </a:xfrm>
           <a:prstGeom prst="rect">
@@ -3305,12 +4015,23 @@
           <a:bodyPr wrap="none" lIns="0" tIns="0" rIns="0" bIns="0" rtlCol="0" anchor="t"/>
           <a:lstStyle/>
           <a:p>
-            <a:pPr algn="l" indent="0" marL="0">
+            <a:pPr marL="0" indent="0" algn="l">
               <a:lnSpc>
                 <a:spcPts val="2750"/>
               </a:lnSpc>
               <a:buNone/>
             </a:pPr>
+            <a:r>
+              <a:rPr lang="en-US" sz="2200" dirty="0" err="1">
+                <a:solidFill>
+                  <a:srgbClr val="61615C"/>
+                </a:solidFill>
+                <a:latin typeface="Tomorrow Semi Bold" pitchFamily="34" charset="0"/>
+                <a:ea typeface="Tomorrow Semi Bold" pitchFamily="34" charset="-122"/>
+                <a:cs typeface="Tomorrow Semi Bold" pitchFamily="34" charset="-120"/>
+              </a:rPr>
+              <a:t>카드</a:t>
+            </a:r>
             <a:r>
               <a:rPr lang="en-US" sz="2200" dirty="0">
                 <a:solidFill>
@@ -3320,7 +4041,18 @@
                 <a:ea typeface="Tomorrow Semi Bold" pitchFamily="34" charset="-122"/>
                 <a:cs typeface="Tomorrow Semi Bold" pitchFamily="34" charset="-120"/>
               </a:rPr>
-              <a:t>카드 매칭</a:t>
+              <a:t> </a:t>
+            </a:r>
+            <a:r>
+              <a:rPr lang="ko-KR" altLang="en-US" sz="2200" dirty="0">
+                <a:solidFill>
+                  <a:srgbClr val="61615C"/>
+                </a:solidFill>
+                <a:latin typeface="Tomorrow Semi Bold" pitchFamily="34" charset="0"/>
+                <a:ea typeface="Tomorrow Semi Bold" pitchFamily="34" charset="-122"/>
+                <a:cs typeface="Tomorrow Semi Bold" pitchFamily="34" charset="-120"/>
+              </a:rPr>
+              <a:t>배치</a:t>
             </a:r>
             <a:endParaRPr lang="en-US" sz="2200" dirty="0"/>
           </a:p>
@@ -3334,7 +4066,7 @@
         </p:nvSpPr>
         <p:spPr>
           <a:xfrm>
-            <a:off x="1020604" y="5939195"/>
+            <a:off x="1020604" y="2852976"/>
             <a:ext cx="3742730" cy="362903"/>
           </a:xfrm>
           <a:prstGeom prst="rect">
@@ -3347,14 +4079,125 @@
           <a:bodyPr wrap="none" lIns="0" tIns="0" rIns="0" bIns="0" rtlCol="0" anchor="t"/>
           <a:lstStyle/>
           <a:p>
-            <a:pPr algn="l" indent="0" marL="0">
+            <a:pPr marL="0" indent="0" algn="l">
               <a:lnSpc>
                 <a:spcPts val="2850"/>
               </a:lnSpc>
               <a:buNone/>
             </a:pPr>
             <a:r>
-              <a:rPr lang="en-US" sz="1750" dirty="0">
+              <a:rPr lang="ko-KR" altLang="en-US" sz="1750" dirty="0">
+                <a:solidFill>
+                  <a:srgbClr val="61615C"/>
+                </a:solidFill>
+                <a:latin typeface="Tomorrow" pitchFamily="34" charset="0"/>
+              </a:rPr>
+              <a:t>카드가 보드에 펼쳐지는 연출</a:t>
+            </a:r>
+            <a:endParaRPr lang="en-US" sz="1750" dirty="0"/>
+          </a:p>
+        </p:txBody>
+      </p:sp>
+      <p:sp>
+        <p:nvSpPr>
+          <p:cNvPr id="7" name="Shape 4"/>
+          <p:cNvSpPr/>
+          <p:nvPr/>
+        </p:nvSpPr>
+        <p:spPr>
+          <a:xfrm>
+            <a:off x="793790" y="3856019"/>
+            <a:ext cx="4196358" cy="1669852"/>
+          </a:xfrm>
+          <a:prstGeom prst="roundRect">
+            <a:avLst>
+              <a:gd name="adj" fmla="val 2038"/>
+            </a:avLst>
+          </a:prstGeom>
+          <a:solidFill>
+            <a:srgbClr val="F0EAEA"/>
+          </a:solidFill>
+          <a:ln/>
+        </p:spPr>
+        <p:txBody>
+          <a:bodyPr/>
+          <a:lstStyle/>
+          <a:p>
+            <a:endParaRPr lang="ko-KR" altLang="en-US"/>
+          </a:p>
+        </p:txBody>
+      </p:sp>
+      <p:sp>
+        <p:nvSpPr>
+          <p:cNvPr id="8" name="Text 5"/>
+          <p:cNvSpPr/>
+          <p:nvPr/>
+        </p:nvSpPr>
+        <p:spPr>
+          <a:xfrm>
+            <a:off x="1020604" y="4082833"/>
+            <a:ext cx="2835235" cy="354330"/>
+          </a:xfrm>
+          <a:prstGeom prst="rect">
+            <a:avLst/>
+          </a:prstGeom>
+          <a:noFill/>
+          <a:ln/>
+        </p:spPr>
+        <p:txBody>
+          <a:bodyPr wrap="none" lIns="0" tIns="0" rIns="0" bIns="0" rtlCol="0" anchor="t"/>
+          <a:lstStyle/>
+          <a:p>
+            <a:pPr marL="0" indent="0" algn="l">
+              <a:lnSpc>
+                <a:spcPts val="2750"/>
+              </a:lnSpc>
+              <a:buNone/>
+            </a:pPr>
+            <a:r>
+              <a:rPr lang="ko-KR" altLang="en-US" sz="2200" dirty="0">
+                <a:solidFill>
+                  <a:srgbClr val="61615C"/>
+                </a:solidFill>
+                <a:latin typeface="Tomorrow Semi Bold" pitchFamily="34" charset="0"/>
+                <a:ea typeface="Tomorrow Semi Bold" pitchFamily="34" charset="-122"/>
+                <a:cs typeface="Tomorrow Semi Bold" pitchFamily="34" charset="-120"/>
+              </a:rPr>
+              <a:t>애니메이션</a:t>
+            </a:r>
+            <a:endParaRPr lang="en-US" sz="2200" dirty="0"/>
+          </a:p>
+        </p:txBody>
+      </p:sp>
+      <p:sp>
+        <p:nvSpPr>
+          <p:cNvPr id="9" name="Text 6"/>
+          <p:cNvSpPr/>
+          <p:nvPr/>
+        </p:nvSpPr>
+        <p:spPr>
+          <a:xfrm>
+            <a:off x="1020604" y="4573252"/>
+            <a:ext cx="3742730" cy="362903"/>
+          </a:xfrm>
+          <a:prstGeom prst="rect">
+            <a:avLst/>
+          </a:prstGeom>
+          <a:noFill/>
+          <a:ln/>
+        </p:spPr>
+        <p:txBody>
+          <a:bodyPr wrap="none" lIns="0" tIns="0" rIns="0" bIns="0" rtlCol="0" anchor="t"/>
+          <a:lstStyle/>
+          <a:p>
+            <a:pPr marL="0" indent="0" algn="l">
+              <a:lnSpc>
+                <a:spcPts val="2850"/>
+              </a:lnSpc>
+              <a:buNone/>
+            </a:pPr>
+            <a:r>
+              <a:rPr lang="ko-KR" altLang="en-US" sz="1750" dirty="0">
                 <a:solidFill>
                   <a:srgbClr val="61615C"/>
                 </a:solidFill>
@@ -3362,105 +4205,10 @@
                 <a:ea typeface="Tomorrow" pitchFamily="34" charset="-122"/>
                 <a:cs typeface="Tomorrow" pitchFamily="34" charset="-120"/>
               </a:rPr>
-              <a:t>동일한 카드 쌍을 찾습니다.</a:t>
-            </a:r>
-            <a:endParaRPr lang="en-US" sz="1750" dirty="0"/>
-          </a:p>
-        </p:txBody>
-      </p:sp>
-      <p:sp>
-        <p:nvSpPr>
-          <p:cNvPr id="7" name="Shape 4"/>
-          <p:cNvSpPr/>
-          <p:nvPr/>
-        </p:nvSpPr>
-        <p:spPr>
-          <a:xfrm>
-            <a:off x="5216962" y="5221962"/>
-            <a:ext cx="4196358" cy="1669852"/>
-          </a:xfrm>
-          <a:prstGeom prst="roundRect">
-            <a:avLst>
-              <a:gd name="adj" fmla="val 2038"/>
-            </a:avLst>
-          </a:prstGeom>
-          <a:solidFill>
-            <a:srgbClr val="F0EAEA"/>
-          </a:solidFill>
-          <a:ln/>
-        </p:spPr>
-      </p:sp>
-      <p:sp>
-        <p:nvSpPr>
-          <p:cNvPr id="8" name="Text 5"/>
-          <p:cNvSpPr/>
-          <p:nvPr/>
-        </p:nvSpPr>
-        <p:spPr>
-          <a:xfrm>
-            <a:off x="5443776" y="5448776"/>
-            <a:ext cx="2835235" cy="354330"/>
-          </a:xfrm>
-          <a:prstGeom prst="rect">
-            <a:avLst/>
-          </a:prstGeom>
-          <a:noFill/>
-          <a:ln/>
-        </p:spPr>
-        <p:txBody>
-          <a:bodyPr wrap="none" lIns="0" tIns="0" rIns="0" bIns="0" rtlCol="0" anchor="t"/>
-          <a:lstStyle/>
-          <a:p>
-            <a:pPr algn="l" indent="0" marL="0">
-              <a:lnSpc>
-                <a:spcPts val="2750"/>
-              </a:lnSpc>
-              <a:buNone/>
-            </a:pPr>
-            <a:r>
-              <a:rPr lang="en-US" sz="2200" dirty="0">
-                <a:solidFill>
-                  <a:srgbClr val="61615C"/>
-                </a:solidFill>
-                <a:latin typeface="Tomorrow Semi Bold" pitchFamily="34" charset="0"/>
-                <a:ea typeface="Tomorrow Semi Bold" pitchFamily="34" charset="-122"/>
-                <a:cs typeface="Tomorrow Semi Bold" pitchFamily="34" charset="-120"/>
-              </a:rPr>
-              <a:t>시간 제한</a:t>
-            </a:r>
-            <a:endParaRPr lang="en-US" sz="2200" dirty="0"/>
-          </a:p>
-        </p:txBody>
-      </p:sp>
-      <p:sp>
-        <p:nvSpPr>
-          <p:cNvPr id="9" name="Text 6"/>
-          <p:cNvSpPr/>
-          <p:nvPr/>
-        </p:nvSpPr>
-        <p:spPr>
-          <a:xfrm>
-            <a:off x="5443776" y="5939195"/>
-            <a:ext cx="3742730" cy="362903"/>
-          </a:xfrm>
-          <a:prstGeom prst="rect">
-            <a:avLst/>
-          </a:prstGeom>
-          <a:noFill/>
-          <a:ln/>
-        </p:spPr>
-        <p:txBody>
-          <a:bodyPr wrap="none" lIns="0" tIns="0" rIns="0" bIns="0" rtlCol="0" anchor="t"/>
-          <a:lstStyle/>
-          <a:p>
-            <a:pPr algn="l" indent="0" marL="0">
-              <a:lnSpc>
-                <a:spcPts val="2850"/>
-              </a:lnSpc>
-              <a:buNone/>
-            </a:pPr>
-            <a:r>
-              <a:rPr lang="en-US" sz="1750" dirty="0">
+              <a:t>카드를 </a:t>
+            </a:r>
+            <a:r>
+              <a:rPr lang="ko-KR" altLang="en-US" sz="1750" dirty="0" err="1">
                 <a:solidFill>
                   <a:srgbClr val="61615C"/>
                 </a:solidFill>
@@ -3468,105 +4216,10 @@
                 <a:ea typeface="Tomorrow" pitchFamily="34" charset="-122"/>
                 <a:cs typeface="Tomorrow" pitchFamily="34" charset="-120"/>
               </a:rPr>
-              <a:t>제한 시간 내에 완료해야 합니다.</a:t>
-            </a:r>
-            <a:endParaRPr lang="en-US" sz="1750" dirty="0"/>
-          </a:p>
-        </p:txBody>
-      </p:sp>
-      <p:sp>
-        <p:nvSpPr>
-          <p:cNvPr id="10" name="Shape 7"/>
-          <p:cNvSpPr/>
-          <p:nvPr/>
-        </p:nvSpPr>
-        <p:spPr>
-          <a:xfrm>
-            <a:off x="9640133" y="5221962"/>
-            <a:ext cx="4196358" cy="1669852"/>
-          </a:xfrm>
-          <a:prstGeom prst="roundRect">
-            <a:avLst>
-              <a:gd name="adj" fmla="val 2038"/>
-            </a:avLst>
-          </a:prstGeom>
-          <a:solidFill>
-            <a:srgbClr val="F0EAEA"/>
-          </a:solidFill>
-          <a:ln/>
-        </p:spPr>
-      </p:sp>
-      <p:sp>
-        <p:nvSpPr>
-          <p:cNvPr id="11" name="Text 8"/>
-          <p:cNvSpPr/>
-          <p:nvPr/>
-        </p:nvSpPr>
-        <p:spPr>
-          <a:xfrm>
-            <a:off x="9866948" y="5448776"/>
-            <a:ext cx="2835235" cy="354330"/>
-          </a:xfrm>
-          <a:prstGeom prst="rect">
-            <a:avLst/>
-          </a:prstGeom>
-          <a:noFill/>
-          <a:ln/>
-        </p:spPr>
-        <p:txBody>
-          <a:bodyPr wrap="none" lIns="0" tIns="0" rIns="0" bIns="0" rtlCol="0" anchor="t"/>
-          <a:lstStyle/>
-          <a:p>
-            <a:pPr algn="l" indent="0" marL="0">
-              <a:lnSpc>
-                <a:spcPts val="2750"/>
-              </a:lnSpc>
-              <a:buNone/>
-            </a:pPr>
-            <a:r>
-              <a:rPr lang="en-US" sz="2200" dirty="0">
-                <a:solidFill>
-                  <a:srgbClr val="61615C"/>
-                </a:solidFill>
-                <a:latin typeface="Tomorrow Semi Bold" pitchFamily="34" charset="0"/>
-                <a:ea typeface="Tomorrow Semi Bold" pitchFamily="34" charset="-122"/>
-                <a:cs typeface="Tomorrow Semi Bold" pitchFamily="34" charset="-120"/>
-              </a:rPr>
-              <a:t>점수 제도</a:t>
-            </a:r>
-            <a:endParaRPr lang="en-US" sz="2200" dirty="0"/>
-          </a:p>
-        </p:txBody>
-      </p:sp>
-      <p:sp>
-        <p:nvSpPr>
-          <p:cNvPr id="12" name="Text 9"/>
-          <p:cNvSpPr/>
-          <p:nvPr/>
-        </p:nvSpPr>
-        <p:spPr>
-          <a:xfrm>
-            <a:off x="9866948" y="5939195"/>
-            <a:ext cx="3742730" cy="725805"/>
-          </a:xfrm>
-          <a:prstGeom prst="rect">
-            <a:avLst/>
-          </a:prstGeom>
-          <a:noFill/>
-          <a:ln/>
-        </p:spPr>
-        <p:txBody>
-          <a:bodyPr wrap="square" lIns="0" tIns="0" rIns="0" bIns="0" rtlCol="0" anchor="t"/>
-          <a:lstStyle/>
-          <a:p>
-            <a:pPr algn="l" indent="0" marL="0">
-              <a:lnSpc>
-                <a:spcPts val="2850"/>
-              </a:lnSpc>
-              <a:buNone/>
-            </a:pPr>
-            <a:r>
-              <a:rPr lang="en-US" sz="1750" dirty="0">
+              <a:t>뒤집었을때</a:t>
+            </a:r>
+            <a:r>
+              <a:rPr lang="ko-KR" altLang="en-US" sz="1750" dirty="0">
                 <a:solidFill>
                   <a:srgbClr val="61615C"/>
                 </a:solidFill>
@@ -3574,9 +4227,297 @@
                 <a:ea typeface="Tomorrow" pitchFamily="34" charset="-122"/>
                 <a:cs typeface="Tomorrow" pitchFamily="34" charset="-120"/>
               </a:rPr>
-              <a:t>스코어링 시스템을 통해 점수를 얻습니다.</a:t>
+              <a:t> 나타나는</a:t>
+            </a:r>
+            <a:endParaRPr lang="en-US" altLang="ko-KR" sz="1750" dirty="0">
+              <a:solidFill>
+                <a:srgbClr val="61615C"/>
+              </a:solidFill>
+              <a:latin typeface="Tomorrow" pitchFamily="34" charset="0"/>
+              <a:ea typeface="Tomorrow" pitchFamily="34" charset="-122"/>
+              <a:cs typeface="Tomorrow" pitchFamily="34" charset="-120"/>
+            </a:endParaRPr>
+          </a:p>
+          <a:p>
+            <a:pPr marL="0" indent="0" algn="l">
+              <a:lnSpc>
+                <a:spcPts val="2850"/>
+              </a:lnSpc>
+              <a:buNone/>
+            </a:pPr>
+            <a:r>
+              <a:rPr lang="ko-KR" altLang="en-US" sz="1750" dirty="0">
+                <a:solidFill>
+                  <a:srgbClr val="61615C"/>
+                </a:solidFill>
+                <a:latin typeface="Tomorrow" pitchFamily="34" charset="0"/>
+              </a:rPr>
+              <a:t>애니메이션 추가</a:t>
             </a:r>
             <a:endParaRPr lang="en-US" sz="1750" dirty="0"/>
+          </a:p>
+        </p:txBody>
+      </p:sp>
+      <p:sp>
+        <p:nvSpPr>
+          <p:cNvPr id="10" name="Shape 7"/>
+          <p:cNvSpPr/>
+          <p:nvPr/>
+        </p:nvSpPr>
+        <p:spPr>
+          <a:xfrm>
+            <a:off x="793790" y="5843234"/>
+            <a:ext cx="4196358" cy="1669852"/>
+          </a:xfrm>
+          <a:prstGeom prst="roundRect">
+            <a:avLst>
+              <a:gd name="adj" fmla="val 2038"/>
+            </a:avLst>
+          </a:prstGeom>
+          <a:solidFill>
+            <a:srgbClr val="F0EAEA"/>
+          </a:solidFill>
+          <a:ln/>
+        </p:spPr>
+        <p:txBody>
+          <a:bodyPr/>
+          <a:lstStyle/>
+          <a:p>
+            <a:endParaRPr lang="ko-KR" altLang="en-US"/>
+          </a:p>
+        </p:txBody>
+      </p:sp>
+      <p:sp>
+        <p:nvSpPr>
+          <p:cNvPr id="11" name="Text 8"/>
+          <p:cNvSpPr/>
+          <p:nvPr/>
+        </p:nvSpPr>
+        <p:spPr>
+          <a:xfrm>
+            <a:off x="1020605" y="6070048"/>
+            <a:ext cx="2835235" cy="354330"/>
+          </a:xfrm>
+          <a:prstGeom prst="rect">
+            <a:avLst/>
+          </a:prstGeom>
+          <a:noFill/>
+          <a:ln/>
+        </p:spPr>
+        <p:txBody>
+          <a:bodyPr wrap="none" lIns="0" tIns="0" rIns="0" bIns="0" rtlCol="0" anchor="t"/>
+          <a:lstStyle/>
+          <a:p>
+            <a:pPr marL="0" indent="0" algn="l">
+              <a:lnSpc>
+                <a:spcPts val="2750"/>
+              </a:lnSpc>
+              <a:buNone/>
+            </a:pPr>
+            <a:r>
+              <a:rPr lang="ko-KR" altLang="en-US" sz="2200" dirty="0">
+                <a:solidFill>
+                  <a:srgbClr val="61615C"/>
+                </a:solidFill>
+                <a:latin typeface="Tomorrow Semi Bold" pitchFamily="34" charset="0"/>
+              </a:rPr>
+              <a:t>이미지 추가</a:t>
+            </a:r>
+            <a:endParaRPr lang="en-US" sz="2200" dirty="0"/>
+          </a:p>
+        </p:txBody>
+      </p:sp>
+      <p:sp>
+        <p:nvSpPr>
+          <p:cNvPr id="12" name="Text 9"/>
+          <p:cNvSpPr/>
+          <p:nvPr/>
+        </p:nvSpPr>
+        <p:spPr>
+          <a:xfrm>
+            <a:off x="1020605" y="6560467"/>
+            <a:ext cx="3742730" cy="725805"/>
+          </a:xfrm>
+          <a:prstGeom prst="rect">
+            <a:avLst/>
+          </a:prstGeom>
+          <a:noFill/>
+          <a:ln/>
+        </p:spPr>
+        <p:txBody>
+          <a:bodyPr wrap="square" lIns="0" tIns="0" rIns="0" bIns="0" rtlCol="0" anchor="t"/>
+          <a:lstStyle/>
+          <a:p>
+            <a:pPr marL="0" indent="0" algn="l">
+              <a:lnSpc>
+                <a:spcPts val="2850"/>
+              </a:lnSpc>
+              <a:buNone/>
+            </a:pPr>
+            <a:r>
+              <a:rPr lang="ko-KR" altLang="en-US" sz="1750" dirty="0">
+                <a:solidFill>
+                  <a:srgbClr val="61615C"/>
+                </a:solidFill>
+                <a:latin typeface="Tomorrow" pitchFamily="34" charset="0"/>
+                <a:ea typeface="Tomorrow" pitchFamily="34" charset="-122"/>
+                <a:cs typeface="Tomorrow" pitchFamily="34" charset="-120"/>
+              </a:rPr>
+              <a:t>카드 앞</a:t>
+            </a:r>
+            <a:r>
+              <a:rPr lang="en-US" altLang="ko-KR" sz="1750" dirty="0">
+                <a:solidFill>
+                  <a:srgbClr val="61615C"/>
+                </a:solidFill>
+                <a:latin typeface="Tomorrow" pitchFamily="34" charset="0"/>
+                <a:ea typeface="Tomorrow" pitchFamily="34" charset="-122"/>
+                <a:cs typeface="Tomorrow" pitchFamily="34" charset="-120"/>
+              </a:rPr>
+              <a:t>,</a:t>
+            </a:r>
+            <a:r>
+              <a:rPr lang="ko-KR" altLang="en-US" sz="1750" dirty="0">
+                <a:solidFill>
+                  <a:srgbClr val="61615C"/>
+                </a:solidFill>
+                <a:latin typeface="Tomorrow" pitchFamily="34" charset="0"/>
+                <a:ea typeface="Tomorrow" pitchFamily="34" charset="-122"/>
+                <a:cs typeface="Tomorrow" pitchFamily="34" charset="-120"/>
+              </a:rPr>
+              <a:t>뒷면의 이미지 추가</a:t>
+            </a:r>
+            <a:endParaRPr lang="en-US" altLang="ko-KR" sz="1750" dirty="0">
+              <a:solidFill>
+                <a:srgbClr val="61615C"/>
+              </a:solidFill>
+              <a:latin typeface="Tomorrow" pitchFamily="34" charset="0"/>
+              <a:ea typeface="Tomorrow" pitchFamily="34" charset="-122"/>
+              <a:cs typeface="Tomorrow" pitchFamily="34" charset="-120"/>
+            </a:endParaRPr>
+          </a:p>
+          <a:p>
+            <a:pPr marL="0" indent="0" algn="l">
+              <a:lnSpc>
+                <a:spcPts val="2850"/>
+              </a:lnSpc>
+              <a:buNone/>
+            </a:pPr>
+            <a:r>
+              <a:rPr lang="en-US" altLang="ko-KR" sz="1750" dirty="0">
+                <a:solidFill>
+                  <a:srgbClr val="61615C"/>
+                </a:solidFill>
+                <a:latin typeface="Tomorrow" pitchFamily="34" charset="0"/>
+              </a:rPr>
+              <a:t>, </a:t>
+            </a:r>
+            <a:r>
+              <a:rPr lang="ko-KR" altLang="en-US" sz="1750" dirty="0">
+                <a:solidFill>
+                  <a:srgbClr val="61615C"/>
+                </a:solidFill>
+                <a:latin typeface="Tomorrow" pitchFamily="34" charset="0"/>
+              </a:rPr>
+              <a:t>사이즈 조절</a:t>
+            </a:r>
+            <a:endParaRPr lang="en-US" sz="1750" dirty="0"/>
+          </a:p>
+        </p:txBody>
+      </p:sp>
+      <p:sp>
+        <p:nvSpPr>
+          <p:cNvPr id="13" name="직사각형 12">
+            <a:extLst>
+              <a:ext uri="{FF2B5EF4-FFF2-40B4-BE49-F238E27FC236}">
+                <a16:creationId xmlns:a16="http://schemas.microsoft.com/office/drawing/2014/main" id="{6EC0628F-A69E-25FA-1DE3-580808DCF4C5}"/>
+              </a:ext>
+            </a:extLst>
+          </p:cNvPr>
+          <p:cNvSpPr/>
+          <p:nvPr/>
+        </p:nvSpPr>
+        <p:spPr>
+          <a:xfrm>
+            <a:off x="7486650" y="505243"/>
+            <a:ext cx="6349960" cy="7155180"/>
+          </a:xfrm>
+          <a:prstGeom prst="rect">
+            <a:avLst/>
+          </a:prstGeom>
+        </p:spPr>
+        <p:style>
+          <a:lnRef idx="2">
+            <a:schemeClr val="accent1">
+              <a:shade val="15000"/>
+            </a:schemeClr>
+          </a:lnRef>
+          <a:fillRef idx="1">
+            <a:schemeClr val="accent1"/>
+          </a:fillRef>
+          <a:effectRef idx="0">
+            <a:schemeClr val="accent1"/>
+          </a:effectRef>
+          <a:fontRef idx="minor">
+            <a:schemeClr val="lt1"/>
+          </a:fontRef>
+        </p:style>
+        <p:txBody>
+          <a:bodyPr rtlCol="0" anchor="ctr"/>
+          <a:lstStyle/>
+          <a:p>
+            <a:pPr algn="ctr"/>
+            <a:r>
+              <a:rPr lang="ko-KR" altLang="en-US"/>
+              <a:t>카드 연출 코드</a:t>
+            </a:r>
+          </a:p>
+        </p:txBody>
+      </p:sp>
+      <p:sp>
+        <p:nvSpPr>
+          <p:cNvPr id="14" name="직사각형 13">
+            <a:extLst>
+              <a:ext uri="{FF2B5EF4-FFF2-40B4-BE49-F238E27FC236}">
+                <a16:creationId xmlns:a16="http://schemas.microsoft.com/office/drawing/2014/main" id="{6D148467-0FD2-FF6B-C69E-58610E12E7BB}"/>
+              </a:ext>
+            </a:extLst>
+          </p:cNvPr>
+          <p:cNvSpPr/>
+          <p:nvPr/>
+        </p:nvSpPr>
+        <p:spPr>
+          <a:xfrm>
+            <a:off x="11384280" y="7074932"/>
+            <a:ext cx="3246120" cy="1154430"/>
+          </a:xfrm>
+          <a:prstGeom prst="rect">
+            <a:avLst/>
+          </a:prstGeom>
+          <a:ln>
+            <a:noFill/>
+          </a:ln>
+        </p:spPr>
+        <p:style>
+          <a:lnRef idx="2">
+            <a:schemeClr val="dk1"/>
+          </a:lnRef>
+          <a:fillRef idx="1">
+            <a:schemeClr val="lt1"/>
+          </a:fillRef>
+          <a:effectRef idx="0">
+            <a:schemeClr val="dk1"/>
+          </a:effectRef>
+          <a:fontRef idx="minor">
+            <a:schemeClr val="dk1"/>
+          </a:fontRef>
+        </p:style>
+        <p:txBody>
+          <a:bodyPr rtlCol="0" anchor="ctr"/>
+          <a:lstStyle/>
+          <a:p>
+            <a:pPr algn="ctr"/>
+            <a:endParaRPr lang="ko-KR" altLang="en-US"/>
           </a:p>
         </p:txBody>
       </p:sp>
@@ -3589,6 +4530,897 @@
 </file>
 
 <file path=ppt/slides/slide5.xml><?xml version="1.0" encoding="utf-8"?>
+<p:sld xmlns:a="http://schemas.openxmlformats.org/drawingml/2006/main" xmlns:r="http://schemas.openxmlformats.org/officeDocument/2006/relationships" xmlns:p="http://schemas.openxmlformats.org/presentationml/2006/main">
+  <p:cSld>
+    <p:spTree>
+      <p:nvGrpSpPr>
+        <p:cNvPr id="1" name="">
+          <a:extLst>
+            <a:ext uri="{FF2B5EF4-FFF2-40B4-BE49-F238E27FC236}">
+              <a16:creationId xmlns:a16="http://schemas.microsoft.com/office/drawing/2014/main" id="{99432F43-324E-A156-3E41-EC4666573492}"/>
+            </a:ext>
+          </a:extLst>
+        </p:cNvPr>
+        <p:cNvGrpSpPr/>
+        <p:nvPr/>
+      </p:nvGrpSpPr>
+      <p:grpSpPr>
+        <a:xfrm>
+          <a:off x="0" y="0"/>
+          <a:ext cx="0" cy="0"/>
+          <a:chOff x="0" y="0"/>
+          <a:chExt cx="0" cy="0"/>
+        </a:xfrm>
+      </p:grpSpPr>
+      <p:sp>
+        <p:nvSpPr>
+          <p:cNvPr id="3" name="Text 0">
+            <a:extLst>
+              <a:ext uri="{FF2B5EF4-FFF2-40B4-BE49-F238E27FC236}">
+                <a16:creationId xmlns:a16="http://schemas.microsoft.com/office/drawing/2014/main" id="{03A1F820-F5C4-C0DD-13E6-548A4AB1404A}"/>
+              </a:ext>
+            </a:extLst>
+          </p:cNvPr>
+          <p:cNvSpPr/>
+          <p:nvPr/>
+        </p:nvSpPr>
+        <p:spPr>
+          <a:xfrm>
+            <a:off x="793790" y="629007"/>
+            <a:ext cx="5670590" cy="708779"/>
+          </a:xfrm>
+          <a:prstGeom prst="rect">
+            <a:avLst/>
+          </a:prstGeom>
+          <a:noFill/>
+          <a:ln/>
+        </p:spPr>
+        <p:txBody>
+          <a:bodyPr wrap="none" lIns="0" tIns="0" rIns="0" bIns="0" rtlCol="0" anchor="t"/>
+          <a:lstStyle/>
+          <a:p>
+            <a:pPr marL="0" indent="0" algn="l">
+              <a:lnSpc>
+                <a:spcPts val="5550"/>
+              </a:lnSpc>
+              <a:buNone/>
+            </a:pPr>
+            <a:r>
+              <a:rPr lang="ko-KR" altLang="en-US" sz="4450" dirty="0">
+                <a:latin typeface="배달의민족 주아" panose="02020603020101020101" pitchFamily="18" charset="-127"/>
+                <a:ea typeface="배달의민족 주아" panose="02020603020101020101" pitchFamily="18" charset="-127"/>
+                <a:cs typeface="Tomorrow Semi Bold" pitchFamily="34" charset="-120"/>
+              </a:rPr>
+              <a:t>게임 연출</a:t>
+            </a:r>
+            <a:endParaRPr lang="en-US" sz="4450" dirty="0">
+              <a:latin typeface="배달의민족 주아" panose="02020603020101020101" pitchFamily="18" charset="-127"/>
+              <a:ea typeface="배달의민족 주아" panose="02020603020101020101" pitchFamily="18" charset="-127"/>
+            </a:endParaRPr>
+          </a:p>
+        </p:txBody>
+      </p:sp>
+      <p:sp>
+        <p:nvSpPr>
+          <p:cNvPr id="4" name="Shape 1">
+            <a:extLst>
+              <a:ext uri="{FF2B5EF4-FFF2-40B4-BE49-F238E27FC236}">
+                <a16:creationId xmlns:a16="http://schemas.microsoft.com/office/drawing/2014/main" id="{447ED98C-F8F3-7594-2738-0826AE2D15E8}"/>
+              </a:ext>
+            </a:extLst>
+          </p:cNvPr>
+          <p:cNvSpPr/>
+          <p:nvPr/>
+        </p:nvSpPr>
+        <p:spPr>
+          <a:xfrm>
+            <a:off x="793790" y="1868804"/>
+            <a:ext cx="4196358" cy="1669852"/>
+          </a:xfrm>
+          <a:prstGeom prst="roundRect">
+            <a:avLst>
+              <a:gd name="adj" fmla="val 2038"/>
+            </a:avLst>
+          </a:prstGeom>
+          <a:solidFill>
+            <a:srgbClr val="F0EAEA"/>
+          </a:solidFill>
+          <a:ln/>
+        </p:spPr>
+        <p:txBody>
+          <a:bodyPr/>
+          <a:lstStyle/>
+          <a:p>
+            <a:endParaRPr lang="ko-KR" altLang="en-US"/>
+          </a:p>
+        </p:txBody>
+      </p:sp>
+      <p:sp>
+        <p:nvSpPr>
+          <p:cNvPr id="5" name="Text 2">
+            <a:extLst>
+              <a:ext uri="{FF2B5EF4-FFF2-40B4-BE49-F238E27FC236}">
+                <a16:creationId xmlns:a16="http://schemas.microsoft.com/office/drawing/2014/main" id="{47CD5D7A-6EBC-E8AE-4C6C-AD64C5648906}"/>
+              </a:ext>
+            </a:extLst>
+          </p:cNvPr>
+          <p:cNvSpPr/>
+          <p:nvPr/>
+        </p:nvSpPr>
+        <p:spPr>
+          <a:xfrm>
+            <a:off x="1020604" y="2183725"/>
+            <a:ext cx="2835235" cy="354330"/>
+          </a:xfrm>
+          <a:prstGeom prst="rect">
+            <a:avLst/>
+          </a:prstGeom>
+          <a:noFill/>
+          <a:ln/>
+        </p:spPr>
+        <p:txBody>
+          <a:bodyPr wrap="none" lIns="0" tIns="0" rIns="0" bIns="0" rtlCol="0" anchor="t"/>
+          <a:lstStyle/>
+          <a:p>
+            <a:pPr marL="0" indent="0" algn="l">
+              <a:lnSpc>
+                <a:spcPts val="2750"/>
+              </a:lnSpc>
+              <a:buNone/>
+            </a:pPr>
+            <a:r>
+              <a:rPr lang="en-US" sz="2200" dirty="0">
+                <a:latin typeface="배달의민족 주아" panose="02020603020101020101" pitchFamily="18" charset="-127"/>
+                <a:ea typeface="배달의민족 주아" panose="02020603020101020101" pitchFamily="18" charset="-127"/>
+              </a:rPr>
+              <a:t>BGM </a:t>
+            </a:r>
+            <a:r>
+              <a:rPr lang="ko-KR" altLang="en-US" sz="2200" dirty="0">
+                <a:latin typeface="배달의민족 주아" panose="02020603020101020101" pitchFamily="18" charset="-127"/>
+                <a:ea typeface="배달의민족 주아" panose="02020603020101020101" pitchFamily="18" charset="-127"/>
+              </a:rPr>
+              <a:t>변경</a:t>
+            </a:r>
+            <a:endParaRPr lang="en-US" sz="2200" dirty="0">
+              <a:latin typeface="배달의민족 주아" panose="02020603020101020101" pitchFamily="18" charset="-127"/>
+              <a:ea typeface="배달의민족 주아" panose="02020603020101020101" pitchFamily="18" charset="-127"/>
+            </a:endParaRPr>
+          </a:p>
+        </p:txBody>
+      </p:sp>
+      <p:sp>
+        <p:nvSpPr>
+          <p:cNvPr id="6" name="Text 3">
+            <a:extLst>
+              <a:ext uri="{FF2B5EF4-FFF2-40B4-BE49-F238E27FC236}">
+                <a16:creationId xmlns:a16="http://schemas.microsoft.com/office/drawing/2014/main" id="{0DBE3C44-0EFC-2D34-2FA1-C7AF23AF54BE}"/>
+              </a:ext>
+            </a:extLst>
+          </p:cNvPr>
+          <p:cNvSpPr/>
+          <p:nvPr/>
+        </p:nvSpPr>
+        <p:spPr>
+          <a:xfrm>
+            <a:off x="1020604" y="2852976"/>
+            <a:ext cx="3742730" cy="362903"/>
+          </a:xfrm>
+          <a:prstGeom prst="rect">
+            <a:avLst/>
+          </a:prstGeom>
+          <a:noFill/>
+          <a:ln/>
+        </p:spPr>
+        <p:txBody>
+          <a:bodyPr wrap="none" lIns="0" tIns="0" rIns="0" bIns="0" rtlCol="0" anchor="t"/>
+          <a:lstStyle/>
+          <a:p>
+            <a:pPr marL="0" indent="0" algn="l">
+              <a:lnSpc>
+                <a:spcPts val="2850"/>
+              </a:lnSpc>
+              <a:buNone/>
+            </a:pPr>
+            <a:r>
+              <a:rPr lang="ko-KR" altLang="en-US" sz="1750" dirty="0">
+                <a:latin typeface="배달의민족 주아" panose="02020603020101020101" pitchFamily="18" charset="-127"/>
+                <a:ea typeface="배달의민족 주아" panose="02020603020101020101" pitchFamily="18" charset="-127"/>
+              </a:rPr>
+              <a:t>게임 진행에 따라 음악이 바뀝니다</a:t>
+            </a:r>
+            <a:r>
+              <a:rPr lang="en-US" altLang="ko-KR" sz="1750" dirty="0">
+                <a:latin typeface="배달의민족 주아" panose="02020603020101020101" pitchFamily="18" charset="-127"/>
+                <a:ea typeface="배달의민족 주아" panose="02020603020101020101" pitchFamily="18" charset="-127"/>
+              </a:rPr>
+              <a:t>.</a:t>
+            </a:r>
+            <a:endParaRPr lang="en-US" sz="1750" dirty="0">
+              <a:latin typeface="배달의민족 주아" panose="02020603020101020101" pitchFamily="18" charset="-127"/>
+              <a:ea typeface="배달의민족 주아" panose="02020603020101020101" pitchFamily="18" charset="-127"/>
+            </a:endParaRPr>
+          </a:p>
+        </p:txBody>
+      </p:sp>
+      <p:sp>
+        <p:nvSpPr>
+          <p:cNvPr id="7" name="Shape 4">
+            <a:extLst>
+              <a:ext uri="{FF2B5EF4-FFF2-40B4-BE49-F238E27FC236}">
+                <a16:creationId xmlns:a16="http://schemas.microsoft.com/office/drawing/2014/main" id="{530CDD85-ACE6-241C-7182-22C95CFDD018}"/>
+              </a:ext>
+            </a:extLst>
+          </p:cNvPr>
+          <p:cNvSpPr/>
+          <p:nvPr/>
+        </p:nvSpPr>
+        <p:spPr>
+          <a:xfrm>
+            <a:off x="793790" y="3856019"/>
+            <a:ext cx="4196358" cy="1669852"/>
+          </a:xfrm>
+          <a:prstGeom prst="roundRect">
+            <a:avLst>
+              <a:gd name="adj" fmla="val 2038"/>
+            </a:avLst>
+          </a:prstGeom>
+          <a:solidFill>
+            <a:srgbClr val="F0EAEA"/>
+          </a:solidFill>
+          <a:ln/>
+        </p:spPr>
+        <p:txBody>
+          <a:bodyPr/>
+          <a:lstStyle/>
+          <a:p>
+            <a:endParaRPr lang="ko-KR" altLang="en-US" dirty="0"/>
+          </a:p>
+        </p:txBody>
+      </p:sp>
+      <p:sp>
+        <p:nvSpPr>
+          <p:cNvPr id="8" name="Text 5">
+            <a:extLst>
+              <a:ext uri="{FF2B5EF4-FFF2-40B4-BE49-F238E27FC236}">
+                <a16:creationId xmlns:a16="http://schemas.microsoft.com/office/drawing/2014/main" id="{DC9F3E50-C4D1-3820-2370-237827220352}"/>
+              </a:ext>
+            </a:extLst>
+          </p:cNvPr>
+          <p:cNvSpPr/>
+          <p:nvPr/>
+        </p:nvSpPr>
+        <p:spPr>
+          <a:xfrm>
+            <a:off x="1020604" y="4082833"/>
+            <a:ext cx="2835235" cy="354330"/>
+          </a:xfrm>
+          <a:prstGeom prst="rect">
+            <a:avLst/>
+          </a:prstGeom>
+          <a:noFill/>
+          <a:ln/>
+        </p:spPr>
+        <p:txBody>
+          <a:bodyPr wrap="none" lIns="0" tIns="0" rIns="0" bIns="0" rtlCol="0" anchor="t"/>
+          <a:lstStyle/>
+          <a:p>
+            <a:pPr marL="0" indent="0" algn="l">
+              <a:lnSpc>
+                <a:spcPts val="2750"/>
+              </a:lnSpc>
+              <a:buNone/>
+            </a:pPr>
+            <a:r>
+              <a:rPr lang="ko-KR" altLang="en-US" sz="2200" dirty="0">
+                <a:latin typeface="배달의민족 주아" panose="02020603020101020101" pitchFamily="18" charset="-127"/>
+                <a:ea typeface="배달의민족 주아" panose="02020603020101020101" pitchFamily="18" charset="-127"/>
+              </a:rPr>
+              <a:t>난이도 해금</a:t>
+            </a:r>
+            <a:endParaRPr lang="en-US" sz="2200" dirty="0">
+              <a:latin typeface="배달의민족 주아" panose="02020603020101020101" pitchFamily="18" charset="-127"/>
+              <a:ea typeface="배달의민족 주아" panose="02020603020101020101" pitchFamily="18" charset="-127"/>
+            </a:endParaRPr>
+          </a:p>
+        </p:txBody>
+      </p:sp>
+      <p:sp>
+        <p:nvSpPr>
+          <p:cNvPr id="9" name="Text 6">
+            <a:extLst>
+              <a:ext uri="{FF2B5EF4-FFF2-40B4-BE49-F238E27FC236}">
+                <a16:creationId xmlns:a16="http://schemas.microsoft.com/office/drawing/2014/main" id="{B6C0A7C9-AB8B-CE7B-7507-37634E038DFA}"/>
+              </a:ext>
+            </a:extLst>
+          </p:cNvPr>
+          <p:cNvSpPr/>
+          <p:nvPr/>
+        </p:nvSpPr>
+        <p:spPr>
+          <a:xfrm>
+            <a:off x="1020604" y="4573252"/>
+            <a:ext cx="3742730" cy="362903"/>
+          </a:xfrm>
+          <a:prstGeom prst="rect">
+            <a:avLst/>
+          </a:prstGeom>
+          <a:noFill/>
+          <a:ln/>
+        </p:spPr>
+        <p:txBody>
+          <a:bodyPr wrap="none" lIns="0" tIns="0" rIns="0" bIns="0" rtlCol="0" anchor="t"/>
+          <a:lstStyle/>
+          <a:p>
+            <a:pPr marL="0" indent="0" algn="l">
+              <a:lnSpc>
+                <a:spcPts val="2850"/>
+              </a:lnSpc>
+              <a:buNone/>
+            </a:pPr>
+            <a:r>
+              <a:rPr lang="ko-KR" altLang="en-US" sz="1750" dirty="0">
+                <a:latin typeface="배달의민족 주아" panose="02020603020101020101" pitchFamily="18" charset="-127"/>
+                <a:ea typeface="배달의민족 주아" panose="02020603020101020101" pitchFamily="18" charset="-127"/>
+                <a:cs typeface="Tomorrow" pitchFamily="34" charset="-120"/>
+              </a:rPr>
+              <a:t>스테이지 클리어 시 </a:t>
+            </a:r>
+            <a:endParaRPr lang="en-US" altLang="ko-KR" sz="1750" dirty="0">
+              <a:latin typeface="배달의민족 주아" panose="02020603020101020101" pitchFamily="18" charset="-127"/>
+              <a:ea typeface="배달의민족 주아" panose="02020603020101020101" pitchFamily="18" charset="-127"/>
+              <a:cs typeface="Tomorrow" pitchFamily="34" charset="-120"/>
+            </a:endParaRPr>
+          </a:p>
+          <a:p>
+            <a:pPr marL="0" indent="0" algn="l">
+              <a:lnSpc>
+                <a:spcPts val="2850"/>
+              </a:lnSpc>
+              <a:buNone/>
+            </a:pPr>
+            <a:r>
+              <a:rPr lang="ko-KR" altLang="en-US" sz="1750" dirty="0">
+                <a:latin typeface="배달의민족 주아" panose="02020603020101020101" pitchFamily="18" charset="-127"/>
+                <a:ea typeface="배달의민족 주아" panose="02020603020101020101" pitchFamily="18" charset="-127"/>
+                <a:cs typeface="Tomorrow" pitchFamily="34" charset="-120"/>
+              </a:rPr>
+              <a:t>다음 스테이지가 열립니다</a:t>
+            </a:r>
+            <a:r>
+              <a:rPr lang="en-US" altLang="ko-KR" sz="1750" dirty="0">
+                <a:latin typeface="배달의민족 주아" panose="02020603020101020101" pitchFamily="18" charset="-127"/>
+                <a:ea typeface="배달의민족 주아" panose="02020603020101020101" pitchFamily="18" charset="-127"/>
+                <a:cs typeface="Tomorrow" pitchFamily="34" charset="-120"/>
+              </a:rPr>
+              <a:t>.</a:t>
+            </a:r>
+            <a:endParaRPr lang="en-US" sz="1750" dirty="0">
+              <a:latin typeface="배달의민족 주아" panose="02020603020101020101" pitchFamily="18" charset="-127"/>
+              <a:ea typeface="배달의민족 주아" panose="02020603020101020101" pitchFamily="18" charset="-127"/>
+            </a:endParaRPr>
+          </a:p>
+        </p:txBody>
+      </p:sp>
+      <p:sp>
+        <p:nvSpPr>
+          <p:cNvPr id="10" name="Shape 7">
+            <a:extLst>
+              <a:ext uri="{FF2B5EF4-FFF2-40B4-BE49-F238E27FC236}">
+                <a16:creationId xmlns:a16="http://schemas.microsoft.com/office/drawing/2014/main" id="{14756955-8E71-1EBD-763F-1F056CBCB288}"/>
+              </a:ext>
+            </a:extLst>
+          </p:cNvPr>
+          <p:cNvSpPr/>
+          <p:nvPr/>
+        </p:nvSpPr>
+        <p:spPr>
+          <a:xfrm>
+            <a:off x="793790" y="5843234"/>
+            <a:ext cx="4196358" cy="1669852"/>
+          </a:xfrm>
+          <a:prstGeom prst="roundRect">
+            <a:avLst>
+              <a:gd name="adj" fmla="val 2038"/>
+            </a:avLst>
+          </a:prstGeom>
+          <a:solidFill>
+            <a:srgbClr val="F0EAEA"/>
+          </a:solidFill>
+          <a:ln/>
+        </p:spPr>
+        <p:txBody>
+          <a:bodyPr/>
+          <a:lstStyle/>
+          <a:p>
+            <a:endParaRPr lang="ko-KR" altLang="en-US" dirty="0"/>
+          </a:p>
+        </p:txBody>
+      </p:sp>
+      <p:sp>
+        <p:nvSpPr>
+          <p:cNvPr id="11" name="Text 8">
+            <a:extLst>
+              <a:ext uri="{FF2B5EF4-FFF2-40B4-BE49-F238E27FC236}">
+                <a16:creationId xmlns:a16="http://schemas.microsoft.com/office/drawing/2014/main" id="{15633D70-195A-8F64-A890-CC63EF3EE0D1}"/>
+              </a:ext>
+            </a:extLst>
+          </p:cNvPr>
+          <p:cNvSpPr/>
+          <p:nvPr/>
+        </p:nvSpPr>
+        <p:spPr>
+          <a:xfrm>
+            <a:off x="1020605" y="6070048"/>
+            <a:ext cx="2835235" cy="354330"/>
+          </a:xfrm>
+          <a:prstGeom prst="rect">
+            <a:avLst/>
+          </a:prstGeom>
+          <a:noFill/>
+          <a:ln/>
+        </p:spPr>
+        <p:txBody>
+          <a:bodyPr wrap="none" lIns="0" tIns="0" rIns="0" bIns="0" rtlCol="0" anchor="t"/>
+          <a:lstStyle/>
+          <a:p>
+            <a:pPr marL="0" indent="0" algn="l">
+              <a:lnSpc>
+                <a:spcPts val="2750"/>
+              </a:lnSpc>
+              <a:buNone/>
+            </a:pPr>
+            <a:r>
+              <a:rPr lang="en-US" sz="2200" dirty="0">
+                <a:latin typeface="배달의민족 주아" panose="02020603020101020101" pitchFamily="18" charset="-127"/>
+                <a:ea typeface="배달의민족 주아" panose="02020603020101020101" pitchFamily="18" charset="-127"/>
+              </a:rPr>
+              <a:t>UI </a:t>
+            </a:r>
+            <a:r>
+              <a:rPr lang="ko-KR" altLang="en-US" sz="2200" dirty="0">
+                <a:latin typeface="배달의민족 주아" panose="02020603020101020101" pitchFamily="18" charset="-127"/>
+                <a:ea typeface="배달의민족 주아" panose="02020603020101020101" pitchFamily="18" charset="-127"/>
+              </a:rPr>
+              <a:t>연출</a:t>
+            </a:r>
+            <a:endParaRPr lang="en-US" sz="2200" dirty="0">
+              <a:latin typeface="배달의민족 주아" panose="02020603020101020101" pitchFamily="18" charset="-127"/>
+              <a:ea typeface="배달의민족 주아" panose="02020603020101020101" pitchFamily="18" charset="-127"/>
+            </a:endParaRPr>
+          </a:p>
+        </p:txBody>
+      </p:sp>
+      <p:sp>
+        <p:nvSpPr>
+          <p:cNvPr id="12" name="Text 9">
+            <a:extLst>
+              <a:ext uri="{FF2B5EF4-FFF2-40B4-BE49-F238E27FC236}">
+                <a16:creationId xmlns:a16="http://schemas.microsoft.com/office/drawing/2014/main" id="{611500F6-5724-FEF9-2D81-91486B85977D}"/>
+              </a:ext>
+            </a:extLst>
+          </p:cNvPr>
+          <p:cNvSpPr/>
+          <p:nvPr/>
+        </p:nvSpPr>
+        <p:spPr>
+          <a:xfrm>
+            <a:off x="1020605" y="6560467"/>
+            <a:ext cx="3742730" cy="725805"/>
+          </a:xfrm>
+          <a:prstGeom prst="rect">
+            <a:avLst/>
+          </a:prstGeom>
+          <a:noFill/>
+          <a:ln/>
+        </p:spPr>
+        <p:txBody>
+          <a:bodyPr wrap="square" lIns="0" tIns="0" rIns="0" bIns="0" rtlCol="0" anchor="t"/>
+          <a:lstStyle/>
+          <a:p>
+            <a:pPr>
+              <a:lnSpc>
+                <a:spcPts val="2850"/>
+              </a:lnSpc>
+            </a:pPr>
+            <a:r>
+              <a:rPr lang="en-US" altLang="ko-KR" dirty="0">
+                <a:latin typeface="배달의민족 주아" panose="02020603020101020101" pitchFamily="18" charset="-127"/>
+                <a:ea typeface="배달의민족 주아" panose="02020603020101020101" pitchFamily="18" charset="-127"/>
+              </a:rPr>
+              <a:t>UI</a:t>
+            </a:r>
+            <a:r>
+              <a:rPr lang="ko-KR" altLang="en-US" sz="1800" dirty="0">
+                <a:latin typeface="배달의민족 주아" panose="02020603020101020101" pitchFamily="18" charset="-127"/>
+                <a:ea typeface="배달의민족 주아" panose="02020603020101020101" pitchFamily="18" charset="-127"/>
+              </a:rPr>
+              <a:t> </a:t>
+            </a:r>
+            <a:r>
+              <a:rPr lang="ko-KR" altLang="en-US" sz="1750" dirty="0">
+                <a:latin typeface="배달의민족 주아" panose="02020603020101020101" pitchFamily="18" charset="-127"/>
+                <a:ea typeface="배달의민족 주아" panose="02020603020101020101" pitchFamily="18" charset="-127"/>
+              </a:rPr>
+              <a:t>상호작용시</a:t>
+            </a:r>
+            <a:endParaRPr lang="en-US" altLang="ko-KR" sz="1750" dirty="0">
+              <a:latin typeface="배달의민족 주아" panose="02020603020101020101" pitchFamily="18" charset="-127"/>
+              <a:ea typeface="배달의민족 주아" panose="02020603020101020101" pitchFamily="18" charset="-127"/>
+            </a:endParaRPr>
+          </a:p>
+          <a:p>
+            <a:pPr>
+              <a:lnSpc>
+                <a:spcPts val="2850"/>
+              </a:lnSpc>
+            </a:pPr>
+            <a:r>
+              <a:rPr lang="ko-KR" altLang="en-US" sz="1750" dirty="0">
+                <a:latin typeface="배달의민족 주아" panose="02020603020101020101" pitchFamily="18" charset="-127"/>
+                <a:ea typeface="배달의민족 주아" panose="02020603020101020101" pitchFamily="18" charset="-127"/>
+              </a:rPr>
+              <a:t>애니메이션 구현</a:t>
+            </a:r>
+            <a:r>
+              <a:rPr lang="en-US" altLang="ko-KR" sz="1750" dirty="0">
+                <a:latin typeface="배달의민족 주아" panose="02020603020101020101" pitchFamily="18" charset="-127"/>
+                <a:ea typeface="배달의민족 주아" panose="02020603020101020101" pitchFamily="18" charset="-127"/>
+              </a:rPr>
+              <a:t>.</a:t>
+            </a:r>
+            <a:endParaRPr lang="en-US" sz="1750" dirty="0">
+              <a:latin typeface="배달의민족 주아" panose="02020603020101020101" pitchFamily="18" charset="-127"/>
+              <a:ea typeface="배달의민족 주아" panose="02020603020101020101" pitchFamily="18" charset="-127"/>
+            </a:endParaRPr>
+          </a:p>
+        </p:txBody>
+      </p:sp>
+      <p:sp>
+        <p:nvSpPr>
+          <p:cNvPr id="13" name="직사각형 12">
+            <a:extLst>
+              <a:ext uri="{FF2B5EF4-FFF2-40B4-BE49-F238E27FC236}">
+                <a16:creationId xmlns:a16="http://schemas.microsoft.com/office/drawing/2014/main" id="{971F0920-F362-291A-27C6-320B2868C6B1}"/>
+              </a:ext>
+            </a:extLst>
+          </p:cNvPr>
+          <p:cNvSpPr/>
+          <p:nvPr/>
+        </p:nvSpPr>
+        <p:spPr>
+          <a:xfrm>
+            <a:off x="7486650" y="505243"/>
+            <a:ext cx="6349960" cy="7155180"/>
+          </a:xfrm>
+          <a:prstGeom prst="rect">
+            <a:avLst/>
+          </a:prstGeom>
+        </p:spPr>
+        <p:style>
+          <a:lnRef idx="2">
+            <a:schemeClr val="accent1">
+              <a:shade val="15000"/>
+            </a:schemeClr>
+          </a:lnRef>
+          <a:fillRef idx="1">
+            <a:schemeClr val="accent1"/>
+          </a:fillRef>
+          <a:effectRef idx="0">
+            <a:schemeClr val="accent1"/>
+          </a:effectRef>
+          <a:fontRef idx="minor">
+            <a:schemeClr val="lt1"/>
+          </a:fontRef>
+        </p:style>
+        <p:txBody>
+          <a:bodyPr rtlCol="0" anchor="ctr"/>
+          <a:lstStyle/>
+          <a:p>
+            <a:pPr algn="ctr"/>
+            <a:r>
+              <a:rPr lang="ko-KR" altLang="en-US"/>
+              <a:t>카드 연출 코드</a:t>
+            </a:r>
+          </a:p>
+        </p:txBody>
+      </p:sp>
+      <p:sp>
+        <p:nvSpPr>
+          <p:cNvPr id="2" name="직사각형 1">
+            <a:extLst>
+              <a:ext uri="{FF2B5EF4-FFF2-40B4-BE49-F238E27FC236}">
+                <a16:creationId xmlns:a16="http://schemas.microsoft.com/office/drawing/2014/main" id="{4DF03872-6C3F-9874-A2FA-1BF892389C2A}"/>
+              </a:ext>
+            </a:extLst>
+          </p:cNvPr>
+          <p:cNvSpPr/>
+          <p:nvPr/>
+        </p:nvSpPr>
+        <p:spPr>
+          <a:xfrm>
+            <a:off x="11384280" y="7074932"/>
+            <a:ext cx="3246120" cy="1154430"/>
+          </a:xfrm>
+          <a:prstGeom prst="rect">
+            <a:avLst/>
+          </a:prstGeom>
+          <a:ln>
+            <a:noFill/>
+          </a:ln>
+        </p:spPr>
+        <p:style>
+          <a:lnRef idx="2">
+            <a:schemeClr val="dk1"/>
+          </a:lnRef>
+          <a:fillRef idx="1">
+            <a:schemeClr val="lt1"/>
+          </a:fillRef>
+          <a:effectRef idx="0">
+            <a:schemeClr val="dk1"/>
+          </a:effectRef>
+          <a:fontRef idx="minor">
+            <a:schemeClr val="dk1"/>
+          </a:fontRef>
+        </p:style>
+        <p:txBody>
+          <a:bodyPr rtlCol="0" anchor="ctr"/>
+          <a:lstStyle/>
+          <a:p>
+            <a:pPr algn="ctr"/>
+            <a:endParaRPr lang="ko-KR" altLang="en-US"/>
+          </a:p>
+        </p:txBody>
+      </p:sp>
+    </p:spTree>
+    <p:extLst>
+      <p:ext uri="{BB962C8B-B14F-4D97-AF65-F5344CB8AC3E}">
+        <p14:creationId xmlns:p14="http://schemas.microsoft.com/office/powerpoint/2010/main" val="1967808959"/>
+      </p:ext>
+    </p:extLst>
+  </p:cSld>
+  <p:clrMapOvr>
+    <a:masterClrMapping/>
+  </p:clrMapOvr>
+</p:sld>
+</file>
+
+<file path=ppt/slides/slide6.xml><?xml version="1.0" encoding="utf-8"?>
+<p:sld xmlns:a="http://schemas.openxmlformats.org/drawingml/2006/main" xmlns:r="http://schemas.openxmlformats.org/officeDocument/2006/relationships" xmlns:p="http://schemas.openxmlformats.org/presentationml/2006/main">
+  <p:cSld>
+    <p:spTree>
+      <p:nvGrpSpPr>
+        <p:cNvPr id="1" name="">
+          <a:extLst>
+            <a:ext uri="{FF2B5EF4-FFF2-40B4-BE49-F238E27FC236}">
+              <a16:creationId xmlns:a16="http://schemas.microsoft.com/office/drawing/2014/main" id="{EF604249-3BB6-7F96-DB87-DBD379310F09}"/>
+            </a:ext>
+          </a:extLst>
+        </p:cNvPr>
+        <p:cNvGrpSpPr/>
+        <p:nvPr/>
+      </p:nvGrpSpPr>
+      <p:grpSpPr>
+        <a:xfrm>
+          <a:off x="0" y="0"/>
+          <a:ext cx="0" cy="0"/>
+          <a:chOff x="0" y="0"/>
+          <a:chExt cx="0" cy="0"/>
+        </a:xfrm>
+      </p:grpSpPr>
+      <p:sp>
+        <p:nvSpPr>
+          <p:cNvPr id="2" name="직사각형 1">
+            <a:extLst>
+              <a:ext uri="{FF2B5EF4-FFF2-40B4-BE49-F238E27FC236}">
+                <a16:creationId xmlns:a16="http://schemas.microsoft.com/office/drawing/2014/main" id="{03549744-5FAE-D30B-8860-259AEA4CDB93}"/>
+              </a:ext>
+            </a:extLst>
+          </p:cNvPr>
+          <p:cNvSpPr/>
+          <p:nvPr/>
+        </p:nvSpPr>
+        <p:spPr>
+          <a:xfrm>
+            <a:off x="-3360420" y="-3177540"/>
+            <a:ext cx="21031200" cy="3783330"/>
+          </a:xfrm>
+          <a:prstGeom prst="rect">
+            <a:avLst/>
+          </a:prstGeom>
+        </p:spPr>
+        <p:style>
+          <a:lnRef idx="2">
+            <a:schemeClr val="accent1">
+              <a:shade val="15000"/>
+            </a:schemeClr>
+          </a:lnRef>
+          <a:fillRef idx="1">
+            <a:schemeClr val="accent1"/>
+          </a:fillRef>
+          <a:effectRef idx="0">
+            <a:schemeClr val="accent1"/>
+          </a:effectRef>
+          <a:fontRef idx="minor">
+            <a:schemeClr val="lt1"/>
+          </a:fontRef>
+        </p:style>
+        <p:txBody>
+          <a:bodyPr rtlCol="0" anchor="ctr"/>
+          <a:lstStyle/>
+          <a:p>
+            <a:pPr algn="ctr"/>
+            <a:endParaRPr lang="ko-KR" altLang="en-US"/>
+          </a:p>
+        </p:txBody>
+      </p:sp>
+      <p:sp>
+        <p:nvSpPr>
+          <p:cNvPr id="5" name="사각형: 둥근 모서리 4">
+            <a:extLst>
+              <a:ext uri="{FF2B5EF4-FFF2-40B4-BE49-F238E27FC236}">
+                <a16:creationId xmlns:a16="http://schemas.microsoft.com/office/drawing/2014/main" id="{D1E1DB6E-A2DF-2AA6-C86F-76602918EE06}"/>
+              </a:ext>
+            </a:extLst>
+          </p:cNvPr>
+          <p:cNvSpPr/>
+          <p:nvPr/>
+        </p:nvSpPr>
+        <p:spPr>
+          <a:xfrm>
+            <a:off x="182880" y="-525780"/>
+            <a:ext cx="1588770" cy="880110"/>
+          </a:xfrm>
+          <a:prstGeom prst="roundRect">
+            <a:avLst/>
+          </a:prstGeom>
+        </p:spPr>
+        <p:style>
+          <a:lnRef idx="2">
+            <a:schemeClr val="accent1">
+              <a:shade val="15000"/>
+            </a:schemeClr>
+          </a:lnRef>
+          <a:fillRef idx="1">
+            <a:schemeClr val="accent1"/>
+          </a:fillRef>
+          <a:effectRef idx="0">
+            <a:schemeClr val="accent1"/>
+          </a:effectRef>
+          <a:fontRef idx="minor">
+            <a:schemeClr val="lt1"/>
+          </a:fontRef>
+        </p:style>
+        <p:txBody>
+          <a:bodyPr rtlCol="0" anchor="ctr"/>
+          <a:lstStyle/>
+          <a:p>
+            <a:pPr algn="ctr"/>
+            <a:r>
+              <a:rPr lang="ko-KR" altLang="en-US" dirty="0"/>
+              <a:t>다양한 모드 구현</a:t>
+            </a:r>
+          </a:p>
+        </p:txBody>
+      </p:sp>
+      <p:sp>
+        <p:nvSpPr>
+          <p:cNvPr id="3" name="사각형: 둥근 모서리 2">
+            <a:extLst>
+              <a:ext uri="{FF2B5EF4-FFF2-40B4-BE49-F238E27FC236}">
+                <a16:creationId xmlns:a16="http://schemas.microsoft.com/office/drawing/2014/main" id="{50A19B42-17B8-A035-0B82-8C0DEDCD4AD4}"/>
+              </a:ext>
+            </a:extLst>
+          </p:cNvPr>
+          <p:cNvSpPr/>
+          <p:nvPr/>
+        </p:nvSpPr>
+        <p:spPr>
+          <a:xfrm>
+            <a:off x="182880" y="1394460"/>
+            <a:ext cx="13590270" cy="5840730"/>
+          </a:xfrm>
+          <a:prstGeom prst="roundRect">
+            <a:avLst/>
+          </a:prstGeom>
+        </p:spPr>
+        <p:style>
+          <a:lnRef idx="2">
+            <a:schemeClr val="accent1">
+              <a:shade val="15000"/>
+            </a:schemeClr>
+          </a:lnRef>
+          <a:fillRef idx="1">
+            <a:schemeClr val="accent1"/>
+          </a:fillRef>
+          <a:effectRef idx="0">
+            <a:schemeClr val="accent1"/>
+          </a:effectRef>
+          <a:fontRef idx="minor">
+            <a:schemeClr val="lt1"/>
+          </a:fontRef>
+        </p:style>
+        <p:txBody>
+          <a:bodyPr rtlCol="0" anchor="ctr"/>
+          <a:lstStyle/>
+          <a:p>
+            <a:pPr algn="ctr"/>
+            <a:r>
+              <a:rPr lang="ko-KR" altLang="en-US" dirty="0"/>
+              <a:t>코드로 </a:t>
+            </a:r>
+            <a:r>
+              <a:rPr lang="ko-KR" altLang="en-US" dirty="0" err="1"/>
+              <a:t>꽉채워서</a:t>
+            </a:r>
+            <a:r>
+              <a:rPr lang="ko-KR" altLang="en-US" dirty="0"/>
+              <a:t> 답답한 분위기 조성</a:t>
+            </a:r>
+          </a:p>
+        </p:txBody>
+      </p:sp>
+      <p:sp>
+        <p:nvSpPr>
+          <p:cNvPr id="4" name="직사각형 3">
+            <a:extLst>
+              <a:ext uri="{FF2B5EF4-FFF2-40B4-BE49-F238E27FC236}">
+                <a16:creationId xmlns:a16="http://schemas.microsoft.com/office/drawing/2014/main" id="{5FD29A44-1905-3FEE-E193-ED7412948AB2}"/>
+              </a:ext>
+            </a:extLst>
+          </p:cNvPr>
+          <p:cNvSpPr/>
+          <p:nvPr/>
+        </p:nvSpPr>
+        <p:spPr>
+          <a:xfrm>
+            <a:off x="11384280" y="7074932"/>
+            <a:ext cx="3246120" cy="1154430"/>
+          </a:xfrm>
+          <a:prstGeom prst="rect">
+            <a:avLst/>
+          </a:prstGeom>
+          <a:ln>
+            <a:noFill/>
+          </a:ln>
+        </p:spPr>
+        <p:style>
+          <a:lnRef idx="2">
+            <a:schemeClr val="dk1"/>
+          </a:lnRef>
+          <a:fillRef idx="1">
+            <a:schemeClr val="lt1"/>
+          </a:fillRef>
+          <a:effectRef idx="0">
+            <a:schemeClr val="dk1"/>
+          </a:effectRef>
+          <a:fontRef idx="minor">
+            <a:schemeClr val="dk1"/>
+          </a:fontRef>
+        </p:style>
+        <p:txBody>
+          <a:bodyPr rtlCol="0" anchor="ctr"/>
+          <a:lstStyle/>
+          <a:p>
+            <a:pPr algn="ctr"/>
+            <a:endParaRPr lang="ko-KR" altLang="en-US"/>
+          </a:p>
+        </p:txBody>
+      </p:sp>
+    </p:spTree>
+    <p:extLst>
+      <p:ext uri="{BB962C8B-B14F-4D97-AF65-F5344CB8AC3E}">
+        <p14:creationId xmlns:p14="http://schemas.microsoft.com/office/powerpoint/2010/main" val="38241453"/>
+      </p:ext>
+    </p:extLst>
+  </p:cSld>
+  <p:clrMapOvr>
+    <a:masterClrMapping/>
+  </p:clrMapOvr>
+</p:sld>
+</file>
+
+<file path=ppt/slides/slide7.xml><?xml version="1.0" encoding="utf-8"?>
 <p:sld xmlns:a="http://schemas.openxmlformats.org/drawingml/2006/main" xmlns:r="http://schemas.openxmlformats.org/officeDocument/2006/relationships" xmlns:p="http://schemas.openxmlformats.org/presentationml/2006/main">
   <p:cSld name="Slide 5">
     <p:spTree>
@@ -3605,30 +5437,6 @@
           <a:chExt cx="0" cy="0"/>
         </a:xfrm>
       </p:grpSpPr>
-      <p:pic>
-        <p:nvPicPr>
-          <p:cNvPr id="2" name="Image 0" descr="preencoded.png">    </p:cNvPr>
-          <p:cNvPicPr>
-            <a:picLocks noChangeAspect="1"/>
-          </p:cNvPicPr>
-          <p:nvPr/>
-        </p:nvPicPr>
-        <p:blipFill>
-          <a:blip r:embed="rId1"/>
-          <a:stretch>
-            <a:fillRect/>
-          </a:stretch>
-        </p:blipFill>
-        <p:spPr>
-          <a:xfrm>
-            <a:off x="9144000" y="0"/>
-            <a:ext cx="5486400" cy="8229600"/>
-          </a:xfrm>
-          <a:prstGeom prst="rect">
-            <a:avLst/>
-          </a:prstGeom>
-        </p:spPr>
-      </p:pic>
       <p:sp>
         <p:nvSpPr>
           <p:cNvPr id="3" name="Text 0"/>
@@ -3650,14 +5458,14 @@
           <a:bodyPr wrap="none" lIns="0" tIns="0" rIns="0" bIns="0" rtlCol="0" anchor="t"/>
           <a:lstStyle/>
           <a:p>
-            <a:pPr algn="l" indent="0" marL="0">
+            <a:pPr marL="0" indent="0" algn="l">
               <a:lnSpc>
                 <a:spcPts val="5550"/>
               </a:lnSpc>
               <a:buNone/>
             </a:pPr>
             <a:r>
-              <a:rPr lang="en-US" sz="4450" dirty="0">
+              <a:rPr lang="ko-KR" altLang="en-US" sz="4450" dirty="0">
                 <a:solidFill>
                   <a:srgbClr val="1D1D1B"/>
                 </a:solidFill>
@@ -3665,7 +5473,7 @@
                 <a:ea typeface="Tomorrow Semi Bold" pitchFamily="34" charset="-122"/>
                 <a:cs typeface="Tomorrow Semi Bold" pitchFamily="34" charset="-120"/>
               </a:rPr>
-              <a:t>게임 개발 과정</a:t>
+              <a:t>다양한 모드구현</a:t>
             </a:r>
             <a:endParaRPr lang="en-US" sz="4450" dirty="0"/>
           </a:p>
@@ -3692,6 +5500,13 @@
           </a:solidFill>
           <a:ln/>
         </p:spPr>
+        <p:txBody>
+          <a:bodyPr/>
+          <a:lstStyle/>
+          <a:p>
+            <a:endParaRPr lang="ko-KR" altLang="en-US"/>
+          </a:p>
+        </p:txBody>
       </p:sp>
       <p:sp>
         <p:nvSpPr>
@@ -3714,6 +5529,13 @@
           </a:solidFill>
           <a:ln/>
         </p:spPr>
+        <p:txBody>
+          <a:bodyPr/>
+          <a:lstStyle/>
+          <a:p>
+            <a:endParaRPr lang="ko-KR" altLang="en-US"/>
+          </a:p>
+        </p:txBody>
       </p:sp>
       <p:sp>
         <p:nvSpPr>
@@ -3736,162 +5558,17 @@
           </a:solidFill>
           <a:ln/>
         </p:spPr>
+        <p:txBody>
+          <a:bodyPr/>
+          <a:lstStyle/>
+          <a:p>
+            <a:endParaRPr lang="ko-KR" altLang="en-US"/>
+          </a:p>
+        </p:txBody>
       </p:sp>
       <p:pic>
         <p:nvPicPr>
-          <p:cNvPr id="7" name="Image 1" descr="preencoded.png">    </p:cNvPr>
-          <p:cNvPicPr>
-            <a:picLocks noChangeAspect="1"/>
-          </p:cNvPicPr>
-          <p:nvPr/>
-        </p:nvPicPr>
-        <p:blipFill>
-          <a:blip r:embed="rId2"/>
-          <a:stretch>
-            <a:fillRect/>
-          </a:stretch>
-        </p:blipFill>
-        <p:spPr>
-          <a:xfrm>
-            <a:off x="878860" y="1982748"/>
-            <a:ext cx="340162" cy="425291"/>
-          </a:xfrm>
-          <a:prstGeom prst="rect">
-            <a:avLst/>
-          </a:prstGeom>
-        </p:spPr>
-      </p:pic>
-      <p:sp>
-        <p:nvSpPr>
-          <p:cNvPr id="8" name="Text 4"/>
-          <p:cNvSpPr/>
-          <p:nvPr/>
-        </p:nvSpPr>
-        <p:spPr>
-          <a:xfrm>
-            <a:off x="2183011" y="1911906"/>
-            <a:ext cx="2835235" cy="354330"/>
-          </a:xfrm>
-          <a:prstGeom prst="rect">
-            <a:avLst/>
-          </a:prstGeom>
-          <a:noFill/>
-          <a:ln/>
-        </p:spPr>
-        <p:txBody>
-          <a:bodyPr wrap="none" lIns="0" tIns="0" rIns="0" bIns="0" rtlCol="0" anchor="t"/>
-          <a:lstStyle/>
-          <a:p>
-            <a:pPr algn="l" indent="0" marL="0">
-              <a:lnSpc>
-                <a:spcPts val="2750"/>
-              </a:lnSpc>
-              <a:buNone/>
-            </a:pPr>
-            <a:r>
-              <a:rPr lang="en-US" sz="2200" dirty="0">
-                <a:solidFill>
-                  <a:srgbClr val="61615C"/>
-                </a:solidFill>
-                <a:latin typeface="Tomorrow Semi Bold" pitchFamily="34" charset="0"/>
-                <a:ea typeface="Tomorrow Semi Bold" pitchFamily="34" charset="-122"/>
-                <a:cs typeface="Tomorrow Semi Bold" pitchFamily="34" charset="-120"/>
-              </a:rPr>
-              <a:t>Unity 엔진</a:t>
-            </a:r>
-            <a:endParaRPr lang="en-US" sz="2200" dirty="0"/>
-          </a:p>
-        </p:txBody>
-      </p:sp>
-      <p:sp>
-        <p:nvSpPr>
-          <p:cNvPr id="9" name="Text 5"/>
-          <p:cNvSpPr/>
-          <p:nvPr/>
-        </p:nvSpPr>
-        <p:spPr>
-          <a:xfrm>
-            <a:off x="2183011" y="2402324"/>
-            <a:ext cx="6167199" cy="362903"/>
-          </a:xfrm>
-          <a:prstGeom prst="rect">
-            <a:avLst/>
-          </a:prstGeom>
-          <a:noFill/>
-          <a:ln/>
-        </p:spPr>
-        <p:txBody>
-          <a:bodyPr wrap="none" lIns="0" tIns="0" rIns="0" bIns="0" rtlCol="0" anchor="t"/>
-          <a:lstStyle/>
-          <a:p>
-            <a:pPr algn="l" indent="0" marL="0">
-              <a:lnSpc>
-                <a:spcPts val="2850"/>
-              </a:lnSpc>
-              <a:buNone/>
-            </a:pPr>
-            <a:r>
-              <a:rPr lang="en-US" sz="1750" dirty="0">
-                <a:solidFill>
-                  <a:srgbClr val="61615C"/>
-                </a:solidFill>
-                <a:latin typeface="Tomorrow" pitchFamily="34" charset="0"/>
-                <a:ea typeface="Tomorrow" pitchFamily="34" charset="-122"/>
-                <a:cs typeface="Tomorrow" pitchFamily="34" charset="-120"/>
-              </a:rPr>
-              <a:t>2D 환경 제작</a:t>
-            </a:r>
-            <a:endParaRPr lang="en-US" sz="1750" dirty="0"/>
-          </a:p>
-        </p:txBody>
-      </p:sp>
-      <p:sp>
-        <p:nvSpPr>
-          <p:cNvPr id="10" name="Shape 6"/>
-          <p:cNvSpPr/>
-          <p:nvPr/>
-        </p:nvSpPr>
-        <p:spPr>
-          <a:xfrm>
-            <a:off x="1273612" y="3713917"/>
-            <a:ext cx="680442" cy="30480"/>
-          </a:xfrm>
-          <a:prstGeom prst="roundRect">
-            <a:avLst>
-              <a:gd name="adj" fmla="val 111628"/>
-            </a:avLst>
-          </a:prstGeom>
-          <a:solidFill>
-            <a:srgbClr val="D6D0D0"/>
-          </a:solidFill>
-          <a:ln/>
-        </p:spPr>
-      </p:sp>
-      <p:sp>
-        <p:nvSpPr>
-          <p:cNvPr id="11" name="Shape 7"/>
-          <p:cNvSpPr/>
-          <p:nvPr/>
-        </p:nvSpPr>
-        <p:spPr>
-          <a:xfrm>
-            <a:off x="793790" y="3474006"/>
-            <a:ext cx="510302" cy="510302"/>
-          </a:xfrm>
-          <a:prstGeom prst="roundRect">
-            <a:avLst>
-              <a:gd name="adj" fmla="val 6667"/>
-            </a:avLst>
-          </a:prstGeom>
-          <a:solidFill>
-            <a:srgbClr val="F0EAEA"/>
-          </a:solidFill>
-          <a:ln/>
-        </p:spPr>
-      </p:sp>
-      <p:pic>
-        <p:nvPicPr>
-          <p:cNvPr id="12" name="Image 2" descr="preencoded.png">    </p:cNvPr>
+          <p:cNvPr id="7" name="Image 1" descr="preencoded.png"/>
           <p:cNvPicPr>
             <a:picLocks noChangeAspect="1"/>
           </p:cNvPicPr>
@@ -3905,7 +5582,7 @@
         </p:blipFill>
         <p:spPr>
           <a:xfrm>
-            <a:off x="878860" y="3516511"/>
+            <a:off x="878860" y="1982748"/>
             <a:ext cx="340162" cy="425291"/>
           </a:xfrm>
           <a:prstGeom prst="rect">
@@ -3915,13 +5592,13 @@
       </p:pic>
       <p:sp>
         <p:nvSpPr>
-          <p:cNvPr id="13" name="Text 8"/>
-          <p:cNvSpPr/>
-          <p:nvPr/>
-        </p:nvSpPr>
-        <p:spPr>
-          <a:xfrm>
-            <a:off x="2183011" y="3445669"/>
+          <p:cNvPr id="8" name="Text 4"/>
+          <p:cNvSpPr/>
+          <p:nvPr/>
+        </p:nvSpPr>
+        <p:spPr>
+          <a:xfrm>
+            <a:off x="2183011" y="1911906"/>
             <a:ext cx="2835235" cy="354330"/>
           </a:xfrm>
           <a:prstGeom prst="rect">
@@ -3934,22 +5611,15 @@
           <a:bodyPr wrap="none" lIns="0" tIns="0" rIns="0" bIns="0" rtlCol="0" anchor="t"/>
           <a:lstStyle/>
           <a:p>
-            <a:pPr algn="l" indent="0" marL="0">
+            <a:pPr marL="0" indent="0" algn="l">
               <a:lnSpc>
                 <a:spcPts val="2750"/>
               </a:lnSpc>
               <a:buNone/>
             </a:pPr>
             <a:r>
-              <a:rPr lang="en-US" sz="2200" dirty="0">
-                <a:solidFill>
-                  <a:srgbClr val="61615C"/>
-                </a:solidFill>
-                <a:latin typeface="Tomorrow Semi Bold" pitchFamily="34" charset="0"/>
-                <a:ea typeface="Tomorrow Semi Bold" pitchFamily="34" charset="-122"/>
-                <a:cs typeface="Tomorrow Semi Bold" pitchFamily="34" charset="-120"/>
-              </a:rPr>
-              <a:t>C# 활용</a:t>
+              <a:rPr lang="ko-KR" altLang="en-US" sz="2400" dirty="0"/>
+              <a:t>점수 시스템</a:t>
             </a:r>
             <a:endParaRPr lang="en-US" sz="2200" dirty="0"/>
           </a:p>
@@ -3957,13 +5627,13 @@
       </p:sp>
       <p:sp>
         <p:nvSpPr>
-          <p:cNvPr id="14" name="Text 9"/>
-          <p:cNvSpPr/>
-          <p:nvPr/>
-        </p:nvSpPr>
-        <p:spPr>
-          <a:xfrm>
-            <a:off x="2183011" y="3936087"/>
+          <p:cNvPr id="9" name="Text 5"/>
+          <p:cNvSpPr/>
+          <p:nvPr/>
+        </p:nvSpPr>
+        <p:spPr>
+          <a:xfrm>
+            <a:off x="2183011" y="2402324"/>
             <a:ext cx="6167199" cy="362903"/>
           </a:xfrm>
           <a:prstGeom prst="rect">
@@ -3976,22 +5646,15 @@
           <a:bodyPr wrap="none" lIns="0" tIns="0" rIns="0" bIns="0" rtlCol="0" anchor="t"/>
           <a:lstStyle/>
           <a:p>
-            <a:pPr algn="l" indent="0" marL="0">
+            <a:pPr marL="0" indent="0" algn="l">
               <a:lnSpc>
                 <a:spcPts val="2850"/>
               </a:lnSpc>
               <a:buNone/>
             </a:pPr>
             <a:r>
-              <a:rPr lang="en-US" sz="1750" dirty="0">
-                <a:solidFill>
-                  <a:srgbClr val="61615C"/>
-                </a:solidFill>
-                <a:latin typeface="Tomorrow" pitchFamily="34" charset="0"/>
-                <a:ea typeface="Tomorrow" pitchFamily="34" charset="-122"/>
-                <a:cs typeface="Tomorrow" pitchFamily="34" charset="-120"/>
-              </a:rPr>
-              <a:t>게임 로직 설계</a:t>
+              <a:rPr lang="ko-KR" altLang="en-US" sz="1600" dirty="0"/>
+              <a:t>모드마다 다른 점수 시스템 적용</a:t>
             </a:r>
             <a:endParaRPr lang="en-US" sz="1750" dirty="0"/>
           </a:p>
@@ -3999,13 +5662,13 @@
       </p:sp>
       <p:sp>
         <p:nvSpPr>
-          <p:cNvPr id="15" name="Shape 10"/>
-          <p:cNvSpPr/>
-          <p:nvPr/>
-        </p:nvSpPr>
-        <p:spPr>
-          <a:xfrm>
-            <a:off x="1273612" y="5247680"/>
+          <p:cNvPr id="10" name="Shape 6"/>
+          <p:cNvSpPr/>
+          <p:nvPr/>
+        </p:nvSpPr>
+        <p:spPr>
+          <a:xfrm>
+            <a:off x="1273612" y="3713917"/>
             <a:ext cx="680442" cy="30480"/>
           </a:xfrm>
           <a:prstGeom prst="roundRect">
@@ -4018,16 +5681,23 @@
           </a:solidFill>
           <a:ln/>
         </p:spPr>
-      </p:sp>
-      <p:sp>
-        <p:nvSpPr>
-          <p:cNvPr id="16" name="Shape 11"/>
-          <p:cNvSpPr/>
-          <p:nvPr/>
-        </p:nvSpPr>
-        <p:spPr>
-          <a:xfrm>
-            <a:off x="793790" y="5007769"/>
+        <p:txBody>
+          <a:bodyPr/>
+          <a:lstStyle/>
+          <a:p>
+            <a:endParaRPr lang="ko-KR" altLang="en-US"/>
+          </a:p>
+        </p:txBody>
+      </p:sp>
+      <p:sp>
+        <p:nvSpPr>
+          <p:cNvPr id="11" name="Shape 7"/>
+          <p:cNvSpPr/>
+          <p:nvPr/>
+        </p:nvSpPr>
+        <p:spPr>
+          <a:xfrm>
+            <a:off x="793790" y="3474006"/>
             <a:ext cx="510302" cy="510302"/>
           </a:xfrm>
           <a:prstGeom prst="roundRect">
@@ -4040,10 +5710,17 @@
           </a:solidFill>
           <a:ln/>
         </p:spPr>
+        <p:txBody>
+          <a:bodyPr/>
+          <a:lstStyle/>
+          <a:p>
+            <a:endParaRPr lang="ko-KR" altLang="en-US"/>
+          </a:p>
+        </p:txBody>
       </p:sp>
       <p:pic>
         <p:nvPicPr>
-          <p:cNvPr id="17" name="Image 3" descr="preencoded.png">    </p:cNvPr>
+          <p:cNvPr id="12" name="Image 2" descr="preencoded.png"/>
           <p:cNvPicPr>
             <a:picLocks noChangeAspect="1"/>
           </p:cNvPicPr>
@@ -4057,7 +5734,7 @@
         </p:blipFill>
         <p:spPr>
           <a:xfrm>
-            <a:off x="878860" y="5050274"/>
+            <a:off x="878860" y="3516511"/>
             <a:ext cx="340162" cy="425291"/>
           </a:xfrm>
           <a:prstGeom prst="rect">
@@ -4067,13 +5744,13 @@
       </p:pic>
       <p:sp>
         <p:nvSpPr>
-          <p:cNvPr id="18" name="Text 12"/>
-          <p:cNvSpPr/>
-          <p:nvPr/>
-        </p:nvSpPr>
-        <p:spPr>
-          <a:xfrm>
-            <a:off x="2183011" y="4979432"/>
+          <p:cNvPr id="13" name="Text 8"/>
+          <p:cNvSpPr/>
+          <p:nvPr/>
+        </p:nvSpPr>
+        <p:spPr>
+          <a:xfrm>
+            <a:off x="2183011" y="3445669"/>
             <a:ext cx="2835235" cy="354330"/>
           </a:xfrm>
           <a:prstGeom prst="rect">
@@ -4086,22 +5763,15 @@
           <a:bodyPr wrap="none" lIns="0" tIns="0" rIns="0" bIns="0" rtlCol="0" anchor="t"/>
           <a:lstStyle/>
           <a:p>
-            <a:pPr algn="l" indent="0" marL="0">
+            <a:pPr marL="0" indent="0" algn="l">
               <a:lnSpc>
                 <a:spcPts val="2750"/>
               </a:lnSpc>
               <a:buNone/>
             </a:pPr>
             <a:r>
-              <a:rPr lang="en-US" sz="2200" dirty="0">
-                <a:solidFill>
-                  <a:srgbClr val="61615C"/>
-                </a:solidFill>
-                <a:latin typeface="Tomorrow Semi Bold" pitchFamily="34" charset="0"/>
-                <a:ea typeface="Tomorrow Semi Bold" pitchFamily="34" charset="-122"/>
-                <a:cs typeface="Tomorrow Semi Bold" pitchFamily="34" charset="-120"/>
-              </a:rPr>
-              <a:t>애니메이션</a:t>
+              <a:rPr lang="ko-KR" altLang="en-US" sz="2400" dirty="0"/>
+              <a:t>좀비 모드</a:t>
             </a:r>
             <a:endParaRPr lang="en-US" sz="2200" dirty="0"/>
           </a:p>
@@ -4109,13 +5779,13 @@
       </p:sp>
       <p:sp>
         <p:nvSpPr>
-          <p:cNvPr id="19" name="Text 13"/>
-          <p:cNvSpPr/>
-          <p:nvPr/>
-        </p:nvSpPr>
-        <p:spPr>
-          <a:xfrm>
-            <a:off x="2183011" y="5469850"/>
+          <p:cNvPr id="14" name="Text 9"/>
+          <p:cNvSpPr/>
+          <p:nvPr/>
+        </p:nvSpPr>
+        <p:spPr>
+          <a:xfrm>
+            <a:off x="2183011" y="3936087"/>
             <a:ext cx="6167199" cy="362903"/>
           </a:xfrm>
           <a:prstGeom prst="rect">
@@ -4128,22 +5798,15 @@
           <a:bodyPr wrap="none" lIns="0" tIns="0" rIns="0" bIns="0" rtlCol="0" anchor="t"/>
           <a:lstStyle/>
           <a:p>
-            <a:pPr algn="l" indent="0" marL="0">
+            <a:pPr marL="0" indent="0" algn="l">
               <a:lnSpc>
                 <a:spcPts val="2850"/>
               </a:lnSpc>
               <a:buNone/>
             </a:pPr>
             <a:r>
-              <a:rPr lang="en-US" sz="1750" dirty="0">
-                <a:solidFill>
-                  <a:srgbClr val="61615C"/>
-                </a:solidFill>
-                <a:latin typeface="Tomorrow" pitchFamily="34" charset="0"/>
-                <a:ea typeface="Tomorrow" pitchFamily="34" charset="-122"/>
-                <a:cs typeface="Tomorrow" pitchFamily="34" charset="-120"/>
-              </a:rPr>
-              <a:t>게임에 애니메이션 추가</a:t>
+              <a:rPr lang="ko-KR" altLang="en-US" sz="1750" dirty="0"/>
+              <a:t>매칭 실패 시 카드 부활</a:t>
             </a:r>
             <a:endParaRPr lang="en-US" sz="1750" dirty="0"/>
           </a:p>
@@ -4151,13 +5814,13 @@
       </p:sp>
       <p:sp>
         <p:nvSpPr>
-          <p:cNvPr id="20" name="Shape 14"/>
-          <p:cNvSpPr/>
-          <p:nvPr/>
-        </p:nvSpPr>
-        <p:spPr>
-          <a:xfrm>
-            <a:off x="1273612" y="6781443"/>
+          <p:cNvPr id="15" name="Shape 10"/>
+          <p:cNvSpPr/>
+          <p:nvPr/>
+        </p:nvSpPr>
+        <p:spPr>
+          <a:xfrm>
+            <a:off x="1273612" y="5247680"/>
             <a:ext cx="680442" cy="30480"/>
           </a:xfrm>
           <a:prstGeom prst="roundRect">
@@ -4170,16 +5833,23 @@
           </a:solidFill>
           <a:ln/>
         </p:spPr>
-      </p:sp>
-      <p:sp>
-        <p:nvSpPr>
-          <p:cNvPr id="21" name="Shape 15"/>
-          <p:cNvSpPr/>
-          <p:nvPr/>
-        </p:nvSpPr>
-        <p:spPr>
-          <a:xfrm>
-            <a:off x="793790" y="6541532"/>
+        <p:txBody>
+          <a:bodyPr/>
+          <a:lstStyle/>
+          <a:p>
+            <a:endParaRPr lang="ko-KR" altLang="en-US"/>
+          </a:p>
+        </p:txBody>
+      </p:sp>
+      <p:sp>
+        <p:nvSpPr>
+          <p:cNvPr id="16" name="Shape 11"/>
+          <p:cNvSpPr/>
+          <p:nvPr/>
+        </p:nvSpPr>
+        <p:spPr>
+          <a:xfrm>
+            <a:off x="793790" y="5007769"/>
             <a:ext cx="510302" cy="510302"/>
           </a:xfrm>
           <a:prstGeom prst="roundRect">
@@ -4192,10 +5862,17 @@
           </a:solidFill>
           <a:ln/>
         </p:spPr>
+        <p:txBody>
+          <a:bodyPr/>
+          <a:lstStyle/>
+          <a:p>
+            <a:endParaRPr lang="ko-KR" altLang="en-US"/>
+          </a:p>
+        </p:txBody>
       </p:sp>
       <p:pic>
         <p:nvPicPr>
-          <p:cNvPr id="22" name="Image 4" descr="preencoded.png">    </p:cNvPr>
+          <p:cNvPr id="17" name="Image 3" descr="preencoded.png"/>
           <p:cNvPicPr>
             <a:picLocks noChangeAspect="1"/>
           </p:cNvPicPr>
@@ -4209,7 +5886,7 @@
         </p:blipFill>
         <p:spPr>
           <a:xfrm>
-            <a:off x="878860" y="6584037"/>
+            <a:off x="878860" y="5050274"/>
             <a:ext cx="340162" cy="425291"/>
           </a:xfrm>
           <a:prstGeom prst="rect">
@@ -4219,13 +5896,13 @@
       </p:pic>
       <p:sp>
         <p:nvSpPr>
-          <p:cNvPr id="23" name="Text 16"/>
-          <p:cNvSpPr/>
-          <p:nvPr/>
-        </p:nvSpPr>
-        <p:spPr>
-          <a:xfrm>
-            <a:off x="2183011" y="6513195"/>
+          <p:cNvPr id="18" name="Text 12"/>
+          <p:cNvSpPr/>
+          <p:nvPr/>
+        </p:nvSpPr>
+        <p:spPr>
+          <a:xfrm>
+            <a:off x="2183011" y="4979432"/>
             <a:ext cx="2835235" cy="354330"/>
           </a:xfrm>
           <a:prstGeom prst="rect">
@@ -4238,22 +5915,15 @@
           <a:bodyPr wrap="none" lIns="0" tIns="0" rIns="0" bIns="0" rtlCol="0" anchor="t"/>
           <a:lstStyle/>
           <a:p>
-            <a:pPr algn="l" indent="0" marL="0">
+            <a:pPr marL="0" indent="0" algn="l">
               <a:lnSpc>
                 <a:spcPts val="2750"/>
               </a:lnSpc>
               <a:buNone/>
             </a:pPr>
             <a:r>
-              <a:rPr lang="en-US" sz="2200" dirty="0">
-                <a:solidFill>
-                  <a:srgbClr val="61615C"/>
-                </a:solidFill>
-                <a:latin typeface="Tomorrow Semi Bold" pitchFamily="34" charset="0"/>
-                <a:ea typeface="Tomorrow Semi Bold" pitchFamily="34" charset="-122"/>
-                <a:cs typeface="Tomorrow Semi Bold" pitchFamily="34" charset="-120"/>
-              </a:rPr>
-              <a:t>UI 디자인</a:t>
+              <a:rPr lang="ko-KR" altLang="en-US" sz="2400" dirty="0"/>
+              <a:t>무한 모드</a:t>
             </a:r>
             <a:endParaRPr lang="en-US" sz="2200" dirty="0"/>
           </a:p>
@@ -4261,13 +5931,13 @@
       </p:sp>
       <p:sp>
         <p:nvSpPr>
-          <p:cNvPr id="24" name="Text 17"/>
-          <p:cNvSpPr/>
-          <p:nvPr/>
-        </p:nvSpPr>
-        <p:spPr>
-          <a:xfrm>
-            <a:off x="2183011" y="7003613"/>
+          <p:cNvPr id="19" name="Text 13"/>
+          <p:cNvSpPr/>
+          <p:nvPr/>
+        </p:nvSpPr>
+        <p:spPr>
+          <a:xfrm>
+            <a:off x="2183011" y="5469850"/>
             <a:ext cx="6167199" cy="362903"/>
           </a:xfrm>
           <a:prstGeom prst="rect">
@@ -4280,24 +5950,290 @@
           <a:bodyPr wrap="none" lIns="0" tIns="0" rIns="0" bIns="0" rtlCol="0" anchor="t"/>
           <a:lstStyle/>
           <a:p>
-            <a:pPr algn="l" indent="0" marL="0">
+            <a:pPr marL="0" indent="0" algn="l">
               <a:lnSpc>
                 <a:spcPts val="2850"/>
               </a:lnSpc>
               <a:buNone/>
             </a:pPr>
             <a:r>
-              <a:rPr lang="en-US" sz="1750" dirty="0">
+              <a:rPr lang="ko-KR" altLang="en-US" sz="1750" dirty="0">
                 <a:solidFill>
                   <a:srgbClr val="61615C"/>
                 </a:solidFill>
                 <a:latin typeface="Tomorrow" pitchFamily="34" charset="0"/>
-                <a:ea typeface="Tomorrow" pitchFamily="34" charset="-122"/>
-                <a:cs typeface="Tomorrow" pitchFamily="34" charset="-120"/>
-              </a:rPr>
-              <a:t>사용자 경험 최적화</a:t>
+              </a:rPr>
+              <a:t>끝 없는 라운드 진행</a:t>
             </a:r>
             <a:endParaRPr lang="en-US" sz="1750" dirty="0"/>
+          </a:p>
+        </p:txBody>
+      </p:sp>
+      <p:sp>
+        <p:nvSpPr>
+          <p:cNvPr id="20" name="Shape 14"/>
+          <p:cNvSpPr/>
+          <p:nvPr/>
+        </p:nvSpPr>
+        <p:spPr>
+          <a:xfrm>
+            <a:off x="1273612" y="6781443"/>
+            <a:ext cx="680442" cy="30480"/>
+          </a:xfrm>
+          <a:prstGeom prst="roundRect">
+            <a:avLst>
+              <a:gd name="adj" fmla="val 111628"/>
+            </a:avLst>
+          </a:prstGeom>
+          <a:solidFill>
+            <a:srgbClr val="D6D0D0"/>
+          </a:solidFill>
+          <a:ln/>
+        </p:spPr>
+        <p:txBody>
+          <a:bodyPr/>
+          <a:lstStyle/>
+          <a:p>
+            <a:endParaRPr lang="ko-KR" altLang="en-US"/>
+          </a:p>
+        </p:txBody>
+      </p:sp>
+      <p:sp>
+        <p:nvSpPr>
+          <p:cNvPr id="21" name="Shape 15"/>
+          <p:cNvSpPr/>
+          <p:nvPr/>
+        </p:nvSpPr>
+        <p:spPr>
+          <a:xfrm>
+            <a:off x="793790" y="6541532"/>
+            <a:ext cx="510302" cy="510302"/>
+          </a:xfrm>
+          <a:prstGeom prst="roundRect">
+            <a:avLst>
+              <a:gd name="adj" fmla="val 6667"/>
+            </a:avLst>
+          </a:prstGeom>
+          <a:solidFill>
+            <a:srgbClr val="F0EAEA"/>
+          </a:solidFill>
+          <a:ln/>
+        </p:spPr>
+        <p:txBody>
+          <a:bodyPr/>
+          <a:lstStyle/>
+          <a:p>
+            <a:endParaRPr lang="ko-KR" altLang="en-US"/>
+          </a:p>
+        </p:txBody>
+      </p:sp>
+      <p:pic>
+        <p:nvPicPr>
+          <p:cNvPr id="22" name="Image 4" descr="preencoded.png"/>
+          <p:cNvPicPr>
+            <a:picLocks noChangeAspect="1"/>
+          </p:cNvPicPr>
+          <p:nvPr/>
+        </p:nvPicPr>
+        <p:blipFill>
+          <a:blip r:embed="rId6"/>
+          <a:stretch>
+            <a:fillRect/>
+          </a:stretch>
+        </p:blipFill>
+        <p:spPr>
+          <a:xfrm>
+            <a:off x="878860" y="6584037"/>
+            <a:ext cx="340162" cy="425291"/>
+          </a:xfrm>
+          <a:prstGeom prst="rect">
+            <a:avLst/>
+          </a:prstGeom>
+        </p:spPr>
+      </p:pic>
+      <p:sp>
+        <p:nvSpPr>
+          <p:cNvPr id="23" name="Text 16"/>
+          <p:cNvSpPr/>
+          <p:nvPr/>
+        </p:nvSpPr>
+        <p:spPr>
+          <a:xfrm>
+            <a:off x="2183011" y="6513195"/>
+            <a:ext cx="2835235" cy="354330"/>
+          </a:xfrm>
+          <a:prstGeom prst="rect">
+            <a:avLst/>
+          </a:prstGeom>
+          <a:noFill/>
+          <a:ln/>
+        </p:spPr>
+        <p:txBody>
+          <a:bodyPr wrap="none" lIns="0" tIns="0" rIns="0" bIns="0" rtlCol="0" anchor="t"/>
+          <a:lstStyle/>
+          <a:p>
+            <a:pPr marL="0" indent="0" algn="l">
+              <a:lnSpc>
+                <a:spcPts val="2750"/>
+              </a:lnSpc>
+              <a:buNone/>
+            </a:pPr>
+            <a:r>
+              <a:rPr lang="ko-KR" altLang="en-US" sz="2400" dirty="0" err="1"/>
+              <a:t>히든</a:t>
+            </a:r>
+            <a:r>
+              <a:rPr lang="ko-KR" altLang="en-US" sz="2400" dirty="0"/>
+              <a:t> 모드</a:t>
+            </a:r>
+            <a:endParaRPr lang="en-US" sz="2200" dirty="0"/>
+          </a:p>
+        </p:txBody>
+      </p:sp>
+      <p:sp>
+        <p:nvSpPr>
+          <p:cNvPr id="24" name="Text 17"/>
+          <p:cNvSpPr/>
+          <p:nvPr/>
+        </p:nvSpPr>
+        <p:spPr>
+          <a:xfrm>
+            <a:off x="2183011" y="7003613"/>
+            <a:ext cx="6167199" cy="362903"/>
+          </a:xfrm>
+          <a:prstGeom prst="rect">
+            <a:avLst/>
+          </a:prstGeom>
+          <a:noFill/>
+          <a:ln/>
+        </p:spPr>
+        <p:txBody>
+          <a:bodyPr wrap="none" lIns="0" tIns="0" rIns="0" bIns="0" rtlCol="0" anchor="t"/>
+          <a:lstStyle/>
+          <a:p>
+            <a:pPr marL="0" indent="0" algn="l">
+              <a:lnSpc>
+                <a:spcPts val="2850"/>
+              </a:lnSpc>
+              <a:buNone/>
+            </a:pPr>
+            <a:r>
+              <a:rPr lang="ko-KR" altLang="en-US" sz="1750" dirty="0">
+                <a:solidFill>
+                  <a:srgbClr val="61615C"/>
+                </a:solidFill>
+                <a:latin typeface="Tomorrow" pitchFamily="34" charset="0"/>
+              </a:rPr>
+              <a:t>이것도 뒤집어 보시지</a:t>
+            </a:r>
+            <a:endParaRPr lang="en-US" sz="1750" dirty="0"/>
+          </a:p>
+        </p:txBody>
+      </p:sp>
+      <p:pic>
+        <p:nvPicPr>
+          <p:cNvPr id="27" name="그림 26" descr="텍스트, 스크린샷, 만화 영화이(가) 표시된 사진&#10;&#10;AI가 생성한 콘텐츠는 부정확할 수 있습니다.">
+            <a:extLst>
+              <a:ext uri="{FF2B5EF4-FFF2-40B4-BE49-F238E27FC236}">
+                <a16:creationId xmlns:a16="http://schemas.microsoft.com/office/drawing/2014/main" id="{B7DAA786-82FC-98F9-45FC-4B9375B8B59C}"/>
+              </a:ext>
+            </a:extLst>
+          </p:cNvPr>
+          <p:cNvPicPr>
+            <a:picLocks noChangeAspect="1"/>
+          </p:cNvPicPr>
+          <p:nvPr/>
+        </p:nvPicPr>
+        <p:blipFill>
+          <a:blip r:embed="rId7"/>
+          <a:stretch>
+            <a:fillRect/>
+          </a:stretch>
+        </p:blipFill>
+        <p:spPr>
+          <a:xfrm>
+            <a:off x="10266100" y="1111091"/>
+            <a:ext cx="3570510" cy="6007418"/>
+          </a:xfrm>
+          <a:prstGeom prst="rect">
+            <a:avLst/>
+          </a:prstGeom>
+        </p:spPr>
+      </p:pic>
+      <p:pic>
+        <p:nvPicPr>
+          <p:cNvPr id="29" name="그림 28" descr="텍스트, 스크린샷이(가) 표시된 사진&#10;&#10;AI가 생성한 콘텐츠는 부정확할 수 있습니다.">
+            <a:extLst>
+              <a:ext uri="{FF2B5EF4-FFF2-40B4-BE49-F238E27FC236}">
+                <a16:creationId xmlns:a16="http://schemas.microsoft.com/office/drawing/2014/main" id="{1650E601-BB30-FBA0-76CF-7570F60DE74F}"/>
+              </a:ext>
+            </a:extLst>
+          </p:cNvPr>
+          <p:cNvPicPr>
+            <a:picLocks noChangeAspect="1"/>
+          </p:cNvPicPr>
+          <p:nvPr/>
+        </p:nvPicPr>
+        <p:blipFill>
+          <a:blip r:embed="rId8"/>
+          <a:stretch>
+            <a:fillRect/>
+          </a:stretch>
+        </p:blipFill>
+        <p:spPr>
+          <a:xfrm>
+            <a:off x="6121836" y="1111091"/>
+            <a:ext cx="3558448" cy="6007418"/>
+          </a:xfrm>
+          <a:prstGeom prst="rect">
+            <a:avLst/>
+          </a:prstGeom>
+        </p:spPr>
+      </p:pic>
+      <p:sp>
+        <p:nvSpPr>
+          <p:cNvPr id="30" name="직사각형 29">
+            <a:extLst>
+              <a:ext uri="{FF2B5EF4-FFF2-40B4-BE49-F238E27FC236}">
+                <a16:creationId xmlns:a16="http://schemas.microsoft.com/office/drawing/2014/main" id="{22557DA2-B5AC-90F2-A829-600F7D2730F3}"/>
+              </a:ext>
+            </a:extLst>
+          </p:cNvPr>
+          <p:cNvSpPr/>
+          <p:nvPr/>
+        </p:nvSpPr>
+        <p:spPr>
+          <a:xfrm>
+            <a:off x="11384280" y="7074932"/>
+            <a:ext cx="3246120" cy="1154430"/>
+          </a:xfrm>
+          <a:prstGeom prst="rect">
+            <a:avLst/>
+          </a:prstGeom>
+          <a:ln>
+            <a:noFill/>
+          </a:ln>
+        </p:spPr>
+        <p:style>
+          <a:lnRef idx="2">
+            <a:schemeClr val="dk1"/>
+          </a:lnRef>
+          <a:fillRef idx="1">
+            <a:schemeClr val="lt1"/>
+          </a:fillRef>
+          <a:effectRef idx="0">
+            <a:schemeClr val="dk1"/>
+          </a:effectRef>
+          <a:fontRef idx="minor">
+            <a:schemeClr val="dk1"/>
+          </a:fontRef>
+        </p:style>
+        <p:txBody>
+          <a:bodyPr rtlCol="0" anchor="ctr"/>
+          <a:lstStyle/>
+          <a:p>
+            <a:pPr algn="ctr"/>
+            <a:endParaRPr lang="ko-KR" altLang="en-US"/>
           </a:p>
         </p:txBody>
       </p:sp>
@@ -4309,614 +6245,7 @@
 </p:sld>
 </file>
 
-<file path=ppt/slides/slide6.xml><?xml version="1.0" encoding="utf-8"?>
-<p:sld xmlns:a="http://schemas.openxmlformats.org/drawingml/2006/main" xmlns:r="http://schemas.openxmlformats.org/officeDocument/2006/relationships" xmlns:p="http://schemas.openxmlformats.org/presentationml/2006/main">
-  <p:cSld name="Slide 6">
-    <p:spTree>
-      <p:nvGrpSpPr>
-        <p:cNvPr id="1" name=""/>
-        <p:cNvGrpSpPr/>
-        <p:nvPr/>
-      </p:nvGrpSpPr>
-      <p:grpSpPr>
-        <a:xfrm>
-          <a:off x="0" y="0"/>
-          <a:ext cx="0" cy="0"/>
-          <a:chOff x="0" y="0"/>
-          <a:chExt cx="0" cy="0"/>
-        </a:xfrm>
-      </p:grpSpPr>
-      <p:sp>
-        <p:nvSpPr>
-          <p:cNvPr id="2" name="Text 0"/>
-          <p:cNvSpPr/>
-          <p:nvPr/>
-        </p:nvSpPr>
-        <p:spPr>
-          <a:xfrm>
-            <a:off x="709136" y="557213"/>
-            <a:ext cx="5065633" cy="633174"/>
-          </a:xfrm>
-          <a:prstGeom prst="rect">
-            <a:avLst/>
-          </a:prstGeom>
-          <a:noFill/>
-          <a:ln/>
-        </p:spPr>
-        <p:txBody>
-          <a:bodyPr wrap="none" lIns="0" tIns="0" rIns="0" bIns="0" rtlCol="0" anchor="t"/>
-          <a:lstStyle/>
-          <a:p>
-            <a:pPr algn="l" indent="0" marL="0">
-              <a:lnSpc>
-                <a:spcPts val="4950"/>
-              </a:lnSpc>
-              <a:buNone/>
-            </a:pPr>
-            <a:r>
-              <a:rPr lang="en-US" sz="3950" dirty="0">
-                <a:solidFill>
-                  <a:srgbClr val="1D1D1B"/>
-                </a:solidFill>
-                <a:latin typeface="Tomorrow Semi Bold" pitchFamily="34" charset="0"/>
-                <a:ea typeface="Tomorrow Semi Bold" pitchFamily="34" charset="-122"/>
-                <a:cs typeface="Tomorrow Semi Bold" pitchFamily="34" charset="-120"/>
-              </a:rPr>
-              <a:t>주요 기능</a:t>
-            </a:r>
-            <a:endParaRPr lang="en-US" sz="3950" dirty="0"/>
-          </a:p>
-        </p:txBody>
-      </p:sp>
-      <p:pic>
-        <p:nvPicPr>
-          <p:cNvPr id="3" name="Image 0" descr="preencoded.png">    </p:cNvPr>
-          <p:cNvPicPr>
-            <a:picLocks noChangeAspect="1"/>
-          </p:cNvPicPr>
-          <p:nvPr/>
-        </p:nvPicPr>
-        <p:blipFill>
-          <a:blip r:embed="rId1"/>
-          <a:stretch>
-            <a:fillRect/>
-          </a:stretch>
-        </p:blipFill>
-        <p:spPr>
-          <a:xfrm>
-            <a:off x="709136" y="1595557"/>
-            <a:ext cx="1013103" cy="1215747"/>
-          </a:xfrm>
-          <a:prstGeom prst="rect">
-            <a:avLst/>
-          </a:prstGeom>
-        </p:spPr>
-      </p:pic>
-      <p:sp>
-        <p:nvSpPr>
-          <p:cNvPr id="4" name="Text 1"/>
-          <p:cNvSpPr/>
-          <p:nvPr/>
-        </p:nvSpPr>
-        <p:spPr>
-          <a:xfrm>
-            <a:off x="2026087" y="1798082"/>
-            <a:ext cx="2532817" cy="316468"/>
-          </a:xfrm>
-          <a:prstGeom prst="rect">
-            <a:avLst/>
-          </a:prstGeom>
-          <a:noFill/>
-          <a:ln/>
-        </p:spPr>
-        <p:txBody>
-          <a:bodyPr wrap="none" lIns="0" tIns="0" rIns="0" bIns="0" rtlCol="0" anchor="t"/>
-          <a:lstStyle/>
-          <a:p>
-            <a:pPr algn="l" indent="0" marL="0">
-              <a:lnSpc>
-                <a:spcPts val="2450"/>
-              </a:lnSpc>
-              <a:buNone/>
-            </a:pPr>
-            <a:r>
-              <a:rPr lang="en-US" sz="1950" dirty="0">
-                <a:solidFill>
-                  <a:srgbClr val="61615C"/>
-                </a:solidFill>
-                <a:latin typeface="Tomorrow Semi Bold" pitchFamily="34" charset="0"/>
-                <a:ea typeface="Tomorrow Semi Bold" pitchFamily="34" charset="-122"/>
-                <a:cs typeface="Tomorrow Semi Bold" pitchFamily="34" charset="-120"/>
-              </a:rPr>
-              <a:t>난이도 설정</a:t>
-            </a:r>
-            <a:endParaRPr lang="en-US" sz="1950" dirty="0"/>
-          </a:p>
-        </p:txBody>
-      </p:sp>
-      <p:sp>
-        <p:nvSpPr>
-          <p:cNvPr id="5" name="Text 2"/>
-          <p:cNvSpPr/>
-          <p:nvPr/>
-        </p:nvSpPr>
-        <p:spPr>
-          <a:xfrm>
-            <a:off x="2026087" y="2236113"/>
-            <a:ext cx="11895177" cy="324207"/>
-          </a:xfrm>
-          <a:prstGeom prst="rect">
-            <a:avLst/>
-          </a:prstGeom>
-          <a:noFill/>
-          <a:ln/>
-        </p:spPr>
-        <p:txBody>
-          <a:bodyPr wrap="none" lIns="0" tIns="0" rIns="0" bIns="0" rtlCol="0" anchor="t"/>
-          <a:lstStyle/>
-          <a:p>
-            <a:pPr algn="l" indent="0" marL="0">
-              <a:lnSpc>
-                <a:spcPts val="2550"/>
-              </a:lnSpc>
-              <a:buNone/>
-            </a:pPr>
-            <a:r>
-              <a:rPr lang="en-US" sz="1550" dirty="0">
-                <a:solidFill>
-                  <a:srgbClr val="61615C"/>
-                </a:solidFill>
-                <a:latin typeface="Tomorrow" pitchFamily="34" charset="0"/>
-                <a:ea typeface="Tomorrow" pitchFamily="34" charset="-122"/>
-                <a:cs typeface="Tomorrow" pitchFamily="34" charset="-120"/>
-              </a:rPr>
-              <a:t>쉬움, 보통, 어려움</a:t>
-            </a:r>
-            <a:endParaRPr lang="en-US" sz="1550" dirty="0"/>
-          </a:p>
-        </p:txBody>
-      </p:sp>
-      <p:pic>
-        <p:nvPicPr>
-          <p:cNvPr id="6" name="Image 1" descr="preencoded.png">    </p:cNvPr>
-          <p:cNvPicPr>
-            <a:picLocks noChangeAspect="1"/>
-          </p:cNvPicPr>
-          <p:nvPr/>
-        </p:nvPicPr>
-        <p:blipFill>
-          <a:blip r:embed="rId2"/>
-          <a:stretch>
-            <a:fillRect/>
-          </a:stretch>
-        </p:blipFill>
-        <p:spPr>
-          <a:xfrm>
-            <a:off x="709136" y="2811304"/>
-            <a:ext cx="1013103" cy="1215747"/>
-          </a:xfrm>
-          <a:prstGeom prst="rect">
-            <a:avLst/>
-          </a:prstGeom>
-        </p:spPr>
-      </p:pic>
-      <p:sp>
-        <p:nvSpPr>
-          <p:cNvPr id="7" name="Text 3"/>
-          <p:cNvSpPr/>
-          <p:nvPr/>
-        </p:nvSpPr>
-        <p:spPr>
-          <a:xfrm>
-            <a:off x="2026087" y="3013829"/>
-            <a:ext cx="2532817" cy="316468"/>
-          </a:xfrm>
-          <a:prstGeom prst="rect">
-            <a:avLst/>
-          </a:prstGeom>
-          <a:noFill/>
-          <a:ln/>
-        </p:spPr>
-        <p:txBody>
-          <a:bodyPr wrap="none" lIns="0" tIns="0" rIns="0" bIns="0" rtlCol="0" anchor="t"/>
-          <a:lstStyle/>
-          <a:p>
-            <a:pPr algn="l" indent="0" marL="0">
-              <a:lnSpc>
-                <a:spcPts val="2450"/>
-              </a:lnSpc>
-              <a:buNone/>
-            </a:pPr>
-            <a:r>
-              <a:rPr lang="en-US" sz="1950" dirty="0">
-                <a:solidFill>
-                  <a:srgbClr val="61615C"/>
-                </a:solidFill>
-                <a:latin typeface="Tomorrow Semi Bold" pitchFamily="34" charset="0"/>
-                <a:ea typeface="Tomorrow Semi Bold" pitchFamily="34" charset="-122"/>
-                <a:cs typeface="Tomorrow Semi Bold" pitchFamily="34" charset="-120"/>
-              </a:rPr>
-              <a:t>타이머/점수판</a:t>
-            </a:r>
-            <a:endParaRPr lang="en-US" sz="1950" dirty="0"/>
-          </a:p>
-        </p:txBody>
-      </p:sp>
-      <p:sp>
-        <p:nvSpPr>
-          <p:cNvPr id="8" name="Text 4"/>
-          <p:cNvSpPr/>
-          <p:nvPr/>
-        </p:nvSpPr>
-        <p:spPr>
-          <a:xfrm>
-            <a:off x="2026087" y="3451860"/>
-            <a:ext cx="11895177" cy="324207"/>
-          </a:xfrm>
-          <a:prstGeom prst="rect">
-            <a:avLst/>
-          </a:prstGeom>
-          <a:noFill/>
-          <a:ln/>
-        </p:spPr>
-        <p:txBody>
-          <a:bodyPr wrap="none" lIns="0" tIns="0" rIns="0" bIns="0" rtlCol="0" anchor="t"/>
-          <a:lstStyle/>
-          <a:p>
-            <a:pPr algn="l" indent="0" marL="0">
-              <a:lnSpc>
-                <a:spcPts val="2550"/>
-              </a:lnSpc>
-              <a:buNone/>
-            </a:pPr>
-            <a:r>
-              <a:rPr lang="en-US" sz="1550" dirty="0">
-                <a:solidFill>
-                  <a:srgbClr val="61615C"/>
-                </a:solidFill>
-                <a:latin typeface="Tomorrow" pitchFamily="34" charset="0"/>
-                <a:ea typeface="Tomorrow" pitchFamily="34" charset="-122"/>
-                <a:cs typeface="Tomorrow" pitchFamily="34" charset="-120"/>
-              </a:rPr>
-              <a:t>시간 및 점수 표시</a:t>
-            </a:r>
-            <a:endParaRPr lang="en-US" sz="1550" dirty="0"/>
-          </a:p>
-        </p:txBody>
-      </p:sp>
-      <p:pic>
-        <p:nvPicPr>
-          <p:cNvPr id="9" name="Image 2" descr="preencoded.png">    </p:cNvPr>
-          <p:cNvPicPr>
-            <a:picLocks noChangeAspect="1"/>
-          </p:cNvPicPr>
-          <p:nvPr/>
-        </p:nvPicPr>
-        <p:blipFill>
-          <a:blip r:embed="rId3"/>
-          <a:stretch>
-            <a:fillRect/>
-          </a:stretch>
-        </p:blipFill>
-        <p:spPr>
-          <a:xfrm>
-            <a:off x="709136" y="4027051"/>
-            <a:ext cx="1013103" cy="1215747"/>
-          </a:xfrm>
-          <a:prstGeom prst="rect">
-            <a:avLst/>
-          </a:prstGeom>
-        </p:spPr>
-      </p:pic>
-      <p:sp>
-        <p:nvSpPr>
-          <p:cNvPr id="10" name="Text 5"/>
-          <p:cNvSpPr/>
-          <p:nvPr/>
-        </p:nvSpPr>
-        <p:spPr>
-          <a:xfrm>
-            <a:off x="2026087" y="4229576"/>
-            <a:ext cx="2532817" cy="316468"/>
-          </a:xfrm>
-          <a:prstGeom prst="rect">
-            <a:avLst/>
-          </a:prstGeom>
-          <a:noFill/>
-          <a:ln/>
-        </p:spPr>
-        <p:txBody>
-          <a:bodyPr wrap="none" lIns="0" tIns="0" rIns="0" bIns="0" rtlCol="0" anchor="t"/>
-          <a:lstStyle/>
-          <a:p>
-            <a:pPr algn="l" indent="0" marL="0">
-              <a:lnSpc>
-                <a:spcPts val="2450"/>
-              </a:lnSpc>
-              <a:buNone/>
-            </a:pPr>
-            <a:r>
-              <a:rPr lang="en-US" sz="1950" dirty="0">
-                <a:solidFill>
-                  <a:srgbClr val="61615C"/>
-                </a:solidFill>
-                <a:latin typeface="Tomorrow Semi Bold" pitchFamily="34" charset="0"/>
-                <a:ea typeface="Tomorrow Semi Bold" pitchFamily="34" charset="-122"/>
-                <a:cs typeface="Tomorrow Semi Bold" pitchFamily="34" charset="-120"/>
-              </a:rPr>
-              <a:t>랜덤 배치</a:t>
-            </a:r>
-            <a:endParaRPr lang="en-US" sz="1950" dirty="0"/>
-          </a:p>
-        </p:txBody>
-      </p:sp>
-      <p:sp>
-        <p:nvSpPr>
-          <p:cNvPr id="11" name="Text 6"/>
-          <p:cNvSpPr/>
-          <p:nvPr/>
-        </p:nvSpPr>
-        <p:spPr>
-          <a:xfrm>
-            <a:off x="2026087" y="4667607"/>
-            <a:ext cx="11895177" cy="324207"/>
-          </a:xfrm>
-          <a:prstGeom prst="rect">
-            <a:avLst/>
-          </a:prstGeom>
-          <a:noFill/>
-          <a:ln/>
-        </p:spPr>
-        <p:txBody>
-          <a:bodyPr wrap="none" lIns="0" tIns="0" rIns="0" bIns="0" rtlCol="0" anchor="t"/>
-          <a:lstStyle/>
-          <a:p>
-            <a:pPr algn="l" indent="0" marL="0">
-              <a:lnSpc>
-                <a:spcPts val="2550"/>
-              </a:lnSpc>
-              <a:buNone/>
-            </a:pPr>
-            <a:r>
-              <a:rPr lang="en-US" sz="1550" dirty="0">
-                <a:solidFill>
-                  <a:srgbClr val="61615C"/>
-                </a:solidFill>
-                <a:latin typeface="Tomorrow" pitchFamily="34" charset="0"/>
-                <a:ea typeface="Tomorrow" pitchFamily="34" charset="-122"/>
-                <a:cs typeface="Tomorrow" pitchFamily="34" charset="-120"/>
-              </a:rPr>
-              <a:t>카드 랜덤 배치 로직</a:t>
-            </a:r>
-            <a:endParaRPr lang="en-US" sz="1550" dirty="0"/>
-          </a:p>
-        </p:txBody>
-      </p:sp>
-      <p:pic>
-        <p:nvPicPr>
-          <p:cNvPr id="12" name="Image 3" descr="preencoded.png">    </p:cNvPr>
-          <p:cNvPicPr>
-            <a:picLocks noChangeAspect="1"/>
-          </p:cNvPicPr>
-          <p:nvPr/>
-        </p:nvPicPr>
-        <p:blipFill>
-          <a:blip r:embed="rId4"/>
-          <a:stretch>
-            <a:fillRect/>
-          </a:stretch>
-        </p:blipFill>
-        <p:spPr>
-          <a:xfrm>
-            <a:off x="709136" y="5242798"/>
-            <a:ext cx="1013103" cy="1215747"/>
-          </a:xfrm>
-          <a:prstGeom prst="rect">
-            <a:avLst/>
-          </a:prstGeom>
-        </p:spPr>
-      </p:pic>
-      <p:sp>
-        <p:nvSpPr>
-          <p:cNvPr id="13" name="Text 7"/>
-          <p:cNvSpPr/>
-          <p:nvPr/>
-        </p:nvSpPr>
-        <p:spPr>
-          <a:xfrm>
-            <a:off x="2026087" y="5445323"/>
-            <a:ext cx="2532817" cy="316468"/>
-          </a:xfrm>
-          <a:prstGeom prst="rect">
-            <a:avLst/>
-          </a:prstGeom>
-          <a:noFill/>
-          <a:ln/>
-        </p:spPr>
-        <p:txBody>
-          <a:bodyPr wrap="none" lIns="0" tIns="0" rIns="0" bIns="0" rtlCol="0" anchor="t"/>
-          <a:lstStyle/>
-          <a:p>
-            <a:pPr algn="l" indent="0" marL="0">
-              <a:lnSpc>
-                <a:spcPts val="2450"/>
-              </a:lnSpc>
-              <a:buNone/>
-            </a:pPr>
-            <a:r>
-              <a:rPr lang="en-US" sz="1950" dirty="0">
-                <a:solidFill>
-                  <a:srgbClr val="61615C"/>
-                </a:solidFill>
-                <a:latin typeface="Tomorrow Semi Bold" pitchFamily="34" charset="0"/>
-                <a:ea typeface="Tomorrow Semi Bold" pitchFamily="34" charset="-122"/>
-                <a:cs typeface="Tomorrow Semi Bold" pitchFamily="34" charset="-120"/>
-              </a:rPr>
-              <a:t>재시도/초기화</a:t>
-            </a:r>
-            <a:endParaRPr lang="en-US" sz="1950" dirty="0"/>
-          </a:p>
-        </p:txBody>
-      </p:sp>
-      <p:sp>
-        <p:nvSpPr>
-          <p:cNvPr id="14" name="Text 8"/>
-          <p:cNvSpPr/>
-          <p:nvPr/>
-        </p:nvSpPr>
-        <p:spPr>
-          <a:xfrm>
-            <a:off x="2026087" y="5883354"/>
-            <a:ext cx="11895177" cy="324207"/>
-          </a:xfrm>
-          <a:prstGeom prst="rect">
-            <a:avLst/>
-          </a:prstGeom>
-          <a:noFill/>
-          <a:ln/>
-        </p:spPr>
-        <p:txBody>
-          <a:bodyPr wrap="none" lIns="0" tIns="0" rIns="0" bIns="0" rtlCol="0" anchor="t"/>
-          <a:lstStyle/>
-          <a:p>
-            <a:pPr algn="l" indent="0" marL="0">
-              <a:lnSpc>
-                <a:spcPts val="2550"/>
-              </a:lnSpc>
-              <a:buNone/>
-            </a:pPr>
-            <a:r>
-              <a:rPr lang="en-US" sz="1550" dirty="0">
-                <a:solidFill>
-                  <a:srgbClr val="61615C"/>
-                </a:solidFill>
-                <a:latin typeface="Tomorrow" pitchFamily="34" charset="0"/>
-                <a:ea typeface="Tomorrow" pitchFamily="34" charset="-122"/>
-                <a:cs typeface="Tomorrow" pitchFamily="34" charset="-120"/>
-              </a:rPr>
-              <a:t>옵션 제공</a:t>
-            </a:r>
-            <a:endParaRPr lang="en-US" sz="1550" dirty="0"/>
-          </a:p>
-        </p:txBody>
-      </p:sp>
-      <p:pic>
-        <p:nvPicPr>
-          <p:cNvPr id="15" name="Image 4" descr="preencoded.png">    </p:cNvPr>
-          <p:cNvPicPr>
-            <a:picLocks noChangeAspect="1"/>
-          </p:cNvPicPr>
-          <p:nvPr/>
-        </p:nvPicPr>
-        <p:blipFill>
-          <a:blip r:embed="rId5"/>
-          <a:stretch>
-            <a:fillRect/>
-          </a:stretch>
-        </p:blipFill>
-        <p:spPr>
-          <a:xfrm>
-            <a:off x="709136" y="6458545"/>
-            <a:ext cx="1013103" cy="1215747"/>
-          </a:xfrm>
-          <a:prstGeom prst="rect">
-            <a:avLst/>
-          </a:prstGeom>
-        </p:spPr>
-      </p:pic>
-      <p:sp>
-        <p:nvSpPr>
-          <p:cNvPr id="16" name="Text 9"/>
-          <p:cNvSpPr/>
-          <p:nvPr/>
-        </p:nvSpPr>
-        <p:spPr>
-          <a:xfrm>
-            <a:off x="2026087" y="6661071"/>
-            <a:ext cx="2532817" cy="316468"/>
-          </a:xfrm>
-          <a:prstGeom prst="rect">
-            <a:avLst/>
-          </a:prstGeom>
-          <a:noFill/>
-          <a:ln/>
-        </p:spPr>
-        <p:txBody>
-          <a:bodyPr wrap="none" lIns="0" tIns="0" rIns="0" bIns="0" rtlCol="0" anchor="t"/>
-          <a:lstStyle/>
-          <a:p>
-            <a:pPr algn="l" indent="0" marL="0">
-              <a:lnSpc>
-                <a:spcPts val="2450"/>
-              </a:lnSpc>
-              <a:buNone/>
-            </a:pPr>
-            <a:r>
-              <a:rPr lang="en-US" sz="1950" dirty="0">
-                <a:solidFill>
-                  <a:srgbClr val="61615C"/>
-                </a:solidFill>
-                <a:latin typeface="Tomorrow Semi Bold" pitchFamily="34" charset="0"/>
-                <a:ea typeface="Tomorrow Semi Bold" pitchFamily="34" charset="-122"/>
-                <a:cs typeface="Tomorrow Semi Bold" pitchFamily="34" charset="-120"/>
-              </a:rPr>
-              <a:t>스페셜 모드</a:t>
-            </a:r>
-            <a:endParaRPr lang="en-US" sz="1950" dirty="0"/>
-          </a:p>
-        </p:txBody>
-      </p:sp>
-      <p:sp>
-        <p:nvSpPr>
-          <p:cNvPr id="17" name="Text 10"/>
-          <p:cNvSpPr/>
-          <p:nvPr/>
-        </p:nvSpPr>
-        <p:spPr>
-          <a:xfrm>
-            <a:off x="2026087" y="7099102"/>
-            <a:ext cx="11895177" cy="324207"/>
-          </a:xfrm>
-          <a:prstGeom prst="rect">
-            <a:avLst/>
-          </a:prstGeom>
-          <a:noFill/>
-          <a:ln/>
-        </p:spPr>
-        <p:txBody>
-          <a:bodyPr wrap="none" lIns="0" tIns="0" rIns="0" bIns="0" rtlCol="0" anchor="t"/>
-          <a:lstStyle/>
-          <a:p>
-            <a:pPr algn="l" indent="0" marL="0">
-              <a:lnSpc>
-                <a:spcPts val="2550"/>
-              </a:lnSpc>
-              <a:buNone/>
-            </a:pPr>
-            <a:r>
-              <a:rPr lang="en-US" sz="1550" dirty="0">
-                <a:solidFill>
-                  <a:srgbClr val="61615C"/>
-                </a:solidFill>
-                <a:latin typeface="Tomorrow" pitchFamily="34" charset="0"/>
-                <a:ea typeface="Tomorrow" pitchFamily="34" charset="-122"/>
-                <a:cs typeface="Tomorrow" pitchFamily="34" charset="-120"/>
-              </a:rPr>
-              <a:t>좀비, 무한, 히든 모드</a:t>
-            </a:r>
-            <a:endParaRPr lang="en-US" sz="1550" dirty="0"/>
-          </a:p>
-        </p:txBody>
-      </p:sp>
-    </p:spTree>
-  </p:cSld>
-  <p:clrMapOvr>
-    <a:masterClrMapping/>
-  </p:clrMapOvr>
-</p:sld>
-</file>
-
-<file path=ppt/slides/slide7.xml><?xml version="1.0" encoding="utf-8"?>
+<file path=ppt/slides/slide8.xml><?xml version="1.0" encoding="utf-8"?>
 <p:sld xmlns:a="http://schemas.openxmlformats.org/drawingml/2006/main" xmlns:r="http://schemas.openxmlformats.org/officeDocument/2006/relationships" xmlns:p="http://schemas.openxmlformats.org/presentationml/2006/main">
   <p:cSld name="Slide 7">
     <p:spTree>
@@ -4954,7 +6283,7 @@
           <a:bodyPr wrap="none" lIns="0" tIns="0" rIns="0" bIns="0" rtlCol="0" anchor="t"/>
           <a:lstStyle/>
           <a:p>
-            <a:pPr algn="l" indent="0" marL="0">
+            <a:pPr marL="0" indent="0" algn="l">
               <a:lnSpc>
                 <a:spcPts val="5550"/>
               </a:lnSpc>
@@ -4977,14 +6306,14 @@
       </p:sp>
       <p:pic>
         <p:nvPicPr>
-          <p:cNvPr id="3" name="Image 0" descr="preencoded.png">    </p:cNvPr>
+          <p:cNvPr id="3" name="Image 0" descr="preencoded.png"/>
           <p:cNvPicPr>
             <a:picLocks noChangeAspect="1"/>
           </p:cNvPicPr>
           <p:nvPr/>
         </p:nvPicPr>
         <p:blipFill>
-          <a:blip r:embed="rId1"/>
+          <a:blip r:embed="rId3"/>
           <a:stretch>
             <a:fillRect/>
           </a:stretch>
@@ -5020,7 +6349,7 @@
           <a:bodyPr wrap="none" lIns="0" tIns="0" rIns="0" bIns="0" rtlCol="0" anchor="t"/>
           <a:lstStyle/>
           <a:p>
-            <a:pPr algn="ctr" indent="0" marL="0">
+            <a:pPr marL="0" indent="0" algn="ctr">
               <a:lnSpc>
                 <a:spcPts val="4000"/>
               </a:lnSpc>
@@ -5062,7 +6391,7 @@
           <a:bodyPr wrap="none" lIns="0" tIns="0" rIns="0" bIns="0" rtlCol="0" anchor="t"/>
           <a:lstStyle/>
           <a:p>
-            <a:pPr algn="l" indent="0" marL="0">
+            <a:pPr marL="0" indent="0" algn="l">
               <a:lnSpc>
                 <a:spcPts val="2750"/>
               </a:lnSpc>
@@ -5104,7 +6433,7 @@
           <a:bodyPr wrap="none" lIns="0" tIns="0" rIns="0" bIns="0" rtlCol="0" anchor="t"/>
           <a:lstStyle/>
           <a:p>
-            <a:pPr algn="l" indent="0" marL="0">
+            <a:pPr marL="0" indent="0" algn="l">
               <a:lnSpc>
                 <a:spcPts val="2850"/>
               </a:lnSpc>
@@ -5146,17 +6475,24 @@
           </a:solidFill>
           <a:ln/>
         </p:spPr>
+        <p:txBody>
+          <a:bodyPr/>
+          <a:lstStyle/>
+          <a:p>
+            <a:endParaRPr lang="ko-KR" altLang="en-US"/>
+          </a:p>
+        </p:txBody>
       </p:sp>
       <p:pic>
         <p:nvPicPr>
-          <p:cNvPr id="8" name="Image 1" descr="preencoded.png">    </p:cNvPr>
+          <p:cNvPr id="8" name="Image 1" descr="preencoded.png"/>
           <p:cNvPicPr>
             <a:picLocks noChangeAspect="1"/>
           </p:cNvPicPr>
           <p:nvPr/>
         </p:nvPicPr>
         <p:blipFill>
-          <a:blip r:embed="rId2"/>
+          <a:blip r:embed="rId4"/>
           <a:stretch>
             <a:fillRect/>
           </a:stretch>
@@ -5192,7 +6528,7 @@
           <a:bodyPr wrap="none" lIns="0" tIns="0" rIns="0" bIns="0" rtlCol="0" anchor="t"/>
           <a:lstStyle/>
           <a:p>
-            <a:pPr algn="ctr" indent="0" marL="0">
+            <a:pPr marL="0" indent="0" algn="ctr">
               <a:lnSpc>
                 <a:spcPts val="4000"/>
               </a:lnSpc>
@@ -5234,7 +6570,7 @@
           <a:bodyPr wrap="none" lIns="0" tIns="0" rIns="0" bIns="0" rtlCol="0" anchor="t"/>
           <a:lstStyle/>
           <a:p>
-            <a:pPr algn="l" indent="0" marL="0">
+            <a:pPr marL="0" indent="0" algn="l">
               <a:lnSpc>
                 <a:spcPts val="2750"/>
               </a:lnSpc>
@@ -5276,7 +6612,7 @@
           <a:bodyPr wrap="none" lIns="0" tIns="0" rIns="0" bIns="0" rtlCol="0" anchor="t"/>
           <a:lstStyle/>
           <a:p>
-            <a:pPr algn="l" indent="0" marL="0">
+            <a:pPr marL="0" indent="0" algn="l">
               <a:lnSpc>
                 <a:spcPts val="2850"/>
               </a:lnSpc>
@@ -5318,17 +6654,24 @@
           </a:solidFill>
           <a:ln/>
         </p:spPr>
+        <p:txBody>
+          <a:bodyPr/>
+          <a:lstStyle/>
+          <a:p>
+            <a:endParaRPr lang="ko-KR" altLang="en-US"/>
+          </a:p>
+        </p:txBody>
       </p:sp>
       <p:pic>
         <p:nvPicPr>
-          <p:cNvPr id="13" name="Image 2" descr="preencoded.png">    </p:cNvPr>
+          <p:cNvPr id="13" name="Image 2" descr="preencoded.png"/>
           <p:cNvPicPr>
             <a:picLocks noChangeAspect="1"/>
           </p:cNvPicPr>
           <p:nvPr/>
         </p:nvPicPr>
         <p:blipFill>
-          <a:blip r:embed="rId3"/>
+          <a:blip r:embed="rId5"/>
           <a:stretch>
             <a:fillRect/>
           </a:stretch>
@@ -5364,7 +6707,7 @@
           <a:bodyPr wrap="none" lIns="0" tIns="0" rIns="0" bIns="0" rtlCol="0" anchor="t"/>
           <a:lstStyle/>
           <a:p>
-            <a:pPr algn="ctr" indent="0" marL="0">
+            <a:pPr marL="0" indent="0" algn="ctr">
               <a:lnSpc>
                 <a:spcPts val="4000"/>
               </a:lnSpc>
@@ -5406,7 +6749,7 @@
           <a:bodyPr wrap="none" lIns="0" tIns="0" rIns="0" bIns="0" rtlCol="0" anchor="t"/>
           <a:lstStyle/>
           <a:p>
-            <a:pPr algn="l" indent="0" marL="0">
+            <a:pPr marL="0" indent="0" algn="l">
               <a:lnSpc>
                 <a:spcPts val="2750"/>
               </a:lnSpc>
@@ -5448,7 +6791,7 @@
           <a:bodyPr wrap="none" lIns="0" tIns="0" rIns="0" bIns="0" rtlCol="0" anchor="t"/>
           <a:lstStyle/>
           <a:p>
-            <a:pPr algn="l" indent="0" marL="0">
+            <a:pPr marL="0" indent="0" algn="l">
               <a:lnSpc>
                 <a:spcPts val="2850"/>
               </a:lnSpc>
@@ -5466,6 +6809,119 @@
               <a:t>좀비, 무한 모드 종료 문제</a:t>
             </a:r>
             <a:endParaRPr lang="en-US" sz="1750" dirty="0"/>
+          </a:p>
+        </p:txBody>
+      </p:sp>
+      <p:sp>
+        <p:nvSpPr>
+          <p:cNvPr id="17" name="타원 16">
+            <a:extLst>
+              <a:ext uri="{FF2B5EF4-FFF2-40B4-BE49-F238E27FC236}">
+                <a16:creationId xmlns:a16="http://schemas.microsoft.com/office/drawing/2014/main" id="{FD3CD4C4-449E-D5B2-9644-3154D2BD0A07}"/>
+              </a:ext>
+            </a:extLst>
+          </p:cNvPr>
+          <p:cNvSpPr/>
+          <p:nvPr/>
+        </p:nvSpPr>
+        <p:spPr>
+          <a:xfrm>
+            <a:off x="9483507" y="1802904"/>
+            <a:ext cx="4839891" cy="3781306"/>
+          </a:xfrm>
+          <a:prstGeom prst="ellipse">
+            <a:avLst/>
+          </a:prstGeom>
+        </p:spPr>
+        <p:style>
+          <a:lnRef idx="2">
+            <a:schemeClr val="accent1">
+              <a:shade val="15000"/>
+            </a:schemeClr>
+          </a:lnRef>
+          <a:fillRef idx="1">
+            <a:schemeClr val="accent1"/>
+          </a:fillRef>
+          <a:effectRef idx="0">
+            <a:schemeClr val="accent1"/>
+          </a:effectRef>
+          <a:fontRef idx="minor">
+            <a:schemeClr val="lt1"/>
+          </a:fontRef>
+        </p:style>
+        <p:txBody>
+          <a:bodyPr rtlCol="0" anchor="ctr"/>
+          <a:lstStyle/>
+          <a:p>
+            <a:pPr algn="ctr"/>
+            <a:r>
+              <a:rPr lang="en-US" altLang="ko-KR" dirty="0" err="1"/>
+              <a:t>Etc</a:t>
+            </a:r>
+            <a:r>
+              <a:rPr lang="ko-KR" altLang="en-US" dirty="0"/>
+              <a:t> </a:t>
+            </a:r>
+            <a:r>
+              <a:rPr lang="en-US" altLang="ko-KR" dirty="0"/>
+              <a:t>.</a:t>
+            </a:r>
+            <a:r>
+              <a:rPr lang="ko-KR" altLang="en-US" dirty="0"/>
+              <a:t> </a:t>
+            </a:r>
+            <a:r>
+              <a:rPr lang="ko-KR" altLang="en-US" dirty="0" err="1"/>
+              <a:t>궁시렁</a:t>
+            </a:r>
+            <a:endParaRPr lang="ko-KR" altLang="en-US" dirty="0"/>
+          </a:p>
+        </p:txBody>
+      </p:sp>
+      <p:sp>
+        <p:nvSpPr>
+          <p:cNvPr id="18" name="직사각형 17">
+            <a:extLst>
+              <a:ext uri="{FF2B5EF4-FFF2-40B4-BE49-F238E27FC236}">
+                <a16:creationId xmlns:a16="http://schemas.microsoft.com/office/drawing/2014/main" id="{007A7797-F814-9CA7-964D-B9A4FE1CBE98}"/>
+              </a:ext>
+            </a:extLst>
+          </p:cNvPr>
+          <p:cNvSpPr/>
+          <p:nvPr/>
+        </p:nvSpPr>
+        <p:spPr>
+          <a:xfrm>
+            <a:off x="11384280" y="7074932"/>
+            <a:ext cx="3246120" cy="1154430"/>
+          </a:xfrm>
+          <a:prstGeom prst="rect">
+            <a:avLst/>
+          </a:prstGeom>
+          <a:ln>
+            <a:noFill/>
+          </a:ln>
+        </p:spPr>
+        <p:style>
+          <a:lnRef idx="2">
+            <a:schemeClr val="dk1"/>
+          </a:lnRef>
+          <a:fillRef idx="1">
+            <a:schemeClr val="lt1"/>
+          </a:fillRef>
+          <a:effectRef idx="0">
+            <a:schemeClr val="dk1"/>
+          </a:effectRef>
+          <a:fontRef idx="minor">
+            <a:schemeClr val="dk1"/>
+          </a:fontRef>
+        </p:style>
+        <p:txBody>
+          <a:bodyPr rtlCol="0" anchor="ctr"/>
+          <a:lstStyle/>
+          <a:p>
+            <a:pPr algn="ctr"/>
+            <a:endParaRPr lang="ko-KR" altLang="en-US"/>
           </a:p>
         </p:txBody>
       </p:sp>
@@ -5477,7 +6933,7 @@
 </p:sld>
 </file>
 
-<file path=ppt/slides/slide8.xml><?xml version="1.0" encoding="utf-8"?>
+<file path=ppt/slides/slide9.xml><?xml version="1.0" encoding="utf-8"?>
 <p:sld xmlns:a="http://schemas.openxmlformats.org/drawingml/2006/main" xmlns:r="http://schemas.openxmlformats.org/officeDocument/2006/relationships" xmlns:p="http://schemas.openxmlformats.org/presentationml/2006/main">
   <p:cSld name="Slide 8">
     <p:spTree>
@@ -5494,30 +6950,6 @@
           <a:chExt cx="0" cy="0"/>
         </a:xfrm>
       </p:grpSpPr>
-      <p:pic>
-        <p:nvPicPr>
-          <p:cNvPr id="2" name="Image 0" descr="preencoded.png">    </p:cNvPr>
-          <p:cNvPicPr>
-            <a:picLocks noChangeAspect="1"/>
-          </p:cNvPicPr>
-          <p:nvPr/>
-        </p:nvPicPr>
-        <p:blipFill>
-          <a:blip r:embed="rId1"/>
-          <a:stretch>
-            <a:fillRect/>
-          </a:stretch>
-        </p:blipFill>
-        <p:spPr>
-          <a:xfrm>
-            <a:off x="9144000" y="0"/>
-            <a:ext cx="5486400" cy="8229600"/>
-          </a:xfrm>
-          <a:prstGeom prst="rect">
-            <a:avLst/>
-          </a:prstGeom>
-        </p:spPr>
-      </p:pic>
       <p:sp>
         <p:nvSpPr>
           <p:cNvPr id="3" name="Text 0"/>
@@ -5526,7 +6958,7 @@
         </p:nvSpPr>
         <p:spPr>
           <a:xfrm>
-            <a:off x="793790" y="3408878"/>
+            <a:off x="793790" y="1020008"/>
             <a:ext cx="5670590" cy="708779"/>
           </a:xfrm>
           <a:prstGeom prst="rect">
@@ -5539,7 +6971,7 @@
           <a:bodyPr wrap="none" lIns="0" tIns="0" rIns="0" bIns="0" rtlCol="0" anchor="t"/>
           <a:lstStyle/>
           <a:p>
-            <a:pPr algn="l" indent="0" marL="0">
+            <a:pPr marL="0" indent="0" algn="l">
               <a:lnSpc>
                 <a:spcPts val="5550"/>
               </a:lnSpc>
@@ -5568,7 +7000,7 @@
         </p:nvSpPr>
         <p:spPr>
           <a:xfrm>
-            <a:off x="793790" y="4457819"/>
+            <a:off x="793790" y="2126099"/>
             <a:ext cx="7556421" cy="362903"/>
           </a:xfrm>
           <a:prstGeom prst="rect">
@@ -5581,7 +7013,7 @@
           <a:bodyPr wrap="none" lIns="0" tIns="0" rIns="0" bIns="0" rtlCol="0" anchor="t"/>
           <a:lstStyle/>
           <a:p>
-            <a:pPr algn="l" indent="0" marL="0">
+            <a:pPr marL="0" indent="0" algn="l">
               <a:lnSpc>
                 <a:spcPts val="2850"/>
               </a:lnSpc>
@@ -5599,6 +7031,53 @@
               <a:t>팀원 간 협업을 통해 얻은 경험과 느낀 점을 공유합니다.</a:t>
             </a:r>
             <a:endParaRPr lang="en-US" sz="1750" dirty="0"/>
+          </a:p>
+        </p:txBody>
+      </p:sp>
+      <p:sp>
+        <p:nvSpPr>
+          <p:cNvPr id="6" name="직사각형 5">
+            <a:extLst>
+              <a:ext uri="{FF2B5EF4-FFF2-40B4-BE49-F238E27FC236}">
+                <a16:creationId xmlns:a16="http://schemas.microsoft.com/office/drawing/2014/main" id="{3E4C41C1-30E5-33A2-7D31-7803EF2AA086}"/>
+              </a:ext>
+            </a:extLst>
+          </p:cNvPr>
+          <p:cNvSpPr/>
+          <p:nvPr/>
+        </p:nvSpPr>
+        <p:spPr>
+          <a:xfrm>
+            <a:off x="11384280" y="7074932"/>
+            <a:ext cx="3246120" cy="1154430"/>
+          </a:xfrm>
+          <a:prstGeom prst="rect">
+            <a:avLst/>
+          </a:prstGeom>
+          <a:ln>
+            <a:noFill/>
+          </a:ln>
+        </p:spPr>
+        <p:style>
+          <a:lnRef idx="2">
+            <a:schemeClr val="dk1"/>
+          </a:lnRef>
+          <a:fillRef idx="1">
+            <a:schemeClr val="lt1"/>
+          </a:fillRef>
+          <a:effectRef idx="0">
+            <a:schemeClr val="dk1"/>
+          </a:effectRef>
+          <a:fontRef idx="minor">
+            <a:schemeClr val="dk1"/>
+          </a:fontRef>
+        </p:style>
+        <p:txBody>
+          <a:bodyPr rtlCol="0" anchor="ctr"/>
+          <a:lstStyle/>
+          <a:p>
+            <a:pPr algn="ctr"/>
+            <a:endParaRPr lang="ko-KR" altLang="en-US"/>
           </a:p>
         </p:txBody>
       </p:sp>
@@ -5903,4 +7382,319 @@
     </a:ext>
   </a:extLst>
 </a:theme>
+</file>
+
+<file path=ppt/theme/theme2.xml><?xml version="1.0" encoding="utf-8"?>
+<a:theme xmlns:a="http://schemas.openxmlformats.org/drawingml/2006/main" name="Office 테마">
+  <a:themeElements>
+    <a:clrScheme name="Office">
+      <a:dk1>
+        <a:sysClr val="windowText" lastClr="000000"/>
+      </a:dk1>
+      <a:lt1>
+        <a:sysClr val="window" lastClr="FFFFFF"/>
+      </a:lt1>
+      <a:dk2>
+        <a:srgbClr val="0E2841"/>
+      </a:dk2>
+      <a:lt2>
+        <a:srgbClr val="E8E8E8"/>
+      </a:lt2>
+      <a:accent1>
+        <a:srgbClr val="156082"/>
+      </a:accent1>
+      <a:accent2>
+        <a:srgbClr val="E97132"/>
+      </a:accent2>
+      <a:accent3>
+        <a:srgbClr val="196B24"/>
+      </a:accent3>
+      <a:accent4>
+        <a:srgbClr val="0F9ED5"/>
+      </a:accent4>
+      <a:accent5>
+        <a:srgbClr val="A02B93"/>
+      </a:accent5>
+      <a:accent6>
+        <a:srgbClr val="4EA72E"/>
+      </a:accent6>
+      <a:hlink>
+        <a:srgbClr val="467886"/>
+      </a:hlink>
+      <a:folHlink>
+        <a:srgbClr val="96607D"/>
+      </a:folHlink>
+    </a:clrScheme>
+    <a:fontScheme name="Office">
+      <a:majorFont>
+        <a:latin typeface="맑은 고딕" panose="02110004020202020204"/>
+        <a:ea typeface=""/>
+        <a:cs typeface=""/>
+        <a:font script="Jpan" typeface="游ゴシック Light"/>
+        <a:font script="Hang" typeface="맑은 고딕"/>
+        <a:font script="Hans" typeface="等线 Light"/>
+        <a:font script="Hant" typeface="新細明體"/>
+        <a:font script="Arab" typeface="Times New Roman"/>
+        <a:font script="Hebr" typeface="Times New Roman"/>
+        <a:font script="Thai" typeface="Angsana New"/>
+        <a:font script="Ethi" typeface="Nyala"/>
+        <a:font script="Beng" typeface="Vrinda"/>
+        <a:font script="Gujr" typeface="Shruti"/>
+        <a:font script="Khmr" typeface="MoolBoran"/>
+        <a:font script="Knda" typeface="Tunga"/>
+        <a:font script="Guru" typeface="Raavi"/>
+        <a:font script="Cans" typeface="Euphemia"/>
+        <a:font script="Cher" typeface="Plantagenet Cherokee"/>
+        <a:font script="Yiii" typeface="Microsoft Yi Baiti"/>
+        <a:font script="Tibt" typeface="Microsoft Himalaya"/>
+        <a:font script="Thaa" typeface="MV Boli"/>
+        <a:font script="Deva" typeface="Mangal"/>
+        <a:font script="Telu" typeface="Gautami"/>
+        <a:font script="Taml" typeface="Latha"/>
+        <a:font script="Syrc" typeface="Estrangelo Edessa"/>
+        <a:font script="Orya" typeface="Kalinga"/>
+        <a:font script="Mlym" typeface="Kartika"/>
+        <a:font script="Laoo" typeface="DokChampa"/>
+        <a:font script="Sinh" typeface="Iskoola Pota"/>
+        <a:font script="Mong" typeface="Mongolian Baiti"/>
+        <a:font script="Viet" typeface="Times New Roman"/>
+        <a:font script="Uigh" typeface="Microsoft Uighur"/>
+        <a:font script="Geor" typeface="Sylfaen"/>
+        <a:font script="Armn" typeface="Arial"/>
+        <a:font script="Bugi" typeface="Leelawadee UI"/>
+        <a:font script="Bopo" typeface="Microsoft JhengHei"/>
+        <a:font script="Java" typeface="Javanese Text"/>
+        <a:font script="Lisu" typeface="Segoe UI"/>
+        <a:font script="Mymr" typeface="Myanmar Text"/>
+        <a:font script="Nkoo" typeface="Ebrima"/>
+        <a:font script="Olck" typeface="Nirmala UI"/>
+        <a:font script="Osma" typeface="Ebrima"/>
+        <a:font script="Phag" typeface="Phagspa"/>
+        <a:font script="Syrn" typeface="Estrangelo Edessa"/>
+        <a:font script="Syrj" typeface="Estrangelo Edessa"/>
+        <a:font script="Syre" typeface="Estrangelo Edessa"/>
+        <a:font script="Sora" typeface="Nirmala UI"/>
+        <a:font script="Tale" typeface="Microsoft Tai Le"/>
+        <a:font script="Talu" typeface="Microsoft New Tai Lue"/>
+        <a:font script="Tfng" typeface="Ebrima"/>
+      </a:majorFont>
+      <a:minorFont>
+        <a:latin typeface="맑은 고딕" panose="02110004020202020204"/>
+        <a:ea typeface=""/>
+        <a:cs typeface=""/>
+        <a:font script="Jpan" typeface="游ゴシック"/>
+        <a:font script="Hang" typeface="맑은 고딕"/>
+        <a:font script="Hans" typeface="等线"/>
+        <a:font script="Hant" typeface="新細明體"/>
+        <a:font script="Arab" typeface="Arial"/>
+        <a:font script="Hebr" typeface="Arial"/>
+        <a:font script="Thai" typeface="Cordia New"/>
+        <a:font script="Ethi" typeface="Nyala"/>
+        <a:font script="Beng" typeface="Vrinda"/>
+        <a:font script="Gujr" typeface="Shruti"/>
+        <a:font script="Khmr" typeface="DaunPenh"/>
+        <a:font script="Knda" typeface="Tunga"/>
+        <a:font script="Guru" typeface="Raavi"/>
+        <a:font script="Cans" typeface="Euphemia"/>
+        <a:font script="Cher" typeface="Plantagenet Cherokee"/>
+        <a:font script="Yiii" typeface="Microsoft Yi Baiti"/>
+        <a:font script="Tibt" typeface="Microsoft Himalaya"/>
+        <a:font script="Thaa" typeface="MV Boli"/>
+        <a:font script="Deva" typeface="Mangal"/>
+        <a:font script="Telu" typeface="Gautami"/>
+        <a:font script="Taml" typeface="Latha"/>
+        <a:font script="Syrc" typeface="Estrangelo Edessa"/>
+        <a:font script="Orya" typeface="Kalinga"/>
+        <a:font script="Mlym" typeface="Kartika"/>
+        <a:font script="Laoo" typeface="DokChampa"/>
+        <a:font script="Sinh" typeface="Iskoola Pota"/>
+        <a:font script="Mong" typeface="Mongolian Baiti"/>
+        <a:font script="Viet" typeface="Arial"/>
+        <a:font script="Uigh" typeface="Microsoft Uighur"/>
+        <a:font script="Geor" typeface="Sylfaen"/>
+        <a:font script="Armn" typeface="Arial"/>
+        <a:font script="Bugi" typeface="Leelawadee UI"/>
+        <a:font script="Bopo" typeface="Microsoft JhengHei"/>
+        <a:font script="Java" typeface="Javanese Text"/>
+        <a:font script="Lisu" typeface="Segoe UI"/>
+        <a:font script="Mymr" typeface="Myanmar Text"/>
+        <a:font script="Nkoo" typeface="Ebrima"/>
+        <a:font script="Olck" typeface="Nirmala UI"/>
+        <a:font script="Osma" typeface="Ebrima"/>
+        <a:font script="Phag" typeface="Phagspa"/>
+        <a:font script="Syrn" typeface="Estrangelo Edessa"/>
+        <a:font script="Syrj" typeface="Estrangelo Edessa"/>
+        <a:font script="Syre" typeface="Estrangelo Edessa"/>
+        <a:font script="Sora" typeface="Nirmala UI"/>
+        <a:font script="Tale" typeface="Microsoft Tai Le"/>
+        <a:font script="Talu" typeface="Microsoft New Tai Lue"/>
+        <a:font script="Tfng" typeface="Ebrima"/>
+      </a:minorFont>
+    </a:fontScheme>
+    <a:fmtScheme name="Office">
+      <a:fillStyleLst>
+        <a:solidFill>
+          <a:schemeClr val="phClr"/>
+        </a:solidFill>
+        <a:gradFill rotWithShape="1">
+          <a:gsLst>
+            <a:gs pos="0">
+              <a:schemeClr val="phClr">
+                <a:lumMod val="110000"/>
+                <a:satMod val="105000"/>
+                <a:tint val="67000"/>
+              </a:schemeClr>
+            </a:gs>
+            <a:gs pos="50000">
+              <a:schemeClr val="phClr">
+                <a:lumMod val="105000"/>
+                <a:satMod val="103000"/>
+                <a:tint val="73000"/>
+              </a:schemeClr>
+            </a:gs>
+            <a:gs pos="100000">
+              <a:schemeClr val="phClr">
+                <a:lumMod val="105000"/>
+                <a:satMod val="109000"/>
+                <a:tint val="81000"/>
+              </a:schemeClr>
+            </a:gs>
+          </a:gsLst>
+          <a:lin ang="5400000" scaled="0"/>
+        </a:gradFill>
+        <a:gradFill rotWithShape="1">
+          <a:gsLst>
+            <a:gs pos="0">
+              <a:schemeClr val="phClr">
+                <a:satMod val="103000"/>
+                <a:lumMod val="102000"/>
+                <a:tint val="94000"/>
+              </a:schemeClr>
+            </a:gs>
+            <a:gs pos="50000">
+              <a:schemeClr val="phClr">
+                <a:satMod val="110000"/>
+                <a:lumMod val="100000"/>
+                <a:shade val="100000"/>
+              </a:schemeClr>
+            </a:gs>
+            <a:gs pos="100000">
+              <a:schemeClr val="phClr">
+                <a:lumMod val="99000"/>
+                <a:satMod val="120000"/>
+                <a:shade val="78000"/>
+              </a:schemeClr>
+            </a:gs>
+          </a:gsLst>
+          <a:lin ang="5400000" scaled="0"/>
+        </a:gradFill>
+      </a:fillStyleLst>
+      <a:lnStyleLst>
+        <a:ln w="12700" cap="flat" cmpd="sng" algn="ctr">
+          <a:solidFill>
+            <a:schemeClr val="phClr"/>
+          </a:solidFill>
+          <a:prstDash val="solid"/>
+          <a:miter lim="800000"/>
+        </a:ln>
+        <a:ln w="19050" cap="flat" cmpd="sng" algn="ctr">
+          <a:solidFill>
+            <a:schemeClr val="phClr"/>
+          </a:solidFill>
+          <a:prstDash val="solid"/>
+          <a:miter lim="800000"/>
+        </a:ln>
+        <a:ln w="25400" cap="flat" cmpd="sng" algn="ctr">
+          <a:solidFill>
+            <a:schemeClr val="phClr"/>
+          </a:solidFill>
+          <a:prstDash val="solid"/>
+          <a:miter lim="800000"/>
+        </a:ln>
+      </a:lnStyleLst>
+      <a:effectStyleLst>
+        <a:effectStyle>
+          <a:effectLst/>
+        </a:effectStyle>
+        <a:effectStyle>
+          <a:effectLst/>
+        </a:effectStyle>
+        <a:effectStyle>
+          <a:effectLst>
+            <a:outerShdw blurRad="57150" dist="19050" dir="5400000" algn="ctr" rotWithShape="0">
+              <a:srgbClr val="000000">
+                <a:alpha val="63000"/>
+              </a:srgbClr>
+            </a:outerShdw>
+          </a:effectLst>
+        </a:effectStyle>
+      </a:effectStyleLst>
+      <a:bgFillStyleLst>
+        <a:solidFill>
+          <a:schemeClr val="phClr"/>
+        </a:solidFill>
+        <a:solidFill>
+          <a:schemeClr val="phClr">
+            <a:tint val="95000"/>
+            <a:satMod val="170000"/>
+          </a:schemeClr>
+        </a:solidFill>
+        <a:gradFill rotWithShape="1">
+          <a:gsLst>
+            <a:gs pos="0">
+              <a:schemeClr val="phClr">
+                <a:tint val="93000"/>
+                <a:satMod val="150000"/>
+                <a:shade val="98000"/>
+                <a:lumMod val="102000"/>
+              </a:schemeClr>
+            </a:gs>
+            <a:gs pos="50000">
+              <a:schemeClr val="phClr">
+                <a:tint val="98000"/>
+                <a:satMod val="130000"/>
+                <a:shade val="90000"/>
+                <a:lumMod val="103000"/>
+              </a:schemeClr>
+            </a:gs>
+            <a:gs pos="100000">
+              <a:schemeClr val="phClr">
+                <a:shade val="63000"/>
+                <a:satMod val="120000"/>
+              </a:schemeClr>
+            </a:gs>
+          </a:gsLst>
+          <a:lin ang="5400000" scaled="0"/>
+        </a:gradFill>
+      </a:bgFillStyleLst>
+    </a:fmtScheme>
+  </a:themeElements>
+  <a:objectDefaults>
+    <a:lnDef>
+      <a:spPr/>
+      <a:bodyPr/>
+      <a:lstStyle/>
+      <a:style>
+        <a:lnRef idx="2">
+          <a:schemeClr val="accent1"/>
+        </a:lnRef>
+        <a:fillRef idx="0">
+          <a:schemeClr val="accent1"/>
+        </a:fillRef>
+        <a:effectRef idx="1">
+          <a:schemeClr val="accent1"/>
+        </a:effectRef>
+        <a:fontRef idx="minor">
+          <a:schemeClr val="tx1"/>
+        </a:fontRef>
+      </a:style>
+    </a:lnDef>
+  </a:objectDefaults>
+  <a:extraClrSchemeLst/>
+  <a:extLst>
+    <a:ext uri="{05A4C25C-085E-4340-85A3-A5531E510DB2}">
+      <thm15:themeFamily xmlns:thm15="http://schemas.microsoft.com/office/thememl/2012/main" name="Office Theme" id="{2E142A2C-CD16-42D6-873A-C26D2A0506FA}" vid="{1BDDFF52-6CD6-40A5-AB3C-68EB2F1E4D0A}"/>
+    </a:ext>
+  </a:extLst>
+</a:theme>
 </file>